--- a/Pubs/CDC16/Paper/figs/OverReachFigure_NL.pptx
+++ b/Pubs/CDC16/Paper/figs/OverReachFigure_NL.pptx
@@ -288,7 +288,7 @@
           <a:p>
             <a:fld id="{2D15D275-A332-439B-8539-769CB1C78085}" type="datetimeFigureOut">
               <a:rPr lang="en-US" smtClean="0"/>
-              <a:t>3/10/2016</a:t>
+              <a:t>3/11/2016</a:t>
             </a:fld>
             <a:endParaRPr lang="en-US"/>
           </a:p>
@@ -458,7 +458,7 @@
           <a:p>
             <a:fld id="{2D15D275-A332-439B-8539-769CB1C78085}" type="datetimeFigureOut">
               <a:rPr lang="en-US" smtClean="0"/>
-              <a:t>3/10/2016</a:t>
+              <a:t>3/11/2016</a:t>
             </a:fld>
             <a:endParaRPr lang="en-US"/>
           </a:p>
@@ -638,7 +638,7 @@
           <a:p>
             <a:fld id="{2D15D275-A332-439B-8539-769CB1C78085}" type="datetimeFigureOut">
               <a:rPr lang="en-US" smtClean="0"/>
-              <a:t>3/10/2016</a:t>
+              <a:t>3/11/2016</a:t>
             </a:fld>
             <a:endParaRPr lang="en-US"/>
           </a:p>
@@ -808,7 +808,7 @@
           <a:p>
             <a:fld id="{2D15D275-A332-439B-8539-769CB1C78085}" type="datetimeFigureOut">
               <a:rPr lang="en-US" smtClean="0"/>
-              <a:t>3/10/2016</a:t>
+              <a:t>3/11/2016</a:t>
             </a:fld>
             <a:endParaRPr lang="en-US"/>
           </a:p>
@@ -1054,7 +1054,7 @@
           <a:p>
             <a:fld id="{2D15D275-A332-439B-8539-769CB1C78085}" type="datetimeFigureOut">
               <a:rPr lang="en-US" smtClean="0"/>
-              <a:t>3/10/2016</a:t>
+              <a:t>3/11/2016</a:t>
             </a:fld>
             <a:endParaRPr lang="en-US"/>
           </a:p>
@@ -1342,7 +1342,7 @@
           <a:p>
             <a:fld id="{2D15D275-A332-439B-8539-769CB1C78085}" type="datetimeFigureOut">
               <a:rPr lang="en-US" smtClean="0"/>
-              <a:t>3/10/2016</a:t>
+              <a:t>3/11/2016</a:t>
             </a:fld>
             <a:endParaRPr lang="en-US"/>
           </a:p>
@@ -1764,7 +1764,7 @@
           <a:p>
             <a:fld id="{2D15D275-A332-439B-8539-769CB1C78085}" type="datetimeFigureOut">
               <a:rPr lang="en-US" smtClean="0"/>
-              <a:t>3/10/2016</a:t>
+              <a:t>3/11/2016</a:t>
             </a:fld>
             <a:endParaRPr lang="en-US"/>
           </a:p>
@@ -1882,7 +1882,7 @@
           <a:p>
             <a:fld id="{2D15D275-A332-439B-8539-769CB1C78085}" type="datetimeFigureOut">
               <a:rPr lang="en-US" smtClean="0"/>
-              <a:t>3/10/2016</a:t>
+              <a:t>3/11/2016</a:t>
             </a:fld>
             <a:endParaRPr lang="en-US"/>
           </a:p>
@@ -1977,7 +1977,7 @@
           <a:p>
             <a:fld id="{2D15D275-A332-439B-8539-769CB1C78085}" type="datetimeFigureOut">
               <a:rPr lang="en-US" smtClean="0"/>
-              <a:t>3/10/2016</a:t>
+              <a:t>3/11/2016</a:t>
             </a:fld>
             <a:endParaRPr lang="en-US"/>
           </a:p>
@@ -2254,7 +2254,7 @@
           <a:p>
             <a:fld id="{2D15D275-A332-439B-8539-769CB1C78085}" type="datetimeFigureOut">
               <a:rPr lang="en-US" smtClean="0"/>
-              <a:t>3/10/2016</a:t>
+              <a:t>3/11/2016</a:t>
             </a:fld>
             <a:endParaRPr lang="en-US"/>
           </a:p>
@@ -2507,7 +2507,7 @@
           <a:p>
             <a:fld id="{2D15D275-A332-439B-8539-769CB1C78085}" type="datetimeFigureOut">
               <a:rPr lang="en-US" smtClean="0"/>
-              <a:t>3/10/2016</a:t>
+              <a:t>3/11/2016</a:t>
             </a:fld>
             <a:endParaRPr lang="en-US"/>
           </a:p>
@@ -2720,7 +2720,7 @@
           <a:p>
             <a:fld id="{2D15D275-A332-439B-8539-769CB1C78085}" type="datetimeFigureOut">
               <a:rPr lang="en-US" smtClean="0"/>
-              <a:t>3/10/2016</a:t>
+              <a:t>3/11/2016</a:t>
             </a:fld>
             <a:endParaRPr lang="en-US"/>
           </a:p>
@@ -3222,8 +3222,8 @@
           </a:fontRef>
         </p:style>
       </p:cxnSp>
-      <mc:AlternateContent xmlns:mc="http://schemas.openxmlformats.org/markup-compatibility/2006">
-        <mc:Choice xmlns:a14="http://schemas.microsoft.com/office/drawing/2010/main" Requires="a14">
+      <mc:AlternateContent xmlns:mc="http://schemas.openxmlformats.org/markup-compatibility/2006" xmlns:a14="http://schemas.microsoft.com/office/drawing/2010/main">
+        <mc:Choice Requires="a14">
           <p:sp>
             <p:nvSpPr>
               <p:cNvPr id="8" name="TextBox 7"/>
@@ -3285,7 +3285,7 @@
             </p:txBody>
           </p:sp>
         </mc:Choice>
-        <mc:Fallback>
+        <mc:Fallback xmlns="">
           <p:sp>
             <p:nvSpPr>
               <p:cNvPr id="8" name="TextBox 7"/>
@@ -3360,8 +3360,8 @@
           </a:fontRef>
         </p:style>
       </p:cxnSp>
-      <mc:AlternateContent xmlns:mc="http://schemas.openxmlformats.org/markup-compatibility/2006">
-        <mc:Choice xmlns:a14="http://schemas.microsoft.com/office/drawing/2010/main" Requires="a14">
+      <mc:AlternateContent xmlns:mc="http://schemas.openxmlformats.org/markup-compatibility/2006" xmlns:a14="http://schemas.microsoft.com/office/drawing/2010/main">
+        <mc:Choice Requires="a14">
           <p:sp>
             <p:nvSpPr>
               <p:cNvPr id="12" name="TextBox 11"/>
@@ -3456,14 +3456,7 @@
                           <a:latin typeface="Cambria Math"/>
                           <a:ea typeface="Cambria Math"/>
                         </a:rPr>
-                        <m:t>⨁</m:t>
-                      </m:r>
-                      <m:r>
-                        <a:rPr lang="en-US" sz="1200" b="0" i="1" smtClean="0">
-                          <a:latin typeface="Cambria Math"/>
-                          <a:ea typeface="Cambria Math"/>
-                        </a:rPr>
-                        <m:t>(−</m:t>
+                        <m:t>⨁(−</m:t>
                       </m:r>
                       <m:r>
                         <a:rPr lang="en-US" sz="1200" b="0" i="1" smtClean="0">
@@ -3487,7 +3480,7 @@
             </p:txBody>
           </p:sp>
         </mc:Choice>
-        <mc:Fallback>
+        <mc:Fallback xmlns="">
           <p:sp>
             <p:nvSpPr>
               <p:cNvPr id="12" name="TextBox 11"/>
@@ -3634,8 +3627,8 @@
           </a:p>
         </p:txBody>
       </p:sp>
-      <mc:AlternateContent xmlns:mc="http://schemas.openxmlformats.org/markup-compatibility/2006">
-        <mc:Choice xmlns:a14="http://schemas.microsoft.com/office/drawing/2010/main" Requires="a14">
+      <mc:AlternateContent xmlns:mc="http://schemas.openxmlformats.org/markup-compatibility/2006" xmlns:a14="http://schemas.microsoft.com/office/drawing/2010/main">
+        <mc:Choice Requires="a14">
           <p:sp>
             <p:nvSpPr>
               <p:cNvPr id="21" name="TextBox 20"/>
@@ -3699,7 +3692,7 @@
             </p:txBody>
           </p:sp>
         </mc:Choice>
-        <mc:Fallback>
+        <mc:Fallback xmlns="">
           <p:sp>
             <p:nvSpPr>
               <p:cNvPr id="21" name="TextBox 20"/>
@@ -3988,8 +3981,8 @@
           </a:fontRef>
         </p:style>
       </p:cxnSp>
-      <mc:AlternateContent xmlns:mc="http://schemas.openxmlformats.org/markup-compatibility/2006">
-        <mc:Choice xmlns:a14="http://schemas.microsoft.com/office/drawing/2010/main" Requires="a14">
+      <mc:AlternateContent xmlns:mc="http://schemas.openxmlformats.org/markup-compatibility/2006" xmlns:a14="http://schemas.microsoft.com/office/drawing/2010/main">
+        <mc:Choice Requires="a14">
           <p:sp>
             <p:nvSpPr>
               <p:cNvPr id="28" name="TextBox 27"/>
@@ -4051,7 +4044,7 @@
             </p:txBody>
           </p:sp>
         </mc:Choice>
-        <mc:Fallback>
+        <mc:Fallback xmlns="">
           <p:sp>
             <p:nvSpPr>
               <p:cNvPr id="28" name="TextBox 27"/>
@@ -4400,8 +4393,8 @@
           </a:fontRef>
         </p:style>
       </p:cxnSp>
-      <mc:AlternateContent xmlns:mc="http://schemas.openxmlformats.org/markup-compatibility/2006">
-        <mc:Choice xmlns:a14="http://schemas.microsoft.com/office/drawing/2010/main" Requires="a14">
+      <mc:AlternateContent xmlns:mc="http://schemas.openxmlformats.org/markup-compatibility/2006" xmlns:a14="http://schemas.microsoft.com/office/drawing/2010/main">
+        <mc:Choice Requires="a14">
           <p:sp>
             <p:nvSpPr>
               <p:cNvPr id="32" name="TextBox 31"/>
@@ -4469,7 +4462,7 @@
             </p:txBody>
           </p:sp>
         </mc:Choice>
-        <mc:Fallback>
+        <mc:Fallback xmlns="">
           <p:sp>
             <p:nvSpPr>
               <p:cNvPr id="32" name="TextBox 31"/>
@@ -4668,20 +4661,6 @@
                               </m:r>
                             </m:e>
                           </m:d>
-                          <m:r>
-                            <a:rPr lang="en-US" sz="1200" b="0" i="1" smtClean="0">
-                              <a:latin typeface="Cambria Math"/>
-                              <a:ea typeface="Cambria Math"/>
-                            </a:rPr>
-                            <m:t>+</m:t>
-                          </m:r>
-                          <m:r>
-                            <a:rPr lang="en-US" sz="1200" b="0" i="1" smtClean="0">
-                              <a:latin typeface="Cambria Math"/>
-                              <a:ea typeface="Cambria Math"/>
-                            </a:rPr>
-                            <m:t>𝐸</m:t>
-                          </m:r>
                         </m:e>
                       </m:d>
                     </m:oMath>
@@ -4807,8 +4786,8 @@
           </a:fontRef>
         </p:style>
       </p:cxnSp>
-      <mc:AlternateContent xmlns:mc="http://schemas.openxmlformats.org/markup-compatibility/2006">
-        <mc:Choice xmlns:a14="http://schemas.microsoft.com/office/drawing/2010/main" Requires="a14">
+      <mc:AlternateContent xmlns:mc="http://schemas.openxmlformats.org/markup-compatibility/2006" xmlns:a14="http://schemas.microsoft.com/office/drawing/2010/main">
+        <mc:Choice Requires="a14">
           <p:sp>
             <p:nvSpPr>
               <p:cNvPr id="48" name="TextBox 47"/>
@@ -4894,7 +4873,7 @@
             </p:txBody>
           </p:sp>
         </mc:Choice>
-        <mc:Fallback>
+        <mc:Fallback xmlns="">
           <p:sp>
             <p:nvSpPr>
               <p:cNvPr id="48" name="TextBox 47"/>
@@ -4933,8 +4912,8 @@
           </p:sp>
         </mc:Fallback>
       </mc:AlternateContent>
-      <mc:AlternateContent xmlns:mc="http://schemas.openxmlformats.org/markup-compatibility/2006">
-        <mc:Choice xmlns:a14="http://schemas.microsoft.com/office/drawing/2010/main" Requires="a14">
+      <mc:AlternateContent xmlns:mc="http://schemas.openxmlformats.org/markup-compatibility/2006" xmlns:a14="http://schemas.microsoft.com/office/drawing/2010/main">
+        <mc:Choice Requires="a14">
           <p:sp>
             <p:nvSpPr>
               <p:cNvPr id="52" name="TextBox 51"/>
@@ -5048,7 +5027,7 @@
             </p:txBody>
           </p:sp>
         </mc:Choice>
-        <mc:Fallback>
+        <mc:Fallback xmlns="">
           <p:sp>
             <p:nvSpPr>
               <p:cNvPr id="52" name="TextBox 51"/>
@@ -5121,8 +5100,8 @@
           </a:fontRef>
         </p:style>
       </p:cxnSp>
-      <mc:AlternateContent xmlns:mc="http://schemas.openxmlformats.org/markup-compatibility/2006">
-        <mc:Choice xmlns:a14="http://schemas.microsoft.com/office/drawing/2010/main" Requires="a14">
+      <mc:AlternateContent xmlns:mc="http://schemas.openxmlformats.org/markup-compatibility/2006" xmlns:a14="http://schemas.microsoft.com/office/drawing/2010/main">
+        <mc:Choice Requires="a14">
           <p:sp>
             <p:nvSpPr>
               <p:cNvPr id="55" name="TextBox 54"/>
@@ -5284,7 +5263,7 @@
             </p:txBody>
           </p:sp>
         </mc:Choice>
-        <mc:Fallback>
+        <mc:Fallback xmlns="">
           <p:sp>
             <p:nvSpPr>
               <p:cNvPr id="55" name="TextBox 54"/>
@@ -5393,8 +5372,8 @@
           </a:fontRef>
         </p:style>
       </p:cxnSp>
-      <mc:AlternateContent xmlns:mc="http://schemas.openxmlformats.org/markup-compatibility/2006">
-        <mc:Choice xmlns:a14="http://schemas.microsoft.com/office/drawing/2010/main" Requires="a14">
+      <mc:AlternateContent xmlns:mc="http://schemas.openxmlformats.org/markup-compatibility/2006" xmlns:a14="http://schemas.microsoft.com/office/drawing/2010/main">
+        <mc:Choice Requires="a14">
           <p:sp>
             <p:nvSpPr>
               <p:cNvPr id="67" name="TextBox 66"/>
@@ -5547,7 +5526,7 @@
                     <m:d>
                       <m:dPr>
                         <m:ctrlPr>
-                          <a:rPr lang="en-US" sz="1200" b="0" i="0" smtClean="0">
+                          <a:rPr lang="en-US" sz="1200" b="0" i="1" smtClean="0">
                             <a:latin typeface="Cambria Math"/>
                             <a:ea typeface="Cambria Math"/>
                           </a:rPr>
@@ -5600,7 +5579,7 @@
             </p:txBody>
           </p:sp>
         </mc:Choice>
-        <mc:Fallback>
+        <mc:Fallback xmlns="">
           <p:sp>
             <p:nvSpPr>
               <p:cNvPr id="67" name="TextBox 66"/>
@@ -5673,8 +5652,8 @@
           </a:fontRef>
         </p:style>
       </p:cxnSp>
-      <mc:AlternateContent xmlns:mc="http://schemas.openxmlformats.org/markup-compatibility/2006">
-        <mc:Choice xmlns:a14="http://schemas.microsoft.com/office/drawing/2010/main" Requires="a14">
+      <mc:AlternateContent xmlns:mc="http://schemas.openxmlformats.org/markup-compatibility/2006" xmlns:a14="http://schemas.microsoft.com/office/drawing/2010/main">
+        <mc:Choice Requires="a14">
           <p:sp>
             <p:nvSpPr>
               <p:cNvPr id="75" name="TextBox 74"/>
@@ -5815,14 +5794,7 @@
                       <a:rPr lang="en-US" sz="1200" b="0" i="1" smtClean="0">
                         <a:latin typeface="Cambria Math"/>
                       </a:rPr>
-                      <m:t>)</m:t>
-                    </m:r>
-                    <m:r>
-                      <a:rPr lang="en-US" sz="1200" i="1">
-                        <a:latin typeface="Cambria Math"/>
-                        <a:ea typeface="Cambria Math"/>
-                      </a:rPr>
-                      <m:t>⨁</m:t>
+                      <m:t>)⨁</m:t>
                     </m:r>
                     <m:r>
                       <a:rPr lang="en-US" sz="1200" b="0" i="0" smtClean="0">
@@ -5863,7 +5835,7 @@
             </p:txBody>
           </p:sp>
         </mc:Choice>
-        <mc:Fallback>
+        <mc:Fallback xmlns="">
           <p:sp>
             <p:nvSpPr>
               <p:cNvPr id="75" name="TextBox 74"/>
@@ -6079,7 +6051,7 @@
         </p:nvSpPr>
         <p:spPr>
           <a:xfrm>
-            <a:off x="5334000" y="3048000"/>
+            <a:off x="5200650" y="3048000"/>
             <a:ext cx="133350" cy="202464"/>
           </a:xfrm>
           <a:prstGeom prst="rect">

--- a/Pubs/CDC16/Paper/figs/OverReachFigure_NL.pptx
+++ b/Pubs/CDC16/Paper/figs/OverReachFigure_NL.pptx
@@ -104,6 +104,22 @@
       </a:defRPr>
     </a:lvl9pPr>
   </p:defaultTextStyle>
+  <p:extLst>
+    <p:ext uri="{EFAFB233-063F-42B5-8137-9DF3F51BA10A}">
+      <p15:sldGuideLst xmlns:p15="http://schemas.microsoft.com/office/powerpoint/2012/main">
+        <p15:guide id="1" orient="horz" pos="2160">
+          <p15:clr>
+            <a:srgbClr val="A4A3A4"/>
+          </p15:clr>
+        </p15:guide>
+        <p15:guide id="2" pos="2880">
+          <p15:clr>
+            <a:srgbClr val="A4A3A4"/>
+          </p15:clr>
+        </p15:guide>
+      </p15:sldGuideLst>
+    </p:ext>
+  </p:extLst>
 </p:presentation>
 </file>
 
@@ -288,7 +304,7 @@
           <a:p>
             <a:fld id="{2D15D275-A332-439B-8539-769CB1C78085}" type="datetimeFigureOut">
               <a:rPr lang="en-US" smtClean="0"/>
-              <a:t>3/11/2016</a:t>
+              <a:t>3/15/16</a:t>
             </a:fld>
             <a:endParaRPr lang="en-US"/>
           </a:p>
@@ -458,7 +474,7 @@
           <a:p>
             <a:fld id="{2D15D275-A332-439B-8539-769CB1C78085}" type="datetimeFigureOut">
               <a:rPr lang="en-US" smtClean="0"/>
-              <a:t>3/11/2016</a:t>
+              <a:t>3/15/16</a:t>
             </a:fld>
             <a:endParaRPr lang="en-US"/>
           </a:p>
@@ -638,7 +654,7 @@
           <a:p>
             <a:fld id="{2D15D275-A332-439B-8539-769CB1C78085}" type="datetimeFigureOut">
               <a:rPr lang="en-US" smtClean="0"/>
-              <a:t>3/11/2016</a:t>
+              <a:t>3/15/16</a:t>
             </a:fld>
             <a:endParaRPr lang="en-US"/>
           </a:p>
@@ -808,7 +824,7 @@
           <a:p>
             <a:fld id="{2D15D275-A332-439B-8539-769CB1C78085}" type="datetimeFigureOut">
               <a:rPr lang="en-US" smtClean="0"/>
-              <a:t>3/11/2016</a:t>
+              <a:t>3/15/16</a:t>
             </a:fld>
             <a:endParaRPr lang="en-US"/>
           </a:p>
@@ -1054,7 +1070,7 @@
           <a:p>
             <a:fld id="{2D15D275-A332-439B-8539-769CB1C78085}" type="datetimeFigureOut">
               <a:rPr lang="en-US" smtClean="0"/>
-              <a:t>3/11/2016</a:t>
+              <a:t>3/15/16</a:t>
             </a:fld>
             <a:endParaRPr lang="en-US"/>
           </a:p>
@@ -1342,7 +1358,7 @@
           <a:p>
             <a:fld id="{2D15D275-A332-439B-8539-769CB1C78085}" type="datetimeFigureOut">
               <a:rPr lang="en-US" smtClean="0"/>
-              <a:t>3/11/2016</a:t>
+              <a:t>3/15/16</a:t>
             </a:fld>
             <a:endParaRPr lang="en-US"/>
           </a:p>
@@ -1764,7 +1780,7 @@
           <a:p>
             <a:fld id="{2D15D275-A332-439B-8539-769CB1C78085}" type="datetimeFigureOut">
               <a:rPr lang="en-US" smtClean="0"/>
-              <a:t>3/11/2016</a:t>
+              <a:t>3/15/16</a:t>
             </a:fld>
             <a:endParaRPr lang="en-US"/>
           </a:p>
@@ -1882,7 +1898,7 @@
           <a:p>
             <a:fld id="{2D15D275-A332-439B-8539-769CB1C78085}" type="datetimeFigureOut">
               <a:rPr lang="en-US" smtClean="0"/>
-              <a:t>3/11/2016</a:t>
+              <a:t>3/15/16</a:t>
             </a:fld>
             <a:endParaRPr lang="en-US"/>
           </a:p>
@@ -1977,7 +1993,7 @@
           <a:p>
             <a:fld id="{2D15D275-A332-439B-8539-769CB1C78085}" type="datetimeFigureOut">
               <a:rPr lang="en-US" smtClean="0"/>
-              <a:t>3/11/2016</a:t>
+              <a:t>3/15/16</a:t>
             </a:fld>
             <a:endParaRPr lang="en-US"/>
           </a:p>
@@ -2254,7 +2270,7 @@
           <a:p>
             <a:fld id="{2D15D275-A332-439B-8539-769CB1C78085}" type="datetimeFigureOut">
               <a:rPr lang="en-US" smtClean="0"/>
-              <a:t>3/11/2016</a:t>
+              <a:t>3/15/16</a:t>
             </a:fld>
             <a:endParaRPr lang="en-US"/>
           </a:p>
@@ -2507,7 +2523,7 @@
           <a:p>
             <a:fld id="{2D15D275-A332-439B-8539-769CB1C78085}" type="datetimeFigureOut">
               <a:rPr lang="en-US" smtClean="0"/>
-              <a:t>3/11/2016</a:t>
+              <a:t>3/15/16</a:t>
             </a:fld>
             <a:endParaRPr lang="en-US"/>
           </a:p>
@@ -2720,7 +2736,7 @@
           <a:p>
             <a:fld id="{2D15D275-A332-439B-8539-769CB1C78085}" type="datetimeFigureOut">
               <a:rPr lang="en-US" smtClean="0"/>
-              <a:t>3/11/2016</a:t>
+              <a:t>3/15/16</a:t>
             </a:fld>
             <a:endParaRPr lang="en-US"/>
           </a:p>
@@ -3095,150 +3111,232 @@
           <a:chExt cx="0" cy="0"/>
         </a:xfrm>
       </p:grpSpPr>
-      <p:sp>
-        <p:nvSpPr>
-          <p:cNvPr id="4" name="Rectangle 3"/>
-          <p:cNvSpPr/>
+      <p:grpSp>
+        <p:nvGrpSpPr>
+          <p:cNvPr id="92" name="Group 91"/>
+          <p:cNvGrpSpPr/>
           <p:nvPr/>
-        </p:nvSpPr>
-        <p:spPr>
+        </p:nvGrpSpPr>
+        <p:grpSpPr>
           <a:xfrm>
-            <a:off x="1231135" y="1600200"/>
-            <a:ext cx="609600" cy="609600"/>
+            <a:off x="665718" y="1066800"/>
+            <a:ext cx="609600" cy="617510"/>
+            <a:chOff x="665718" y="1080852"/>
+            <a:chExt cx="609600" cy="617510"/>
           </a:xfrm>
-          <a:prstGeom prst="rect">
-            <a:avLst/>
-          </a:prstGeom>
-          <a:noFill/>
-          <a:ln>
+        </p:grpSpPr>
+        <p:sp>
+          <p:nvSpPr>
+            <p:cNvPr id="4" name="Rectangle 3"/>
+            <p:cNvSpPr/>
+            <p:nvPr/>
+          </p:nvSpPr>
+          <p:spPr>
+            <a:xfrm>
+              <a:off x="665718" y="1088762"/>
+              <a:ext cx="609600" cy="609600"/>
+            </a:xfrm>
+            <a:prstGeom prst="rect">
+              <a:avLst/>
+            </a:prstGeom>
+            <a:noFill/>
+            <a:ln>
+              <a:solidFill>
+                <a:schemeClr val="tx2"/>
+              </a:solidFill>
+            </a:ln>
+          </p:spPr>
+          <p:style>
+            <a:lnRef idx="2">
+              <a:schemeClr val="accent1">
+                <a:shade val="50000"/>
+              </a:schemeClr>
+            </a:lnRef>
+            <a:fillRef idx="1">
+              <a:schemeClr val="accent1"/>
+            </a:fillRef>
+            <a:effectRef idx="0">
+              <a:schemeClr val="accent1"/>
+            </a:effectRef>
+            <a:fontRef idx="minor">
+              <a:schemeClr val="lt1"/>
+            </a:fontRef>
+          </p:style>
+          <p:txBody>
+            <a:bodyPr rtlCol="0" anchor="ctr"/>
+            <a:lstStyle/>
+            <a:p>
+              <a:pPr algn="ctr"/>
+              <a:endParaRPr lang="en-US"/>
+            </a:p>
+          </p:txBody>
+        </p:sp>
+        <p:sp>
+          <p:nvSpPr>
+            <p:cNvPr id="5" name="5-Point Star 4"/>
+            <p:cNvSpPr/>
+            <p:nvPr/>
+          </p:nvSpPr>
+          <p:spPr>
+            <a:xfrm>
+              <a:off x="888351" y="1328618"/>
+              <a:ext cx="152400" cy="152400"/>
+            </a:xfrm>
+            <a:prstGeom prst="star5">
+              <a:avLst/>
+            </a:prstGeom>
             <a:solidFill>
               <a:schemeClr val="tx1"/>
             </a:solidFill>
-          </a:ln>
-        </p:spPr>
-        <p:style>
-          <a:lnRef idx="2">
-            <a:schemeClr val="accent1">
-              <a:shade val="50000"/>
-            </a:schemeClr>
-          </a:lnRef>
-          <a:fillRef idx="1">
-            <a:schemeClr val="accent1"/>
-          </a:fillRef>
-          <a:effectRef idx="0">
-            <a:schemeClr val="accent1"/>
-          </a:effectRef>
-          <a:fontRef idx="minor">
-            <a:schemeClr val="lt1"/>
-          </a:fontRef>
-        </p:style>
-        <p:txBody>
-          <a:bodyPr rtlCol="0" anchor="ctr"/>
-          <a:lstStyle/>
-          <a:p>
-            <a:pPr algn="ctr"/>
-            <a:endParaRPr lang="en-US"/>
-          </a:p>
-        </p:txBody>
-      </p:sp>
-      <p:sp>
-        <p:nvSpPr>
-          <p:cNvPr id="5" name="5-Point Star 4"/>
-          <p:cNvSpPr/>
-          <p:nvPr/>
-        </p:nvSpPr>
-        <p:spPr>
-          <a:xfrm>
-            <a:off x="1447800" y="1828800"/>
-            <a:ext cx="152400" cy="152400"/>
-          </a:xfrm>
-          <a:prstGeom prst="star5">
-            <a:avLst/>
-          </a:prstGeom>
-          <a:solidFill>
-            <a:schemeClr val="tx1"/>
-          </a:solidFill>
-        </p:spPr>
-        <p:style>
-          <a:lnRef idx="2">
-            <a:schemeClr val="accent1">
-              <a:shade val="50000"/>
-            </a:schemeClr>
-          </a:lnRef>
-          <a:fillRef idx="1">
-            <a:schemeClr val="accent1"/>
-          </a:fillRef>
-          <a:effectRef idx="0">
-            <a:schemeClr val="accent1"/>
-          </a:effectRef>
-          <a:fontRef idx="minor">
-            <a:schemeClr val="lt1"/>
-          </a:fontRef>
-        </p:style>
-        <p:txBody>
-          <a:bodyPr rtlCol="0" anchor="ctr"/>
-          <a:lstStyle/>
-          <a:p>
-            <a:pPr algn="ctr"/>
-            <a:endParaRPr lang="en-US"/>
-          </a:p>
-        </p:txBody>
-      </p:sp>
-      <p:cxnSp>
-        <p:nvCxnSpPr>
-          <p:cNvPr id="7" name="Straight Arrow Connector 6"/>
-          <p:cNvCxnSpPr>
-            <a:endCxn id="5" idx="1"/>
-          </p:cNvCxnSpPr>
-          <p:nvPr/>
-        </p:nvCxnSpPr>
-        <p:spPr>
-          <a:xfrm flipV="1">
-            <a:off x="914400" y="1887011"/>
-            <a:ext cx="533400" cy="170389"/>
-          </a:xfrm>
-          <a:prstGeom prst="straightConnector1">
-            <a:avLst/>
-          </a:prstGeom>
-          <a:ln>
-            <a:solidFill>
-              <a:schemeClr val="tx1"/>
-            </a:solidFill>
-            <a:tailEnd type="arrow"/>
-          </a:ln>
-        </p:spPr>
-        <p:style>
-          <a:lnRef idx="1">
-            <a:schemeClr val="accent1"/>
-          </a:lnRef>
-          <a:fillRef idx="0">
-            <a:schemeClr val="accent1"/>
-          </a:fillRef>
-          <a:effectRef idx="0">
-            <a:schemeClr val="accent1"/>
-          </a:effectRef>
-          <a:fontRef idx="minor">
-            <a:schemeClr val="tx1"/>
-          </a:fontRef>
-        </p:style>
-      </p:cxnSp>
-      <mc:AlternateContent xmlns:mc="http://schemas.openxmlformats.org/markup-compatibility/2006" xmlns:a14="http://schemas.microsoft.com/office/drawing/2010/main">
-        <mc:Choice Requires="a14">
+          </p:spPr>
+          <p:style>
+            <a:lnRef idx="2">
+              <a:schemeClr val="accent1">
+                <a:shade val="50000"/>
+              </a:schemeClr>
+            </a:lnRef>
+            <a:fillRef idx="1">
+              <a:schemeClr val="accent1"/>
+            </a:fillRef>
+            <a:effectRef idx="0">
+              <a:schemeClr val="accent1"/>
+            </a:effectRef>
+            <a:fontRef idx="minor">
+              <a:schemeClr val="lt1"/>
+            </a:fontRef>
+          </p:style>
+          <p:txBody>
+            <a:bodyPr rtlCol="0" anchor="ctr"/>
+            <a:lstStyle/>
+            <a:p>
+              <a:pPr algn="ctr"/>
+              <a:endParaRPr lang="en-US"/>
+            </a:p>
+          </p:txBody>
+        </p:sp>
+        <mc:AlternateContent xmlns:mc="http://schemas.openxmlformats.org/markup-compatibility/2006">
+          <mc:Choice xmlns:a14="http://schemas.microsoft.com/office/drawing/2010/main" Requires="a14">
+            <p:sp>
+              <p:nvSpPr>
+                <p:cNvPr id="8" name="TextBox 7"/>
+                <p:cNvSpPr txBox="1"/>
+                <p:nvPr/>
+              </p:nvSpPr>
+              <p:spPr>
+                <a:xfrm>
+                  <a:off x="689858" y="1080852"/>
+                  <a:ext cx="339507" cy="272767"/>
+                </a:xfrm>
+                <a:prstGeom prst="rect">
+                  <a:avLst/>
+                </a:prstGeom>
+                <a:noFill/>
+              </p:spPr>
+              <p:txBody>
+                <a:bodyPr wrap="square" rtlCol="0">
+                  <a:spAutoFit/>
+                </a:bodyPr>
+                <a:lstStyle/>
+                <a:p>
+                  <a:pPr/>
+                  <a14:m>
+                    <m:oMathPara xmlns:m="http://schemas.openxmlformats.org/officeDocument/2006/math">
+                      <m:oMathParaPr>
+                        <m:jc m:val="centerGroup"/>
+                      </m:oMathParaPr>
+                      <m:oMath xmlns:m="http://schemas.openxmlformats.org/officeDocument/2006/math">
+                        <m:acc>
+                          <m:accPr>
+                            <m:chr m:val="̂"/>
+                            <m:ctrlPr>
+                              <a:rPr lang="en-US" sz="1200" i="1" smtClean="0">
+                                <a:latin typeface="Cambria Math" charset="0"/>
+                              </a:rPr>
+                            </m:ctrlPr>
+                          </m:accPr>
+                          <m:e>
+                            <m:r>
+                              <a:rPr lang="en-US" sz="1200" b="0" i="1" smtClean="0">
+                                <a:latin typeface="Cambria Math"/>
+                              </a:rPr>
+                              <m:t>𝑥</m:t>
+                            </m:r>
+                          </m:e>
+                        </m:acc>
+                        <m:r>
+                          <a:rPr lang="en-US" sz="1200" b="0" i="1" baseline="-25000" smtClean="0">
+                            <a:latin typeface="Cambria Math"/>
+                          </a:rPr>
+                          <m:t>𝑘</m:t>
+                        </m:r>
+                      </m:oMath>
+                    </m:oMathPara>
+                  </a14:m>
+                  <a:endParaRPr lang="en-US" sz="1200" baseline="-25000" dirty="0"/>
+                </a:p>
+              </p:txBody>
+            </p:sp>
+          </mc:Choice>
+          <mc:Fallback>
+            <p:sp>
+              <p:nvSpPr>
+                <p:cNvPr id="8" name="TextBox 7"/>
+                <p:cNvSpPr txBox="1">
+                  <a:spLocks noRot="1" noChangeAspect="1" noMove="1" noResize="1" noEditPoints="1" noAdjustHandles="1" noChangeArrowheads="1" noChangeShapeType="1" noTextEdit="1"/>
+                </p:cNvSpPr>
+                <p:nvPr/>
+              </p:nvSpPr>
+              <p:spPr>
+                <a:xfrm>
+                  <a:off x="689858" y="1080852"/>
+                  <a:ext cx="339507" cy="272767"/>
+                </a:xfrm>
+                <a:prstGeom prst="rect">
+                  <a:avLst/>
+                </a:prstGeom>
+                <a:blipFill rotWithShape="0">
+                  <a:blip r:embed="rId2"/>
+                  <a:stretch>
+                    <a:fillRect/>
+                  </a:stretch>
+                </a:blipFill>
+              </p:spPr>
+              <p:txBody>
+                <a:bodyPr/>
+                <a:lstStyle/>
+                <a:p>
+                  <a:r>
+                    <a:rPr lang="en-US">
+                      <a:noFill/>
+                    </a:rPr>
+                    <a:t> </a:t>
+                  </a:r>
+                </a:p>
+              </p:txBody>
+            </p:sp>
+          </mc:Fallback>
+        </mc:AlternateContent>
+      </p:grpSp>
+      <mc:AlternateContent xmlns:mc="http://schemas.openxmlformats.org/markup-compatibility/2006">
+        <mc:Choice xmlns:a14="http://schemas.microsoft.com/office/drawing/2010/main" Requires="a14">
           <p:sp>
             <p:nvSpPr>
-              <p:cNvPr id="8" name="TextBox 7"/>
+              <p:cNvPr id="12" name="TextBox 11"/>
               <p:cNvSpPr txBox="1"/>
               <p:nvPr/>
             </p:nvSpPr>
             <p:spPr>
               <a:xfrm>
-                <a:off x="609600" y="1905000"/>
-                <a:ext cx="533400" cy="272767"/>
+                <a:off x="143348" y="625912"/>
+                <a:ext cx="1801278" cy="327077"/>
               </a:xfrm>
               <a:prstGeom prst="rect">
                 <a:avLst/>
               </a:prstGeom>
               <a:noFill/>
+              <a:ln>
+                <a:noFill/>
+              </a:ln>
             </p:spPr>
             <p:txBody>
               <a:bodyPr wrap="square" rtlCol="0">
@@ -3253,171 +3351,46 @@
                       <m:jc m:val="centerGroup"/>
                     </m:oMathParaPr>
                     <m:oMath xmlns:m="http://schemas.openxmlformats.org/officeDocument/2006/math">
-                      <m:acc>
-                        <m:accPr>
-                          <m:chr m:val="̂"/>
+                      <m:sSub>
+                        <m:sSubPr>
                           <m:ctrlPr>
-                            <a:rPr lang="en-US" sz="1200" i="1" smtClean="0">
-                              <a:latin typeface="Cambria Math"/>
+                            <a:rPr lang="en-US" sz="1400" i="1" smtClean="0">
+                              <a:latin typeface="Cambria Math" charset="0"/>
                             </a:rPr>
                           </m:ctrlPr>
-                        </m:accPr>
+                        </m:sSubPr>
                         <m:e>
                           <m:r>
-                            <a:rPr lang="en-US" sz="1200" b="0" i="1" smtClean="0">
-                              <a:latin typeface="Cambria Math"/>
-                            </a:rPr>
-                            <m:t>𝑥</m:t>
+                            <a:rPr lang="en-US" sz="1400" b="0" i="1" smtClean="0">
+                              <a:latin typeface="Cambria Math" charset="0"/>
+                            </a:rPr>
+                            <m:t>𝑋</m:t>
                           </m:r>
                         </m:e>
-                      </m:acc>
+                        <m:sub>
+                          <m:r>
+                            <a:rPr lang="en-US" sz="1400" b="0" i="1" smtClean="0">
+                              <a:latin typeface="Cambria Math" charset="0"/>
+                            </a:rPr>
+                            <m:t>𝑘</m:t>
+                          </m:r>
+                          <m:r>
+                            <a:rPr lang="en-US" sz="1400" b="0" i="1" smtClean="0">
+                              <a:latin typeface="Cambria Math" charset="0"/>
+                            </a:rPr>
+                            <m:t>|</m:t>
+                          </m:r>
+                          <m:r>
+                            <a:rPr lang="en-US" sz="1400" b="0" i="1" smtClean="0">
+                              <a:latin typeface="Cambria Math" charset="0"/>
+                            </a:rPr>
+                            <m:t>𝑘</m:t>
+                          </m:r>
+                        </m:sub>
+                      </m:sSub>
                       <m:r>
-                        <a:rPr lang="en-US" sz="1200" b="0" i="1" baseline="-25000" smtClean="0">
-                          <a:latin typeface="Cambria Math"/>
-                        </a:rPr>
-                        <m:t>𝑘</m:t>
-                      </m:r>
-                    </m:oMath>
-                  </m:oMathPara>
-                </a14:m>
-                <a:endParaRPr lang="en-US" sz="1200" baseline="-25000" dirty="0"/>
-              </a:p>
-            </p:txBody>
-          </p:sp>
-        </mc:Choice>
-        <mc:Fallback xmlns="">
-          <p:sp>
-            <p:nvSpPr>
-              <p:cNvPr id="8" name="TextBox 7"/>
-              <p:cNvSpPr txBox="1">
-                <a:spLocks noRot="1" noChangeAspect="1" noMove="1" noResize="1" noEditPoints="1" noAdjustHandles="1" noChangeArrowheads="1" noChangeShapeType="1" noTextEdit="1"/>
-              </p:cNvSpPr>
-              <p:nvPr/>
-            </p:nvSpPr>
-            <p:spPr>
-              <a:xfrm>
-                <a:off x="609600" y="1905000"/>
-                <a:ext cx="533400" cy="272767"/>
-              </a:xfrm>
-              <a:prstGeom prst="rect">
-                <a:avLst/>
-              </a:prstGeom>
-              <a:blipFill rotWithShape="1">
-                <a:blip r:embed="rId2"/>
-                <a:stretch>
-                  <a:fillRect r="-1136"/>
-                </a:stretch>
-              </a:blipFill>
-            </p:spPr>
-            <p:txBody>
-              <a:bodyPr/>
-              <a:lstStyle/>
-              <a:p>
-                <a:r>
-                  <a:rPr lang="en-US">
-                    <a:noFill/>
-                  </a:rPr>
-                  <a:t> </a:t>
-                </a:r>
-              </a:p>
-            </p:txBody>
-          </p:sp>
-        </mc:Fallback>
-      </mc:AlternateContent>
-      <p:cxnSp>
-        <p:nvCxnSpPr>
-          <p:cNvPr id="9" name="Straight Arrow Connector 8"/>
-          <p:cNvCxnSpPr/>
-          <p:nvPr/>
-        </p:nvCxnSpPr>
-        <p:spPr>
-          <a:xfrm flipV="1">
-            <a:off x="1067259" y="2209800"/>
-            <a:ext cx="266700" cy="228574"/>
-          </a:xfrm>
-          <a:prstGeom prst="straightConnector1">
-            <a:avLst/>
-          </a:prstGeom>
-          <a:ln>
-            <a:solidFill>
-              <a:schemeClr val="tx1"/>
-            </a:solidFill>
-            <a:tailEnd type="arrow"/>
-          </a:ln>
-        </p:spPr>
-        <p:style>
-          <a:lnRef idx="1">
-            <a:schemeClr val="accent1"/>
-          </a:lnRef>
-          <a:fillRef idx="0">
-            <a:schemeClr val="accent1"/>
-          </a:fillRef>
-          <a:effectRef idx="0">
-            <a:schemeClr val="accent1"/>
-          </a:effectRef>
-          <a:fontRef idx="minor">
-            <a:schemeClr val="tx1"/>
-          </a:fontRef>
-        </p:style>
-      </p:cxnSp>
-      <mc:AlternateContent xmlns:mc="http://schemas.openxmlformats.org/markup-compatibility/2006" xmlns:a14="http://schemas.microsoft.com/office/drawing/2010/main">
-        <mc:Choice Requires="a14">
-          <p:sp>
-            <p:nvSpPr>
-              <p:cNvPr id="12" name="TextBox 11"/>
-              <p:cNvSpPr txBox="1"/>
-              <p:nvPr/>
-            </p:nvSpPr>
-            <p:spPr>
-              <a:xfrm>
-                <a:off x="248109" y="2381392"/>
-                <a:ext cx="1905000" cy="273023"/>
-              </a:xfrm>
-              <a:prstGeom prst="rect">
-                <a:avLst/>
-              </a:prstGeom>
-              <a:noFill/>
-            </p:spPr>
-            <p:txBody>
-              <a:bodyPr wrap="square" rtlCol="0">
-                <a:spAutoFit/>
-              </a:bodyPr>
-              <a:lstStyle/>
-              <a:p>
-                <a:pPr/>
-                <a14:m>
-                  <m:oMathPara xmlns:m="http://schemas.openxmlformats.org/officeDocument/2006/math">
-                    <m:oMathParaPr>
-                      <m:jc m:val="centerGroup"/>
-                    </m:oMathParaPr>
-                    <m:oMath xmlns:m="http://schemas.openxmlformats.org/officeDocument/2006/math">
-                      <m:r>
-                        <a:rPr lang="en-US" sz="1200" b="0" i="1" smtClean="0">
-                          <a:latin typeface="Cambria Math"/>
-                        </a:rPr>
-                        <m:t>𝑋</m:t>
-                      </m:r>
-                      <m:r>
-                        <a:rPr lang="en-US" sz="1200" b="0" i="1" baseline="-25000" smtClean="0">
-                          <a:latin typeface="Cambria Math"/>
-                        </a:rPr>
-                        <m:t>𝑘</m:t>
-                      </m:r>
-                      <m:r>
-                        <a:rPr lang="en-US" sz="1200" b="0" i="1" baseline="-25000" smtClean="0">
-                          <a:latin typeface="Cambria Math"/>
-                        </a:rPr>
-                        <m:t>|</m:t>
-                      </m:r>
-                      <m:r>
-                        <a:rPr lang="en-US" sz="1200" b="0" i="1" baseline="-25000" smtClean="0">
-                          <a:latin typeface="Cambria Math"/>
-                        </a:rPr>
-                        <m:t>𝑘</m:t>
-                      </m:r>
-                      <m:r>
-                        <a:rPr lang="en-US" sz="1200" b="0" i="1" baseline="-25000" smtClean="0">
-                          <a:latin typeface="Cambria Math"/>
+                        <a:rPr lang="en-US" sz="1400" b="0" i="1" smtClean="0">
+                          <a:latin typeface="Cambria Math" charset="0"/>
                         </a:rPr>
                         <m:t>={</m:t>
                       </m:r>
@@ -3425,48 +3398,61 @@
                         <m:accPr>
                           <m:chr m:val="̂"/>
                           <m:ctrlPr>
-                            <a:rPr lang="en-US" sz="1200" i="1" smtClean="0">
-                              <a:latin typeface="Cambria Math"/>
+                            <a:rPr lang="en-US" sz="1400" b="0" i="1" smtClean="0">
+                              <a:latin typeface="Cambria Math" charset="0"/>
                             </a:rPr>
                           </m:ctrlPr>
                         </m:accPr>
                         <m:e>
-                          <m:r>
-                            <a:rPr lang="en-US" sz="1200" b="0" i="1" smtClean="0">
-                              <a:latin typeface="Cambria Math"/>
-                            </a:rPr>
-                            <m:t>𝑥</m:t>
-                          </m:r>
+                          <m:sSub>
+                            <m:sSubPr>
+                              <m:ctrlPr>
+                                <a:rPr lang="en-US" sz="1400" b="0" i="1" smtClean="0">
+                                  <a:latin typeface="Cambria Math" charset="0"/>
+                                </a:rPr>
+                              </m:ctrlPr>
+                            </m:sSubPr>
+                            <m:e>
+                              <m:r>
+                                <a:rPr lang="en-US" sz="1400" b="0" i="1" smtClean="0">
+                                  <a:latin typeface="Cambria Math" charset="0"/>
+                                </a:rPr>
+                                <m:t>𝑥</m:t>
+                              </m:r>
+                            </m:e>
+                            <m:sub>
+                              <m:r>
+                                <a:rPr lang="en-US" sz="1400" b="0" i="1" smtClean="0">
+                                  <a:latin typeface="Cambria Math" charset="0"/>
+                                </a:rPr>
+                                <m:t>𝑘</m:t>
+                              </m:r>
+                            </m:sub>
+                          </m:sSub>
                         </m:e>
                       </m:acc>
                       <m:r>
-                        <a:rPr lang="en-US" sz="1200" b="0" i="1" baseline="-25000" smtClean="0">
-                          <a:latin typeface="Cambria Math"/>
-                        </a:rPr>
-                        <m:t>𝑘</m:t>
-                      </m:r>
-                      <m:r>
-                        <a:rPr lang="en-US" sz="1200" b="0" i="1" smtClean="0">
+                        <a:rPr lang="en-US" sz="1400" b="0" i="1" smtClean="0">
                           <a:latin typeface="Cambria Math"/>
                         </a:rPr>
                         <m:t>}</m:t>
                       </m:r>
                       <m:r>
-                        <a:rPr lang="en-US" sz="1200" b="0" i="1" smtClean="0">
+                        <a:rPr lang="en-US" sz="1400" b="0" i="1" smtClean="0">
                           <a:latin typeface="Cambria Math"/>
                           <a:ea typeface="Cambria Math"/>
                         </a:rPr>
                         <m:t>⨁(−</m:t>
                       </m:r>
                       <m:r>
-                        <a:rPr lang="en-US" sz="1200" b="0" i="1" smtClean="0">
+                        <a:rPr lang="en-US" sz="1400" b="0" i="1" smtClean="0">
                           <a:latin typeface="Cambria Math"/>
                           <a:ea typeface="Cambria Math"/>
                         </a:rPr>
                         <m:t>𝐸</m:t>
                       </m:r>
                       <m:r>
-                        <a:rPr lang="en-US" sz="1200" b="0" i="1" smtClean="0">
+                        <a:rPr lang="en-US" sz="1400" b="0" i="1" smtClean="0">
                           <a:latin typeface="Cambria Math"/>
                           <a:ea typeface="Cambria Math"/>
                         </a:rPr>
@@ -3475,12 +3461,12 @@
                     </m:oMath>
                   </m:oMathPara>
                 </a14:m>
-                <a:endParaRPr lang="en-US" sz="1200" baseline="-25000" dirty="0"/>
+                <a:endParaRPr lang="en-US" sz="1400" baseline="-25000" dirty="0"/>
               </a:p>
             </p:txBody>
           </p:sp>
         </mc:Choice>
-        <mc:Fallback xmlns="">
+        <mc:Fallback>
           <p:sp>
             <p:nvSpPr>
               <p:cNvPr id="12" name="TextBox 11"/>
@@ -3491,18 +3477,21 @@
             </p:nvSpPr>
             <p:spPr>
               <a:xfrm>
-                <a:off x="248109" y="2381392"/>
-                <a:ext cx="1905000" cy="273023"/>
+                <a:off x="143348" y="625912"/>
+                <a:ext cx="1801278" cy="327077"/>
               </a:xfrm>
               <a:prstGeom prst="rect">
                 <a:avLst/>
               </a:prstGeom>
-              <a:blipFill rotWithShape="1">
+              <a:blipFill rotWithShape="0">
                 <a:blip r:embed="rId3"/>
                 <a:stretch>
-                  <a:fillRect b="-22727"/>
+                  <a:fillRect b="-5660"/>
                 </a:stretch>
               </a:blipFill>
+              <a:ln>
+                <a:noFill/>
+              </a:ln>
             </p:spPr>
             <p:txBody>
               <a:bodyPr/>
@@ -3522,19 +3511,23 @@
       <p:cxnSp>
         <p:nvCxnSpPr>
           <p:cNvPr id="15" name="Straight Connector 14"/>
-          <p:cNvCxnSpPr>
-            <a:stCxn id="4" idx="0"/>
-          </p:cNvCxnSpPr>
+          <p:cNvCxnSpPr/>
           <p:nvPr/>
         </p:nvCxnSpPr>
         <p:spPr>
-          <a:xfrm flipV="1">
-            <a:off x="1535935" y="1295400"/>
-            <a:ext cx="1512065" cy="304800"/>
+          <a:xfrm>
+            <a:off x="1275318" y="1086327"/>
+            <a:ext cx="1783231" cy="209073"/>
           </a:xfrm>
           <a:prstGeom prst="line">
             <a:avLst/>
           </a:prstGeom>
+          <a:ln>
+            <a:solidFill>
+              <a:schemeClr val="tx2"/>
+            </a:solidFill>
+            <a:prstDash val="sysDash"/>
+          </a:ln>
         </p:spPr>
         <p:style>
           <a:lnRef idx="1">
@@ -3554,19 +3547,23 @@
       <p:cxnSp>
         <p:nvCxnSpPr>
           <p:cNvPr id="16" name="Straight Connector 15"/>
-          <p:cNvCxnSpPr>
-            <a:stCxn id="4" idx="2"/>
-          </p:cNvCxnSpPr>
+          <p:cNvCxnSpPr/>
           <p:nvPr/>
         </p:nvCxnSpPr>
         <p:spPr>
           <a:xfrm>
-            <a:off x="1535935" y="2209800"/>
-            <a:ext cx="1512065" cy="114287"/>
+            <a:off x="1275318" y="1698362"/>
+            <a:ext cx="1783231" cy="625725"/>
           </a:xfrm>
           <a:prstGeom prst="line">
             <a:avLst/>
           </a:prstGeom>
+          <a:ln>
+            <a:solidFill>
+              <a:schemeClr val="tx2"/>
+            </a:solidFill>
+            <a:prstDash val="sysDash"/>
+          </a:ln>
         </p:spPr>
         <p:style>
           <a:lnRef idx="1">
@@ -3599,6 +3596,9 @@
           </a:prstGeom>
           <a:noFill/>
           <a:ln>
+            <a:solidFill>
+              <a:schemeClr val="tx2"/>
+            </a:solidFill>
             <a:prstDash val="sysDot"/>
           </a:ln>
         </p:spPr>
@@ -3627,110 +3627,6 @@
           </a:p>
         </p:txBody>
       </p:sp>
-      <mc:AlternateContent xmlns:mc="http://schemas.openxmlformats.org/markup-compatibility/2006" xmlns:a14="http://schemas.microsoft.com/office/drawing/2010/main">
-        <mc:Choice Requires="a14">
-          <p:sp>
-            <p:nvSpPr>
-              <p:cNvPr id="21" name="TextBox 20"/>
-              <p:cNvSpPr txBox="1"/>
-              <p:nvPr/>
-            </p:nvSpPr>
-            <p:spPr>
-              <a:xfrm>
-                <a:off x="1259595" y="1140023"/>
-                <a:ext cx="1712205" cy="307777"/>
-              </a:xfrm>
-              <a:prstGeom prst="rect">
-                <a:avLst/>
-              </a:prstGeom>
-              <a:noFill/>
-            </p:spPr>
-            <p:txBody>
-              <a:bodyPr wrap="square" rtlCol="0">
-                <a:spAutoFit/>
-              </a:bodyPr>
-              <a:lstStyle/>
-              <a:p>
-                <a:pPr/>
-                <a14:m>
-                  <m:oMathPara xmlns:m="http://schemas.openxmlformats.org/officeDocument/2006/math">
-                    <m:oMathParaPr>
-                      <m:jc m:val="centerGroup"/>
-                    </m:oMathParaPr>
-                    <m:oMath xmlns:m="http://schemas.openxmlformats.org/officeDocument/2006/math">
-                      <m:r>
-                        <a:rPr lang="en-US" sz="1400" b="0" i="1" smtClean="0">
-                          <a:latin typeface="Cambria Math"/>
-                        </a:rPr>
-                        <m:t>𝑢</m:t>
-                      </m:r>
-                      <m:r>
-                        <a:rPr lang="en-US" sz="1400" b="0" i="1" baseline="-25000" smtClean="0">
-                          <a:latin typeface="Cambria Math"/>
-                        </a:rPr>
-                        <m:t>𝑘</m:t>
-                      </m:r>
-                      <m:r>
-                        <a:rPr lang="en-US" sz="1400" b="0" i="1" smtClean="0">
-                          <a:latin typeface="Cambria Math"/>
-                          <a:ea typeface="Cambria Math"/>
-                        </a:rPr>
-                        <m:t>∈</m:t>
-                      </m:r>
-                      <m:r>
-                        <a:rPr lang="en-US" sz="1400" b="0" i="1" smtClean="0">
-                          <a:latin typeface="Cambria Math"/>
-                          <a:ea typeface="Cambria Math"/>
-                        </a:rPr>
-                        <m:t>𝑈</m:t>
-                      </m:r>
-                    </m:oMath>
-                  </m:oMathPara>
-                </a14:m>
-                <a:endParaRPr lang="en-US" sz="1400" dirty="0"/>
-              </a:p>
-            </p:txBody>
-          </p:sp>
-        </mc:Choice>
-        <mc:Fallback xmlns="">
-          <p:sp>
-            <p:nvSpPr>
-              <p:cNvPr id="21" name="TextBox 20"/>
-              <p:cNvSpPr txBox="1">
-                <a:spLocks noRot="1" noChangeAspect="1" noMove="1" noResize="1" noEditPoints="1" noAdjustHandles="1" noChangeArrowheads="1" noChangeShapeType="1" noTextEdit="1"/>
-              </p:cNvSpPr>
-              <p:nvPr/>
-            </p:nvSpPr>
-            <p:spPr>
-              <a:xfrm>
-                <a:off x="1259595" y="1140023"/>
-                <a:ext cx="1712205" cy="307777"/>
-              </a:xfrm>
-              <a:prstGeom prst="rect">
-                <a:avLst/>
-              </a:prstGeom>
-              <a:blipFill rotWithShape="1">
-                <a:blip r:embed="rId4"/>
-                <a:stretch>
-                  <a:fillRect/>
-                </a:stretch>
-              </a:blipFill>
-            </p:spPr>
-            <p:txBody>
-              <a:bodyPr/>
-              <a:lstStyle/>
-              <a:p>
-                <a:r>
-                  <a:rPr lang="en-US">
-                    <a:noFill/>
-                  </a:rPr>
-                  <a:t> </a:t>
-                </a:r>
-              </a:p>
-            </p:txBody>
-          </p:sp>
-        </mc:Fallback>
-      </mc:AlternateContent>
       <p:sp>
         <p:nvSpPr>
           <p:cNvPr id="22" name="Rectangle 21"/>
@@ -3783,8 +3679,8 @@
         </p:nvSpPr>
         <p:spPr>
           <a:xfrm>
-            <a:off x="2743200" y="1143000"/>
-            <a:ext cx="1447800" cy="1375172"/>
+            <a:off x="2658009" y="1066274"/>
+            <a:ext cx="1664244" cy="1600725"/>
           </a:xfrm>
           <a:prstGeom prst="rect">
             <a:avLst/>
@@ -3819,96 +3715,6 @@
           </a:p>
         </p:txBody>
       </p:sp>
-      <p:sp>
-        <p:nvSpPr>
-          <p:cNvPr id="24" name="5-Point Star 23"/>
-          <p:cNvSpPr/>
-          <p:nvPr/>
-        </p:nvSpPr>
-        <p:spPr>
-          <a:xfrm>
-            <a:off x="3886200" y="2133600"/>
-            <a:ext cx="152400" cy="152400"/>
-          </a:xfrm>
-          <a:prstGeom prst="star5">
-            <a:avLst/>
-          </a:prstGeom>
-          <a:solidFill>
-            <a:schemeClr val="tx1"/>
-          </a:solidFill>
-        </p:spPr>
-        <p:style>
-          <a:lnRef idx="2">
-            <a:schemeClr val="accent1">
-              <a:shade val="50000"/>
-            </a:schemeClr>
-          </a:lnRef>
-          <a:fillRef idx="1">
-            <a:schemeClr val="accent1"/>
-          </a:fillRef>
-          <a:effectRef idx="0">
-            <a:schemeClr val="accent1"/>
-          </a:effectRef>
-          <a:fontRef idx="minor">
-            <a:schemeClr val="lt1"/>
-          </a:fontRef>
-        </p:style>
-        <p:txBody>
-          <a:bodyPr rtlCol="0" anchor="ctr"/>
-          <a:lstStyle/>
-          <a:p>
-            <a:pPr algn="ctr"/>
-            <a:endParaRPr lang="en-US"/>
-          </a:p>
-        </p:txBody>
-      </p:sp>
-      <p:sp>
-        <p:nvSpPr>
-          <p:cNvPr id="25" name="Rectangle 24"/>
-          <p:cNvSpPr/>
-          <p:nvPr/>
-        </p:nvSpPr>
-        <p:spPr>
-          <a:xfrm>
-            <a:off x="3733800" y="1999189"/>
-            <a:ext cx="419100" cy="439211"/>
-          </a:xfrm>
-          <a:prstGeom prst="rect">
-            <a:avLst/>
-          </a:prstGeom>
-          <a:noFill/>
-          <a:ln>
-            <a:solidFill>
-              <a:schemeClr val="tx1"/>
-            </a:solidFill>
-            <a:prstDash val="sysDash"/>
-          </a:ln>
-        </p:spPr>
-        <p:style>
-          <a:lnRef idx="2">
-            <a:schemeClr val="accent1">
-              <a:shade val="50000"/>
-            </a:schemeClr>
-          </a:lnRef>
-          <a:fillRef idx="1">
-            <a:schemeClr val="accent1"/>
-          </a:fillRef>
-          <a:effectRef idx="0">
-            <a:schemeClr val="accent1"/>
-          </a:effectRef>
-          <a:fontRef idx="minor">
-            <a:schemeClr val="lt1"/>
-          </a:fontRef>
-        </p:style>
-        <p:txBody>
-          <a:bodyPr rtlCol="0" anchor="ctr"/>
-          <a:lstStyle/>
-          <a:p>
-            <a:pPr algn="ctr"/>
-            <a:endParaRPr lang="en-US"/>
-          </a:p>
-        </p:txBody>
-      </p:sp>
       <p:cxnSp>
         <p:nvCxnSpPr>
           <p:cNvPr id="26" name="Straight Connector 25"/>
@@ -3916,9 +3722,9 @@
           <p:nvPr/>
         </p:nvCxnSpPr>
         <p:spPr>
-          <a:xfrm flipV="1">
-            <a:off x="6298435" y="1447800"/>
-            <a:ext cx="1626365" cy="239606"/>
+          <a:xfrm>
+            <a:off x="4246053" y="1932224"/>
+            <a:ext cx="1529791" cy="34212"/>
           </a:xfrm>
           <a:prstGeom prst="line">
             <a:avLst/>
@@ -3945,144 +3751,6 @@
           </a:fontRef>
         </p:style>
       </p:cxnSp>
-      <p:cxnSp>
-        <p:nvCxnSpPr>
-          <p:cNvPr id="27" name="Straight Connector 26"/>
-          <p:cNvCxnSpPr/>
-          <p:nvPr/>
-        </p:nvCxnSpPr>
-        <p:spPr>
-          <a:xfrm>
-            <a:off x="4038600" y="2438400"/>
-            <a:ext cx="1359665" cy="228400"/>
-          </a:xfrm>
-          <a:prstGeom prst="line">
-            <a:avLst/>
-          </a:prstGeom>
-          <a:ln w="19050">
-            <a:solidFill>
-              <a:schemeClr val="tx1"/>
-            </a:solidFill>
-            <a:prstDash val="sysDash"/>
-          </a:ln>
-        </p:spPr>
-        <p:style>
-          <a:lnRef idx="1">
-            <a:schemeClr val="accent1"/>
-          </a:lnRef>
-          <a:fillRef idx="0">
-            <a:schemeClr val="accent1"/>
-          </a:fillRef>
-          <a:effectRef idx="0">
-            <a:schemeClr val="accent1"/>
-          </a:effectRef>
-          <a:fontRef idx="minor">
-            <a:schemeClr val="tx1"/>
-          </a:fontRef>
-        </p:style>
-      </p:cxnSp>
-      <mc:AlternateContent xmlns:mc="http://schemas.openxmlformats.org/markup-compatibility/2006" xmlns:a14="http://schemas.microsoft.com/office/drawing/2010/main">
-        <mc:Choice Requires="a14">
-          <p:sp>
-            <p:nvSpPr>
-              <p:cNvPr id="28" name="TextBox 27"/>
-              <p:cNvSpPr txBox="1"/>
-              <p:nvPr/>
-            </p:nvSpPr>
-            <p:spPr>
-              <a:xfrm>
-                <a:off x="3581400" y="375092"/>
-                <a:ext cx="1712205" cy="276999"/>
-              </a:xfrm>
-              <a:prstGeom prst="rect">
-                <a:avLst/>
-              </a:prstGeom>
-              <a:noFill/>
-            </p:spPr>
-            <p:txBody>
-              <a:bodyPr wrap="square" rtlCol="0">
-                <a:spAutoFit/>
-              </a:bodyPr>
-              <a:lstStyle/>
-              <a:p>
-                <a:pPr/>
-                <a14:m>
-                  <m:oMathPara xmlns:m="http://schemas.openxmlformats.org/officeDocument/2006/math">
-                    <m:oMathParaPr>
-                      <m:jc m:val="centerGroup"/>
-                    </m:oMathParaPr>
-                    <m:oMath xmlns:m="http://schemas.openxmlformats.org/officeDocument/2006/math">
-                      <m:r>
-                        <a:rPr lang="en-US" sz="1200" b="0" i="1" smtClean="0">
-                          <a:latin typeface="Cambria Math"/>
-                        </a:rPr>
-                        <m:t>𝑢</m:t>
-                      </m:r>
-                      <m:r>
-                        <a:rPr lang="en-US" sz="1200" b="0" i="1" baseline="-25000" smtClean="0">
-                          <a:latin typeface="Cambria Math"/>
-                        </a:rPr>
-                        <m:t>𝑘</m:t>
-                      </m:r>
-                      <m:r>
-                        <a:rPr lang="en-US" sz="1200" b="0" i="1" baseline="-25000" smtClean="0">
-                          <a:latin typeface="Cambria Math"/>
-                        </a:rPr>
-                        <m:t>+1∈</m:t>
-                      </m:r>
-                      <m:r>
-                        <a:rPr lang="en-US" sz="1200" i="1" smtClean="0">
-                          <a:latin typeface="Cambria Math"/>
-                        </a:rPr>
-                        <m:t>𝑈</m:t>
-                      </m:r>
-                    </m:oMath>
-                  </m:oMathPara>
-                </a14:m>
-                <a:endParaRPr lang="en-US" sz="1200" dirty="0"/>
-              </a:p>
-            </p:txBody>
-          </p:sp>
-        </mc:Choice>
-        <mc:Fallback xmlns="">
-          <p:sp>
-            <p:nvSpPr>
-              <p:cNvPr id="28" name="TextBox 27"/>
-              <p:cNvSpPr txBox="1">
-                <a:spLocks noRot="1" noChangeAspect="1" noMove="1" noResize="1" noEditPoints="1" noAdjustHandles="1" noChangeArrowheads="1" noChangeShapeType="1" noTextEdit="1"/>
-              </p:cNvSpPr>
-              <p:nvPr/>
-            </p:nvSpPr>
-            <p:spPr>
-              <a:xfrm>
-                <a:off x="3581400" y="375092"/>
-                <a:ext cx="1712205" cy="276999"/>
-              </a:xfrm>
-              <a:prstGeom prst="rect">
-                <a:avLst/>
-              </a:prstGeom>
-              <a:blipFill rotWithShape="1">
-                <a:blip r:embed="rId5"/>
-                <a:stretch>
-                  <a:fillRect b="-4444"/>
-                </a:stretch>
-              </a:blipFill>
-            </p:spPr>
-            <p:txBody>
-              <a:bodyPr/>
-              <a:lstStyle/>
-              <a:p>
-                <a:r>
-                  <a:rPr lang="en-US">
-                    <a:noFill/>
-                  </a:rPr>
-                  <a:t> </a:t>
-                </a:r>
-              </a:p>
-            </p:txBody>
-          </p:sp>
-        </mc:Fallback>
-      </mc:AlternateContent>
       <p:sp>
         <p:nvSpPr>
           <p:cNvPr id="29" name="Rectangle 28"/>
@@ -4091,8 +3759,8 @@
         </p:nvSpPr>
         <p:spPr>
           <a:xfrm>
-            <a:off x="5398265" y="1922815"/>
-            <a:ext cx="697735" cy="743985"/>
+            <a:off x="5775844" y="1950961"/>
+            <a:ext cx="832410" cy="815437"/>
           </a:xfrm>
           <a:prstGeom prst="rect">
             <a:avLst/>
@@ -4102,7 +3770,7 @@
             <a:solidFill>
               <a:schemeClr val="tx1"/>
             </a:solidFill>
-            <a:prstDash val="sysDash"/>
+            <a:prstDash val="sysDot"/>
           </a:ln>
         </p:spPr>
         <p:style>
@@ -4130,66 +3798,6 @@
           </a:p>
         </p:txBody>
       </p:sp>
-      <p:cxnSp>
-        <p:nvCxnSpPr>
-          <p:cNvPr id="34" name="Straight Connector 33"/>
-          <p:cNvCxnSpPr/>
-          <p:nvPr/>
-        </p:nvCxnSpPr>
-        <p:spPr>
-          <a:xfrm flipV="1">
-            <a:off x="4197426" y="990600"/>
-            <a:ext cx="874004" cy="149424"/>
-          </a:xfrm>
-          <a:prstGeom prst="line">
-            <a:avLst/>
-          </a:prstGeom>
-        </p:spPr>
-        <p:style>
-          <a:lnRef idx="1">
-            <a:schemeClr val="accent1"/>
-          </a:lnRef>
-          <a:fillRef idx="0">
-            <a:schemeClr val="accent1"/>
-          </a:fillRef>
-          <a:effectRef idx="0">
-            <a:schemeClr val="accent1"/>
-          </a:effectRef>
-          <a:fontRef idx="minor">
-            <a:schemeClr val="tx1"/>
-          </a:fontRef>
-        </p:style>
-      </p:cxnSp>
-      <p:cxnSp>
-        <p:nvCxnSpPr>
-          <p:cNvPr id="36" name="Straight Connector 35"/>
-          <p:cNvCxnSpPr/>
-          <p:nvPr/>
-        </p:nvCxnSpPr>
-        <p:spPr>
-          <a:xfrm>
-            <a:off x="4191000" y="2537365"/>
-            <a:ext cx="880430" cy="129435"/>
-          </a:xfrm>
-          <a:prstGeom prst="line">
-            <a:avLst/>
-          </a:prstGeom>
-        </p:spPr>
-        <p:style>
-          <a:lnRef idx="1">
-            <a:schemeClr val="accent1"/>
-          </a:lnRef>
-          <a:fillRef idx="0">
-            <a:schemeClr val="accent1"/>
-          </a:fillRef>
-          <a:effectRef idx="0">
-            <a:schemeClr val="accent1"/>
-          </a:effectRef>
-          <a:fontRef idx="minor">
-            <a:schemeClr val="tx1"/>
-          </a:fontRef>
-        </p:style>
-      </p:cxnSp>
       <p:sp>
         <p:nvSpPr>
           <p:cNvPr id="41" name="Rectangle 40"/>
@@ -4198,7 +3806,7 @@
         </p:nvSpPr>
         <p:spPr>
           <a:xfrm>
-            <a:off x="5071430" y="987027"/>
+            <a:off x="5583683" y="1298939"/>
             <a:ext cx="1644268" cy="1687117"/>
           </a:xfrm>
           <a:prstGeom prst="rect">
@@ -4206,7 +3814,7 @@
           </a:prstGeom>
           <a:noFill/>
           <a:ln>
-            <a:prstDash val="solid"/>
+            <a:prstDash val="sysDot"/>
           </a:ln>
         </p:spPr>
         <p:style>
@@ -4242,7 +3850,7 @@
         </p:nvSpPr>
         <p:spPr>
           <a:xfrm>
-            <a:off x="4800600" y="762000"/>
+            <a:off x="5312853" y="1073912"/>
             <a:ext cx="2209800" cy="2209800"/>
           </a:xfrm>
           <a:prstGeom prst="rect">
@@ -4286,8 +3894,8 @@
         </p:nvSpPr>
         <p:spPr>
           <a:xfrm>
-            <a:off x="5143040" y="1689674"/>
-            <a:ext cx="1181559" cy="1282125"/>
+            <a:off x="5477167" y="1769944"/>
+            <a:ext cx="1349180" cy="1354256"/>
           </a:xfrm>
           <a:prstGeom prst="rect">
             <a:avLst/>
@@ -4333,7 +3941,7 @@
         </p:nvSpPr>
         <p:spPr>
           <a:xfrm>
-            <a:off x="7391400" y="1600200"/>
+            <a:off x="7903653" y="1912112"/>
             <a:ext cx="685800" cy="584775"/>
           </a:xfrm>
           <a:prstGeom prst="rect">
@@ -4355,46 +3963,8 @@
           </a:p>
         </p:txBody>
       </p:sp>
-      <p:cxnSp>
-        <p:nvCxnSpPr>
-          <p:cNvPr id="10" name="Straight Arrow Connector 9"/>
-          <p:cNvCxnSpPr>
-            <a:endCxn id="24" idx="2"/>
-          </p:cNvCxnSpPr>
-          <p:nvPr/>
-        </p:nvCxnSpPr>
-        <p:spPr>
-          <a:xfrm flipV="1">
-            <a:off x="3200400" y="2286000"/>
-            <a:ext cx="714906" cy="301227"/>
-          </a:xfrm>
-          <a:prstGeom prst="straightConnector1">
-            <a:avLst/>
-          </a:prstGeom>
-          <a:ln>
-            <a:solidFill>
-              <a:schemeClr val="tx1"/>
-            </a:solidFill>
-            <a:tailEnd type="arrow"/>
-          </a:ln>
-        </p:spPr>
-        <p:style>
-          <a:lnRef idx="1">
-            <a:schemeClr val="accent1"/>
-          </a:lnRef>
-          <a:fillRef idx="0">
-            <a:schemeClr val="accent1"/>
-          </a:fillRef>
-          <a:effectRef idx="0">
-            <a:schemeClr val="accent1"/>
-          </a:effectRef>
-          <a:fontRef idx="minor">
-            <a:schemeClr val="tx1"/>
-          </a:fontRef>
-        </p:style>
-      </p:cxnSp>
-      <mc:AlternateContent xmlns:mc="http://schemas.openxmlformats.org/markup-compatibility/2006" xmlns:a14="http://schemas.microsoft.com/office/drawing/2010/main">
-        <mc:Choice Requires="a14">
+      <mc:AlternateContent xmlns:mc="http://schemas.openxmlformats.org/markup-compatibility/2006">
+        <mc:Choice xmlns:a14="http://schemas.microsoft.com/office/drawing/2010/main" Requires="a14">
           <p:sp>
             <p:nvSpPr>
               <p:cNvPr id="32" name="TextBox 31"/>
@@ -4403,13 +3973,15 @@
             </p:nvSpPr>
             <p:spPr>
               <a:xfrm>
-                <a:off x="2655176" y="2489668"/>
-                <a:ext cx="838200" cy="302840"/>
+                <a:off x="3657600" y="1905000"/>
+                <a:ext cx="559752" cy="302840"/>
               </a:xfrm>
               <a:prstGeom prst="rect">
                 <a:avLst/>
               </a:prstGeom>
-              <a:noFill/>
+              <a:solidFill>
+                <a:schemeClr val="bg1"/>
+              </a:solidFill>
             </p:spPr>
             <p:txBody>
               <a:bodyPr wrap="square" rtlCol="0">
@@ -4424,36 +3996,49 @@
                       <m:jc m:val="centerGroup"/>
                     </m:oMathParaPr>
                     <m:oMath xmlns:m="http://schemas.openxmlformats.org/officeDocument/2006/math">
-                      <m:acc>
-                        <m:accPr>
-                          <m:chr m:val="̂"/>
+                      <m:sSub>
+                        <m:sSubPr>
                           <m:ctrlPr>
                             <a:rPr lang="en-US" sz="1400" i="1" smtClean="0">
-                              <a:latin typeface="Cambria Math"/>
+                              <a:latin typeface="Cambria Math" charset="0"/>
                             </a:rPr>
                           </m:ctrlPr>
-                        </m:accPr>
+                        </m:sSubPr>
                         <m:e>
+                          <m:acc>
+                            <m:accPr>
+                              <m:chr m:val="̂"/>
+                              <m:ctrlPr>
+                                <a:rPr lang="en-US" sz="1400" i="1" smtClean="0">
+                                  <a:latin typeface="Cambria Math" charset="0"/>
+                                </a:rPr>
+                              </m:ctrlPr>
+                            </m:accPr>
+                            <m:e>
+                              <m:r>
+                                <a:rPr lang="en-US" sz="1400" b="0" i="1" smtClean="0">
+                                  <a:latin typeface="Cambria Math" charset="0"/>
+                                </a:rPr>
+                                <m:t>𝑥</m:t>
+                              </m:r>
+                            </m:e>
+                          </m:acc>
+                        </m:e>
+                        <m:sub>
                           <m:r>
                             <a:rPr lang="en-US" sz="1400" b="0" i="1" smtClean="0">
-                              <a:latin typeface="Cambria Math"/>
-                            </a:rPr>
-                            <m:t>𝑥</m:t>
-                          </m:r>
-                        </m:e>
-                      </m:acc>
-                      <m:r>
-                        <a:rPr lang="en-US" sz="1400" b="0" i="1" baseline="-25000" smtClean="0">
-                          <a:latin typeface="Cambria Math"/>
-                        </a:rPr>
-                        <m:t>𝑘</m:t>
-                      </m:r>
-                      <m:r>
-                        <a:rPr lang="en-US" sz="1400" b="0" i="1" baseline="-25000" smtClean="0">
-                          <a:latin typeface="Cambria Math"/>
-                        </a:rPr>
-                        <m:t>+1</m:t>
-                      </m:r>
+                              <a:latin typeface="Cambria Math" charset="0"/>
+                            </a:rPr>
+                            <m:t>𝑘</m:t>
+                          </m:r>
+                          <m:r>
+                            <a:rPr lang="en-US" sz="1400" b="0" i="1" smtClean="0">
+                              <a:latin typeface="Cambria Math" charset="0"/>
+                            </a:rPr>
+                            <m:t>+1</m:t>
+                          </m:r>
+                        </m:sub>
+                      </m:sSub>
                     </m:oMath>
                   </m:oMathPara>
                 </a14:m>
@@ -4462,7 +4047,7 @@
             </p:txBody>
           </p:sp>
         </mc:Choice>
-        <mc:Fallback xmlns="">
+        <mc:Fallback>
           <p:sp>
             <p:nvSpPr>
               <p:cNvPr id="32" name="TextBox 31"/>
@@ -4473,225 +4058,16 @@
             </p:nvSpPr>
             <p:spPr>
               <a:xfrm>
-                <a:off x="2655176" y="2489668"/>
-                <a:ext cx="838200" cy="302840"/>
+                <a:off x="3657600" y="1905000"/>
+                <a:ext cx="559752" cy="302840"/>
               </a:xfrm>
               <a:prstGeom prst="rect">
                 <a:avLst/>
               </a:prstGeom>
-              <a:blipFill rotWithShape="1">
-                <a:blip r:embed="rId6"/>
+              <a:blipFill rotWithShape="0">
+                <a:blip r:embed="rId4"/>
                 <a:stretch>
-                  <a:fillRect b="-6000"/>
-                </a:stretch>
-              </a:blipFill>
-            </p:spPr>
-            <p:txBody>
-              <a:bodyPr/>
-              <a:lstStyle/>
-              <a:p>
-                <a:r>
-                  <a:rPr lang="en-US">
-                    <a:noFill/>
-                  </a:rPr>
-                  <a:t> </a:t>
-                </a:r>
-              </a:p>
-            </p:txBody>
-          </p:sp>
-        </mc:Fallback>
-      </mc:AlternateContent>
-      <mc:AlternateContent xmlns:mc="http://schemas.openxmlformats.org/markup-compatibility/2006">
-        <mc:Choice xmlns:a14="http://schemas.microsoft.com/office/drawing/2010/main" Requires="a14">
-          <p:sp>
-            <p:nvSpPr>
-              <p:cNvPr id="33" name="TextBox 32"/>
-              <p:cNvSpPr txBox="1"/>
-              <p:nvPr/>
-            </p:nvSpPr>
-            <p:spPr>
-              <a:xfrm>
-                <a:off x="2958487" y="2984675"/>
-                <a:ext cx="2775332" cy="276229"/>
-              </a:xfrm>
-              <a:prstGeom prst="rect">
-                <a:avLst/>
-              </a:prstGeom>
-              <a:noFill/>
-            </p:spPr>
-            <p:txBody>
-              <a:bodyPr wrap="square" rtlCol="0">
-                <a:spAutoFit/>
-              </a:bodyPr>
-              <a:lstStyle/>
-              <a:p>
-                <a:pPr/>
-                <a14:m>
-                  <m:oMathPara xmlns:m="http://schemas.openxmlformats.org/officeDocument/2006/math">
-                    <m:oMathParaPr>
-                      <m:jc m:val="centerGroup"/>
-                    </m:oMathParaPr>
-                    <m:oMath xmlns:m="http://schemas.openxmlformats.org/officeDocument/2006/math">
-                      <m:acc>
-                        <m:accPr>
-                          <m:chr m:val="̅"/>
-                          <m:ctrlPr>
-                            <a:rPr lang="en-US" sz="1200" b="0" i="1" smtClean="0">
-                              <a:latin typeface="Cambria Math"/>
-                            </a:rPr>
-                          </m:ctrlPr>
-                        </m:accPr>
-                        <m:e>
-                          <m:r>
-                            <a:rPr lang="en-US" sz="1200" b="0" i="1" smtClean="0">
-                              <a:latin typeface="Cambria Math"/>
-                            </a:rPr>
-                            <m:t>𝑋</m:t>
-                          </m:r>
-                        </m:e>
-                      </m:acc>
-                      <m:r>
-                        <a:rPr lang="en-US" sz="1200" b="0" i="1" baseline="-25000" smtClean="0">
-                          <a:latin typeface="Cambria Math"/>
-                        </a:rPr>
-                        <m:t>𝑘</m:t>
-                      </m:r>
-                      <m:r>
-                        <a:rPr lang="en-US" sz="1200" b="0" i="1" baseline="-25000" smtClean="0">
-                          <a:latin typeface="Cambria Math"/>
-                        </a:rPr>
-                        <m:t>+1</m:t>
-                      </m:r>
-                      <m:d>
-                        <m:dPr>
-                          <m:begChr m:val="|"/>
-                          <m:endChr m:val="|"/>
-                          <m:ctrlPr>
-                            <a:rPr lang="en-US" sz="1200" b="0" i="1" baseline="-25000" smtClean="0">
-                              <a:latin typeface="Cambria Math"/>
-                            </a:rPr>
-                          </m:ctrlPr>
-                        </m:dPr>
-                        <m:e>
-                          <m:r>
-                            <a:rPr lang="en-US" sz="1200" b="0" i="1" baseline="-25000" smtClean="0">
-                              <a:latin typeface="Cambria Math"/>
-                            </a:rPr>
-                            <m:t>𝑘</m:t>
-                          </m:r>
-                          <m:r>
-                            <a:rPr lang="en-US" sz="1200" b="0" i="1" baseline="-25000" smtClean="0">
-                              <a:latin typeface="Cambria Math"/>
-                            </a:rPr>
-                            <m:t>+1=</m:t>
-                          </m:r>
-                          <m:d>
-                            <m:dPr>
-                              <m:begChr m:val="{"/>
-                              <m:endChr m:val="}"/>
-                              <m:ctrlPr>
-                                <a:rPr lang="en-US" sz="1200" b="0" i="1" baseline="-25000" smtClean="0">
-                                  <a:latin typeface="Cambria Math"/>
-                                </a:rPr>
-                              </m:ctrlPr>
-                            </m:dPr>
-                            <m:e>
-                              <m:acc>
-                                <m:accPr>
-                                  <m:chr m:val="̂"/>
-                                  <m:ctrlPr>
-                                    <a:rPr lang="en-US" sz="1200" i="1" smtClean="0">
-                                      <a:latin typeface="Cambria Math"/>
-                                    </a:rPr>
-                                  </m:ctrlPr>
-                                </m:accPr>
-                                <m:e>
-                                  <m:r>
-                                    <a:rPr lang="en-US" sz="1200" b="0" i="1" smtClean="0">
-                                      <a:latin typeface="Cambria Math"/>
-                                    </a:rPr>
-                                    <m:t>𝑥</m:t>
-                                  </m:r>
-                                </m:e>
-                              </m:acc>
-                              <m:r>
-                                <a:rPr lang="en-US" sz="1200" b="0" i="1" baseline="-25000" smtClean="0">
-                                  <a:latin typeface="Cambria Math"/>
-                                </a:rPr>
-                                <m:t>𝑘</m:t>
-                              </m:r>
-                              <m:r>
-                                <a:rPr lang="en-US" sz="1200" b="0" i="1" baseline="-25000" smtClean="0">
-                                  <a:latin typeface="Cambria Math"/>
-                                </a:rPr>
-                                <m:t>+1</m:t>
-                              </m:r>
-                            </m:e>
-                          </m:d>
-                          <m:r>
-                            <a:rPr lang="en-US" sz="1200" b="0" i="1" smtClean="0">
-                              <a:latin typeface="Cambria Math"/>
-                              <a:ea typeface="Cambria Math"/>
-                            </a:rPr>
-                            <m:t>⨁</m:t>
-                          </m:r>
-                          <m:d>
-                            <m:dPr>
-                              <m:ctrlPr>
-                                <a:rPr lang="en-US" sz="1200" b="0" i="1" smtClean="0">
-                                  <a:latin typeface="Cambria Math"/>
-                                  <a:ea typeface="Cambria Math"/>
-                                </a:rPr>
-                              </m:ctrlPr>
-                            </m:dPr>
-                            <m:e>
-                              <m:r>
-                                <a:rPr lang="en-US" sz="1200" b="0" i="1" smtClean="0">
-                                  <a:latin typeface="Cambria Math"/>
-                                  <a:ea typeface="Cambria Math"/>
-                                </a:rPr>
-                                <m:t>−</m:t>
-                              </m:r>
-                              <m:r>
-                                <a:rPr lang="en-US" sz="1200" b="0" i="1" smtClean="0">
-                                  <a:latin typeface="Cambria Math"/>
-                                  <a:ea typeface="Cambria Math"/>
-                                </a:rPr>
-                                <m:t>𝐸</m:t>
-                              </m:r>
-                            </m:e>
-                          </m:d>
-                        </m:e>
-                      </m:d>
-                    </m:oMath>
-                  </m:oMathPara>
-                </a14:m>
-                <a:endParaRPr lang="en-US" sz="1200" baseline="-25000" dirty="0"/>
-              </a:p>
-            </p:txBody>
-          </p:sp>
-        </mc:Choice>
-        <mc:Fallback>
-          <p:sp>
-            <p:nvSpPr>
-              <p:cNvPr id="33" name="TextBox 32"/>
-              <p:cNvSpPr txBox="1">
-                <a:spLocks noRot="1" noChangeAspect="1" noMove="1" noResize="1" noEditPoints="1" noAdjustHandles="1" noChangeArrowheads="1" noChangeShapeType="1" noTextEdit="1"/>
-              </p:cNvSpPr>
-              <p:nvPr/>
-            </p:nvSpPr>
-            <p:spPr>
-              <a:xfrm>
-                <a:off x="2958487" y="2984675"/>
-                <a:ext cx="2775332" cy="276229"/>
-              </a:xfrm>
-              <a:prstGeom prst="rect">
-                <a:avLst/>
-              </a:prstGeom>
-              <a:blipFill rotWithShape="1">
-                <a:blip r:embed="rId7"/>
-                <a:stretch>
-                  <a:fillRect b="-28889"/>
+                  <a:fillRect/>
                 </a:stretch>
               </a:blipFill>
             </p:spPr>
@@ -4712,56 +4088,14 @@
       </mc:AlternateContent>
       <p:cxnSp>
         <p:nvCxnSpPr>
-          <p:cNvPr id="35" name="Straight Arrow Connector 34"/>
-          <p:cNvCxnSpPr>
-            <a:stCxn id="33" idx="0"/>
-            <a:endCxn id="25" idx="2"/>
-          </p:cNvCxnSpPr>
+          <p:cNvPr id="43" name="Straight Arrow Connector 42"/>
+          <p:cNvCxnSpPr/>
           <p:nvPr/>
         </p:nvCxnSpPr>
         <p:spPr>
-          <a:xfrm flipH="1" flipV="1">
-            <a:off x="3943350" y="2438400"/>
-            <a:ext cx="402803" cy="546275"/>
-          </a:xfrm>
-          <a:prstGeom prst="straightConnector1">
-            <a:avLst/>
-          </a:prstGeom>
-          <a:ln>
-            <a:solidFill>
-              <a:schemeClr val="tx1"/>
-            </a:solidFill>
-            <a:prstDash val="sysDash"/>
-            <a:tailEnd type="arrow"/>
-          </a:ln>
-        </p:spPr>
-        <p:style>
-          <a:lnRef idx="1">
-            <a:schemeClr val="accent1"/>
-          </a:lnRef>
-          <a:fillRef idx="0">
-            <a:schemeClr val="accent1"/>
-          </a:fillRef>
-          <a:effectRef idx="0">
-            <a:schemeClr val="accent1"/>
-          </a:effectRef>
-          <a:fontRef idx="minor">
-            <a:schemeClr val="tx1"/>
-          </a:fontRef>
-        </p:style>
-      </p:cxnSp>
-      <p:cxnSp>
-        <p:nvCxnSpPr>
-          <p:cNvPr id="43" name="Straight Arrow Connector 42"/>
-          <p:cNvCxnSpPr>
-            <a:endCxn id="20" idx="0"/>
-          </p:cNvCxnSpPr>
-          <p:nvPr/>
-        </p:nvCxnSpPr>
-        <p:spPr>
-          <a:xfrm flipH="1">
-            <a:off x="3467100" y="990600"/>
-            <a:ext cx="7276" cy="304800"/>
+          <a:xfrm flipV="1">
+            <a:off x="2036253" y="1752601"/>
+            <a:ext cx="1011747" cy="408045"/>
           </a:xfrm>
           <a:prstGeom prst="straightConnector1">
             <a:avLst/>
@@ -4786,296 +4120,18 @@
           </a:fontRef>
         </p:style>
       </p:cxnSp>
-      <mc:AlternateContent xmlns:mc="http://schemas.openxmlformats.org/markup-compatibility/2006" xmlns:a14="http://schemas.microsoft.com/office/drawing/2010/main">
-        <mc:Choice Requires="a14">
-          <p:sp>
-            <p:nvSpPr>
-              <p:cNvPr id="48" name="TextBox 47"/>
-              <p:cNvSpPr txBox="1"/>
-              <p:nvPr/>
-            </p:nvSpPr>
-            <p:spPr>
-              <a:xfrm>
-                <a:off x="2732651" y="762000"/>
-                <a:ext cx="1205458" cy="276999"/>
-              </a:xfrm>
-              <a:prstGeom prst="rect">
-                <a:avLst/>
-              </a:prstGeom>
-              <a:noFill/>
-            </p:spPr>
-            <p:txBody>
-              <a:bodyPr wrap="none" rtlCol="0">
-                <a:spAutoFit/>
-              </a:bodyPr>
-              <a:lstStyle/>
-              <a:p>
-                <a:r>
-                  <a:rPr lang="en-US" sz="1200" dirty="0" err="1" smtClean="0"/>
-                  <a:t>Reach</a:t>
-                </a:r>
-                <a:r>
-                  <a:rPr lang="en-US" sz="1200" baseline="-25000" dirty="0" err="1" smtClean="0"/>
-                  <a:t>h</a:t>
-                </a:r>
-                <a:r>
-                  <a:rPr lang="en-US" sz="1200" dirty="0" smtClean="0"/>
-                  <a:t>(</a:t>
-                </a:r>
-                <a14:m>
-                  <m:oMath xmlns:m="http://schemas.openxmlformats.org/officeDocument/2006/math">
-                    <m:r>
-                      <a:rPr lang="en-US" sz="1200" i="1" smtClean="0">
-                        <a:latin typeface="Cambria Math"/>
-                      </a:rPr>
-                      <m:t>𝑋</m:t>
-                    </m:r>
-                    <m:r>
-                      <a:rPr lang="en-US" sz="1200" b="0" i="1" baseline="-25000" smtClean="0">
-                        <a:latin typeface="Cambria Math"/>
-                      </a:rPr>
-                      <m:t>𝑘</m:t>
-                    </m:r>
-                    <m:r>
-                      <a:rPr lang="en-US" sz="1200" b="0" i="1" baseline="-25000" smtClean="0">
-                        <a:latin typeface="Cambria Math"/>
-                      </a:rPr>
-                      <m:t>|</m:t>
-                    </m:r>
-                    <m:r>
-                      <a:rPr lang="en-US" sz="1200" b="0" i="1" baseline="-25000" smtClean="0">
-                        <a:latin typeface="Cambria Math"/>
-                      </a:rPr>
-                      <m:t>𝑘</m:t>
-                    </m:r>
-                    <m:r>
-                      <a:rPr lang="en-US" sz="1200" b="0" i="1" smtClean="0">
-                        <a:latin typeface="Cambria Math"/>
-                      </a:rPr>
-                      <m:t>,</m:t>
-                    </m:r>
-                    <m:r>
-                      <a:rPr lang="en-US" sz="1200" b="0" i="1" smtClean="0">
-                        <a:latin typeface="Cambria Math"/>
-                      </a:rPr>
-                      <m:t>𝑈</m:t>
-                    </m:r>
-                    <m:r>
-                      <a:rPr lang="en-US" sz="1200" b="0" i="1" smtClean="0">
-                        <a:latin typeface="Cambria Math"/>
-                      </a:rPr>
-                      <m:t>) </m:t>
-                    </m:r>
-                  </m:oMath>
-                </a14:m>
-                <a:endParaRPr lang="en-US" sz="1200" dirty="0"/>
-              </a:p>
-            </p:txBody>
-          </p:sp>
-        </mc:Choice>
-        <mc:Fallback xmlns="">
-          <p:sp>
-            <p:nvSpPr>
-              <p:cNvPr id="48" name="TextBox 47"/>
-              <p:cNvSpPr txBox="1">
-                <a:spLocks noRot="1" noChangeAspect="1" noMove="1" noResize="1" noEditPoints="1" noAdjustHandles="1" noChangeArrowheads="1" noChangeShapeType="1" noTextEdit="1"/>
-              </p:cNvSpPr>
-              <p:nvPr/>
-            </p:nvSpPr>
-            <p:spPr>
-              <a:xfrm>
-                <a:off x="2732651" y="762000"/>
-                <a:ext cx="1205458" cy="276999"/>
-              </a:xfrm>
-              <a:prstGeom prst="rect">
-                <a:avLst/>
-              </a:prstGeom>
-              <a:blipFill rotWithShape="1">
-                <a:blip r:embed="rId8"/>
-                <a:stretch>
-                  <a:fillRect b="-17778"/>
-                </a:stretch>
-              </a:blipFill>
-            </p:spPr>
-            <p:txBody>
-              <a:bodyPr/>
-              <a:lstStyle/>
-              <a:p>
-                <a:r>
-                  <a:rPr lang="en-US">
-                    <a:noFill/>
-                  </a:rPr>
-                  <a:t> </a:t>
-                </a:r>
-              </a:p>
-            </p:txBody>
-          </p:sp>
-        </mc:Fallback>
-      </mc:AlternateContent>
-      <mc:AlternateContent xmlns:mc="http://schemas.openxmlformats.org/markup-compatibility/2006" xmlns:a14="http://schemas.microsoft.com/office/drawing/2010/main">
-        <mc:Choice Requires="a14">
-          <p:sp>
-            <p:nvSpPr>
-              <p:cNvPr id="52" name="TextBox 51"/>
-              <p:cNvSpPr txBox="1"/>
-              <p:nvPr/>
-            </p:nvSpPr>
-            <p:spPr>
-              <a:xfrm>
-                <a:off x="1828800" y="561201"/>
-                <a:ext cx="1763303" cy="276999"/>
-              </a:xfrm>
-              <a:prstGeom prst="rect">
-                <a:avLst/>
-              </a:prstGeom>
-              <a:noFill/>
-            </p:spPr>
-            <p:txBody>
-              <a:bodyPr wrap="none" rtlCol="0">
-                <a:spAutoFit/>
-              </a:bodyPr>
-              <a:lstStyle/>
-              <a:p>
-                <a:r>
-                  <a:rPr lang="en-US" sz="1200" dirty="0" smtClean="0"/>
-                  <a:t>Reach</a:t>
-                </a:r>
-                <a:r>
-                  <a:rPr lang="en-US" sz="1200" baseline="-25000" dirty="0" smtClean="0"/>
-                  <a:t>h</a:t>
-                </a:r>
-                <a:r>
-                  <a:rPr lang="en-US" sz="1200" dirty="0" smtClean="0"/>
-                  <a:t>(</a:t>
-                </a:r>
-                <a14:m>
-                  <m:oMath xmlns:m="http://schemas.openxmlformats.org/officeDocument/2006/math">
-                    <m:r>
-                      <m:rPr>
-                        <m:sty m:val="p"/>
-                      </m:rPr>
-                      <a:rPr lang="en-US" sz="1200" b="0" i="0" smtClean="0">
-                        <a:latin typeface="Cambria Math"/>
-                      </a:rPr>
-                      <m:t>X</m:t>
-                    </m:r>
-                    <m:r>
-                      <a:rPr lang="en-US" sz="1200" b="0" i="1" baseline="-25000" smtClean="0">
-                        <a:latin typeface="Cambria Math"/>
-                      </a:rPr>
-                      <m:t>𝑘</m:t>
-                    </m:r>
-                    <m:r>
-                      <a:rPr lang="en-US" sz="1200" b="0" i="1" baseline="-25000" smtClean="0">
-                        <a:latin typeface="Cambria Math"/>
-                      </a:rPr>
-                      <m:t>|</m:t>
-                    </m:r>
-                    <m:r>
-                      <a:rPr lang="en-US" sz="1200" b="0" i="1" baseline="-25000" smtClean="0">
-                        <a:latin typeface="Cambria Math"/>
-                      </a:rPr>
-                      <m:t>𝑘</m:t>
-                    </m:r>
-                    <m:r>
-                      <a:rPr lang="en-US" sz="1200" b="0" i="1" smtClean="0">
-                        <a:latin typeface="Cambria Math"/>
-                      </a:rPr>
-                      <m:t>,</m:t>
-                    </m:r>
-                    <m:r>
-                      <a:rPr lang="en-US" sz="1200" b="0" i="1" smtClean="0">
-                        <a:latin typeface="Cambria Math"/>
-                      </a:rPr>
-                      <m:t>𝑈</m:t>
-                    </m:r>
-                    <m:r>
-                      <a:rPr lang="en-US" sz="1200" b="0" i="1" smtClean="0">
-                        <a:latin typeface="Cambria Math"/>
-                      </a:rPr>
-                      <m:t>) ⨁</m:t>
-                    </m:r>
-                  </m:oMath>
-                </a14:m>
-                <a:r>
-                  <a:rPr lang="en-US" sz="1200" dirty="0" smtClean="0"/>
-                  <a:t>(-E)</a:t>
-                </a:r>
-                <a:r>
-                  <a:rPr lang="en-US" sz="1200" dirty="0">
-                    <a:ea typeface="Cambria Math"/>
-                  </a:rPr>
-                  <a:t> </a:t>
-                </a:r>
-                <a14:m>
-                  <m:oMath xmlns:m="http://schemas.openxmlformats.org/officeDocument/2006/math">
-                    <m:r>
-                      <a:rPr lang="en-US" sz="1200" i="1">
-                        <a:latin typeface="Cambria Math"/>
-                        <a:ea typeface="Cambria Math"/>
-                      </a:rPr>
-                      <m:t>⨁</m:t>
-                    </m:r>
-                  </m:oMath>
-                </a14:m>
-                <a:r>
-                  <a:rPr lang="en-US" sz="1200" dirty="0" smtClean="0"/>
-                  <a:t>E</a:t>
-                </a:r>
-                <a:endParaRPr lang="en-US" sz="1200" dirty="0"/>
-              </a:p>
-            </p:txBody>
-          </p:sp>
-        </mc:Choice>
-        <mc:Fallback xmlns="">
-          <p:sp>
-            <p:nvSpPr>
-              <p:cNvPr id="52" name="TextBox 51"/>
-              <p:cNvSpPr txBox="1">
-                <a:spLocks noRot="1" noChangeAspect="1" noMove="1" noResize="1" noEditPoints="1" noAdjustHandles="1" noChangeArrowheads="1" noChangeShapeType="1" noTextEdit="1"/>
-              </p:cNvSpPr>
-              <p:nvPr/>
-            </p:nvSpPr>
-            <p:spPr>
-              <a:xfrm>
-                <a:off x="1828800" y="561201"/>
-                <a:ext cx="1763303" cy="276999"/>
-              </a:xfrm>
-              <a:prstGeom prst="rect">
-                <a:avLst/>
-              </a:prstGeom>
-              <a:blipFill rotWithShape="1">
-                <a:blip r:embed="rId9"/>
-                <a:stretch>
-                  <a:fillRect b="-15217"/>
-                </a:stretch>
-              </a:blipFill>
-            </p:spPr>
-            <p:txBody>
-              <a:bodyPr/>
-              <a:lstStyle/>
-              <a:p>
-                <a:r>
-                  <a:rPr lang="en-US">
-                    <a:noFill/>
-                  </a:rPr>
-                  <a:t> </a:t>
-                </a:r>
-              </a:p>
-            </p:txBody>
-          </p:sp>
-        </mc:Fallback>
-      </mc:AlternateContent>
       <p:cxnSp>
         <p:nvCxnSpPr>
           <p:cNvPr id="53" name="Straight Arrow Connector 52"/>
-          <p:cNvCxnSpPr/>
+          <p:cNvCxnSpPr>
+            <a:stCxn id="108" idx="3"/>
+          </p:cNvCxnSpPr>
           <p:nvPr/>
         </p:nvCxnSpPr>
         <p:spPr>
-          <a:xfrm>
-            <a:off x="2369476" y="838200"/>
-            <a:ext cx="526124" cy="455711"/>
+          <a:xfrm flipV="1">
+            <a:off x="2067977" y="2209800"/>
+            <a:ext cx="829209" cy="312886"/>
           </a:xfrm>
           <a:prstGeom prst="straightConnector1">
             <a:avLst/>
@@ -5100,790 +4156,19 @@
           </a:fontRef>
         </p:style>
       </p:cxnSp>
-      <mc:AlternateContent xmlns:mc="http://schemas.openxmlformats.org/markup-compatibility/2006" xmlns:a14="http://schemas.microsoft.com/office/drawing/2010/main">
-        <mc:Choice Requires="a14">
-          <p:sp>
-            <p:nvSpPr>
-              <p:cNvPr id="55" name="TextBox 54"/>
-              <p:cNvSpPr txBox="1"/>
-              <p:nvPr/>
-            </p:nvSpPr>
-            <p:spPr>
-              <a:xfrm>
-                <a:off x="762000" y="2831632"/>
-                <a:ext cx="2391745" cy="276999"/>
-              </a:xfrm>
-              <a:prstGeom prst="rect">
-                <a:avLst/>
-              </a:prstGeom>
-              <a:noFill/>
-            </p:spPr>
-            <p:txBody>
-              <a:bodyPr wrap="none" rtlCol="0">
-                <a:spAutoFit/>
-              </a:bodyPr>
-              <a:lstStyle/>
-              <a:p>
-                <a14:m>
-                  <m:oMath xmlns:m="http://schemas.openxmlformats.org/officeDocument/2006/math">
-                    <m:r>
-                      <a:rPr lang="en-US" sz="1200" b="0" i="1" smtClean="0">
-                        <a:latin typeface="Cambria Math"/>
-                      </a:rPr>
-                      <m:t>𝑋</m:t>
-                    </m:r>
-                    <m:r>
-                      <a:rPr lang="en-US" sz="1200" i="1" baseline="-25000">
-                        <a:latin typeface="Cambria Math"/>
-                      </a:rPr>
-                      <m:t>𝑘</m:t>
-                    </m:r>
-                    <m:r>
-                      <a:rPr lang="en-US" sz="1200" b="0" i="1" baseline="-25000" smtClean="0">
-                        <a:latin typeface="Cambria Math"/>
-                      </a:rPr>
-                      <m:t>+1</m:t>
-                    </m:r>
-                    <m:r>
-                      <a:rPr lang="en-US" sz="1200" i="1" baseline="-25000">
-                        <a:latin typeface="Cambria Math"/>
-                      </a:rPr>
-                      <m:t>|</m:t>
-                    </m:r>
-                    <m:r>
-                      <a:rPr lang="en-US" sz="1200" i="1" baseline="-25000">
-                        <a:latin typeface="Cambria Math"/>
-                      </a:rPr>
-                      <m:t>𝑘</m:t>
-                    </m:r>
-                  </m:oMath>
-                </a14:m>
-                <a:r>
-                  <a:rPr lang="en-US" sz="1200" dirty="0" smtClean="0"/>
-                  <a:t> = Reach</a:t>
-                </a:r>
-                <a:r>
-                  <a:rPr lang="en-US" sz="1200" baseline="-25000" dirty="0" smtClean="0"/>
-                  <a:t>h</a:t>
-                </a:r>
-                <a:r>
-                  <a:rPr lang="en-US" sz="1200" dirty="0" smtClean="0"/>
-                  <a:t>(</a:t>
-                </a:r>
-                <a14:m>
-                  <m:oMath xmlns:m="http://schemas.openxmlformats.org/officeDocument/2006/math">
-                    <m:r>
-                      <m:rPr>
-                        <m:sty m:val="p"/>
-                      </m:rPr>
-                      <a:rPr lang="en-US" sz="1200" b="0" i="0" smtClean="0">
-                        <a:latin typeface="Cambria Math"/>
-                      </a:rPr>
-                      <m:t>X</m:t>
-                    </m:r>
-                    <m:r>
-                      <a:rPr lang="en-US" sz="1200" b="0" i="1" baseline="-25000" smtClean="0">
-                        <a:latin typeface="Cambria Math"/>
-                      </a:rPr>
-                      <m:t>𝑘</m:t>
-                    </m:r>
-                    <m:d>
-                      <m:dPr>
-                        <m:begChr m:val="|"/>
-                        <m:ctrlPr>
-                          <a:rPr lang="en-US" sz="1200" b="0" i="1" baseline="-25000" smtClean="0">
-                            <a:latin typeface="Cambria Math"/>
-                          </a:rPr>
-                        </m:ctrlPr>
-                      </m:dPr>
-                      <m:e>
-                        <m:r>
-                          <a:rPr lang="en-US" sz="1200" b="0" i="1" baseline="-25000" smtClean="0">
-                            <a:latin typeface="Cambria Math"/>
-                          </a:rPr>
-                          <m:t>𝑘</m:t>
-                        </m:r>
-                        <m:r>
-                          <a:rPr lang="en-US" sz="1200" b="0" i="1" smtClean="0">
-                            <a:latin typeface="Cambria Math"/>
-                          </a:rPr>
-                          <m:t>,</m:t>
-                        </m:r>
-                        <m:r>
-                          <a:rPr lang="en-US" sz="1200" b="0" i="1" smtClean="0">
-                            <a:latin typeface="Cambria Math"/>
-                          </a:rPr>
-                          <m:t>𝑈</m:t>
-                        </m:r>
-                      </m:e>
-                    </m:d>
-                    <m:r>
-                      <a:rPr lang="en-US" sz="1200" i="1">
-                        <a:latin typeface="Cambria Math"/>
-                        <a:ea typeface="Cambria Math"/>
-                      </a:rPr>
-                      <m:t>⨁</m:t>
-                    </m:r>
-                    <m:r>
-                      <a:rPr lang="en-US" sz="1200" b="0" i="0" smtClean="0">
-                        <a:latin typeface="Cambria Math"/>
-                      </a:rPr>
-                      <m:t>(−</m:t>
-                    </m:r>
-                    <m:r>
-                      <m:rPr>
-                        <m:sty m:val="p"/>
-                      </m:rPr>
-                      <a:rPr lang="en-US" sz="1200" b="0" i="0" dirty="0" smtClean="0">
-                        <a:latin typeface="Cambria Math"/>
-                      </a:rPr>
-                      <m:t>E</m:t>
-                    </m:r>
-                    <m:r>
-                      <a:rPr lang="en-US" sz="1200" b="0" i="0" dirty="0" smtClean="0">
-                        <a:latin typeface="Cambria Math"/>
-                      </a:rPr>
-                      <m:t>)</m:t>
-                    </m:r>
-                    <m:r>
-                      <a:rPr lang="en-US" sz="1200" i="1">
-                        <a:latin typeface="Cambria Math"/>
-                        <a:ea typeface="Cambria Math"/>
-                      </a:rPr>
-                      <m:t>⨁</m:t>
-                    </m:r>
-                  </m:oMath>
-                </a14:m>
-                <a:r>
-                  <a:rPr lang="en-US" sz="1200" dirty="0" smtClean="0"/>
-                  <a:t>E</a:t>
-                </a:r>
-                <a:endParaRPr lang="en-US" sz="1200" dirty="0"/>
-              </a:p>
-            </p:txBody>
-          </p:sp>
-        </mc:Choice>
-        <mc:Fallback xmlns="">
-          <p:sp>
-            <p:nvSpPr>
-              <p:cNvPr id="55" name="TextBox 54"/>
-              <p:cNvSpPr txBox="1">
-                <a:spLocks noRot="1" noChangeAspect="1" noMove="1" noResize="1" noEditPoints="1" noAdjustHandles="1" noChangeArrowheads="1" noChangeShapeType="1" noTextEdit="1"/>
-              </p:cNvSpPr>
-              <p:nvPr/>
-            </p:nvSpPr>
-            <p:spPr>
-              <a:xfrm>
-                <a:off x="762000" y="2831632"/>
-                <a:ext cx="2391745" cy="276999"/>
-              </a:xfrm>
-              <a:prstGeom prst="rect">
-                <a:avLst/>
-              </a:prstGeom>
-              <a:blipFill rotWithShape="1">
-                <a:blip r:embed="rId10"/>
-                <a:stretch>
-                  <a:fillRect b="-17778"/>
-                </a:stretch>
-              </a:blipFill>
-            </p:spPr>
-            <p:txBody>
-              <a:bodyPr/>
-              <a:lstStyle/>
-              <a:p>
-                <a:r>
-                  <a:rPr lang="en-US">
-                    <a:noFill/>
-                  </a:rPr>
-                  <a:t> </a:t>
-                </a:r>
-              </a:p>
-            </p:txBody>
-          </p:sp>
-        </mc:Fallback>
-      </mc:AlternateContent>
       <p:cxnSp>
         <p:nvCxnSpPr>
-          <p:cNvPr id="56" name="Straight Arrow Connector 55"/>
+          <p:cNvPr id="76" name="Straight Arrow Connector 75"/>
           <p:cNvCxnSpPr>
-            <a:stCxn id="55" idx="0"/>
+            <a:stCxn id="174" idx="0"/>
+            <a:endCxn id="31" idx="2"/>
           </p:cNvCxnSpPr>
           <p:nvPr/>
         </p:nvCxnSpPr>
         <p:spPr>
           <a:xfrm flipV="1">
-            <a:off x="1957873" y="2436614"/>
-            <a:ext cx="774778" cy="395018"/>
-          </a:xfrm>
-          <a:prstGeom prst="straightConnector1">
-            <a:avLst/>
-          </a:prstGeom>
-          <a:ln w="19050">
-            <a:prstDash val="solid"/>
-            <a:tailEnd type="arrow"/>
-          </a:ln>
-        </p:spPr>
-        <p:style>
-          <a:lnRef idx="1">
-            <a:schemeClr val="accent1"/>
-          </a:lnRef>
-          <a:fillRef idx="0">
-            <a:schemeClr val="accent1"/>
-          </a:fillRef>
-          <a:effectRef idx="0">
-            <a:schemeClr val="accent1"/>
-          </a:effectRef>
-          <a:fontRef idx="minor">
-            <a:schemeClr val="tx1"/>
-          </a:fontRef>
-        </p:style>
-      </p:cxnSp>
-      <p:cxnSp>
-        <p:nvCxnSpPr>
-          <p:cNvPr id="60" name="Straight Arrow Connector 59"/>
-          <p:cNvCxnSpPr/>
-          <p:nvPr/>
-        </p:nvCxnSpPr>
-        <p:spPr>
-          <a:xfrm>
-            <a:off x="4426876" y="685800"/>
-            <a:ext cx="0" cy="454223"/>
-          </a:xfrm>
-          <a:prstGeom prst="straightConnector1">
-            <a:avLst/>
-          </a:prstGeom>
-          <a:ln w="19050">
-            <a:prstDash val="dashDot"/>
-            <a:tailEnd type="arrow"/>
-          </a:ln>
-        </p:spPr>
-        <p:style>
-          <a:lnRef idx="1">
-            <a:schemeClr val="accent1"/>
-          </a:lnRef>
-          <a:fillRef idx="0">
-            <a:schemeClr val="accent1"/>
-          </a:fillRef>
-          <a:effectRef idx="0">
-            <a:schemeClr val="accent1"/>
-          </a:effectRef>
-          <a:fontRef idx="minor">
-            <a:schemeClr val="tx1"/>
-          </a:fontRef>
-        </p:style>
-      </p:cxnSp>
-      <mc:AlternateContent xmlns:mc="http://schemas.openxmlformats.org/markup-compatibility/2006" xmlns:a14="http://schemas.microsoft.com/office/drawing/2010/main">
-        <mc:Choice Requires="a14">
-          <p:sp>
-            <p:nvSpPr>
-              <p:cNvPr id="67" name="TextBox 66"/>
-              <p:cNvSpPr txBox="1"/>
-              <p:nvPr/>
-            </p:nvSpPr>
-            <p:spPr>
-              <a:xfrm>
-                <a:off x="5071430" y="221488"/>
-                <a:ext cx="2646687" cy="276999"/>
-              </a:xfrm>
-              <a:prstGeom prst="rect">
-                <a:avLst/>
-              </a:prstGeom>
-              <a:noFill/>
-            </p:spPr>
-            <p:txBody>
-              <a:bodyPr wrap="none" rtlCol="0">
-                <a:spAutoFit/>
-              </a:bodyPr>
-              <a:lstStyle/>
-              <a:p>
-                <a14:m>
-                  <m:oMath xmlns:m="http://schemas.openxmlformats.org/officeDocument/2006/math">
-                    <m:acc>
-                      <m:accPr>
-                        <m:chr m:val="̅"/>
-                        <m:ctrlPr>
-                          <a:rPr lang="en-US" sz="1200" i="1" smtClean="0">
-                            <a:latin typeface="Cambria Math"/>
-                          </a:rPr>
-                        </m:ctrlPr>
-                      </m:accPr>
-                      <m:e>
-                        <m:r>
-                          <a:rPr lang="en-US" sz="1200" b="0" i="1" smtClean="0">
-                            <a:latin typeface="Cambria Math"/>
-                          </a:rPr>
-                          <m:t>𝑋</m:t>
-                        </m:r>
-                      </m:e>
-                    </m:acc>
-                    <m:r>
-                      <a:rPr lang="en-US" sz="1200" i="1" baseline="-25000">
-                        <a:latin typeface="Cambria Math"/>
-                      </a:rPr>
-                      <m:t>𝑘</m:t>
-                    </m:r>
-                    <m:r>
-                      <a:rPr lang="en-US" sz="1200" b="0" i="1" baseline="-25000" smtClean="0">
-                        <a:latin typeface="Cambria Math"/>
-                      </a:rPr>
-                      <m:t>+2</m:t>
-                    </m:r>
-                    <m:r>
-                      <a:rPr lang="en-US" sz="1200" i="1" baseline="-25000">
-                        <a:latin typeface="Cambria Math"/>
-                      </a:rPr>
-                      <m:t>|</m:t>
-                    </m:r>
-                    <m:r>
-                      <a:rPr lang="en-US" sz="1200" i="1" baseline="-25000">
-                        <a:latin typeface="Cambria Math"/>
-                      </a:rPr>
-                      <m:t>𝑘</m:t>
-                    </m:r>
-                  </m:oMath>
-                </a14:m>
-                <a:r>
-                  <a:rPr lang="en-US" sz="1200" dirty="0" smtClean="0"/>
-                  <a:t> = Reach</a:t>
-                </a:r>
-                <a:r>
-                  <a:rPr lang="en-US" sz="1200" baseline="-25000" dirty="0" smtClean="0"/>
-                  <a:t>h</a:t>
-                </a:r>
-                <a:r>
-                  <a:rPr lang="en-US" sz="1200" dirty="0" smtClean="0"/>
-                  <a:t>(</a:t>
-                </a:r>
-                <a14:m>
-                  <m:oMath xmlns:m="http://schemas.openxmlformats.org/officeDocument/2006/math">
-                    <m:acc>
-                      <m:accPr>
-                        <m:chr m:val="̅"/>
-                        <m:ctrlPr>
-                          <a:rPr lang="en-US" sz="1200" i="1" smtClean="0">
-                            <a:latin typeface="Cambria Math"/>
-                          </a:rPr>
-                        </m:ctrlPr>
-                      </m:accPr>
-                      <m:e>
-                        <m:r>
-                          <a:rPr lang="en-US" sz="1200" b="0" i="1" smtClean="0">
-                            <a:latin typeface="Cambria Math"/>
-                          </a:rPr>
-                          <m:t>𝑋</m:t>
-                        </m:r>
-                      </m:e>
-                    </m:acc>
-                    <m:r>
-                      <a:rPr lang="en-US" sz="1200" b="0" i="1" baseline="-25000" smtClean="0">
-                        <a:latin typeface="Cambria Math"/>
-                      </a:rPr>
-                      <m:t>𝑘</m:t>
-                    </m:r>
-                    <m:r>
-                      <a:rPr lang="en-US" sz="1200" b="0" i="1" baseline="-25000" smtClean="0">
-                        <a:latin typeface="Cambria Math"/>
-                      </a:rPr>
-                      <m:t>+1</m:t>
-                    </m:r>
-                    <m:d>
-                      <m:dPr>
-                        <m:begChr m:val="|"/>
-                        <m:ctrlPr>
-                          <a:rPr lang="en-US" sz="1200" b="0" i="1" baseline="-25000" smtClean="0">
-                            <a:latin typeface="Cambria Math"/>
-                          </a:rPr>
-                        </m:ctrlPr>
-                      </m:dPr>
-                      <m:e>
-                        <m:r>
-                          <a:rPr lang="en-US" sz="1200" b="0" i="1" baseline="-25000" smtClean="0">
-                            <a:latin typeface="Cambria Math"/>
-                          </a:rPr>
-                          <m:t>𝑘</m:t>
-                        </m:r>
-                        <m:r>
-                          <a:rPr lang="en-US" sz="1200" b="0" i="1" smtClean="0">
-                            <a:latin typeface="Cambria Math"/>
-                          </a:rPr>
-                          <m:t>,</m:t>
-                        </m:r>
-                        <m:r>
-                          <a:rPr lang="en-US" sz="1200" b="0" i="1" smtClean="0">
-                            <a:latin typeface="Cambria Math"/>
-                          </a:rPr>
-                          <m:t>𝑈</m:t>
-                        </m:r>
-                      </m:e>
-                    </m:d>
-                    <m:r>
-                      <a:rPr lang="en-US" sz="1200" i="1">
-                        <a:latin typeface="Cambria Math"/>
-                        <a:ea typeface="Cambria Math"/>
-                      </a:rPr>
-                      <m:t>⨁</m:t>
-                    </m:r>
-                    <m:d>
-                      <m:dPr>
-                        <m:ctrlPr>
-                          <a:rPr lang="en-US" sz="1200" b="0" i="1" smtClean="0">
-                            <a:latin typeface="Cambria Math"/>
-                            <a:ea typeface="Cambria Math"/>
-                          </a:rPr>
-                        </m:ctrlPr>
-                      </m:dPr>
-                      <m:e>
-                        <m:r>
-                          <a:rPr lang="en-US" sz="1200" b="0" i="0" smtClean="0">
-                            <a:latin typeface="Cambria Math"/>
-                            <a:ea typeface="Cambria Math"/>
-                          </a:rPr>
-                          <m:t>−</m:t>
-                        </m:r>
-                        <m:r>
-                          <m:rPr>
-                            <m:sty m:val="p"/>
-                          </m:rPr>
-                          <a:rPr lang="en-US" sz="1200" b="0" i="0" dirty="0" smtClean="0">
-                            <a:latin typeface="Cambria Math"/>
-                          </a:rPr>
-                          <m:t>E</m:t>
-                        </m:r>
-                      </m:e>
-                    </m:d>
-                  </m:oMath>
-                </a14:m>
-                <a:r>
-                  <a:rPr lang="en-US" sz="1200" dirty="0">
-                    <a:ea typeface="Cambria Math"/>
-                  </a:rPr>
-                  <a:t> </a:t>
-                </a:r>
-                <a14:m>
-                  <m:oMath xmlns:m="http://schemas.openxmlformats.org/officeDocument/2006/math">
-                    <m:r>
-                      <a:rPr lang="en-US" sz="1200" i="1">
-                        <a:latin typeface="Cambria Math"/>
-                        <a:ea typeface="Cambria Math"/>
-                      </a:rPr>
-                      <m:t>⨁</m:t>
-                    </m:r>
-                  </m:oMath>
-                </a14:m>
-                <a:r>
-                  <a:rPr lang="en-US" sz="1200" dirty="0" smtClean="0"/>
-                  <a:t>E</a:t>
-                </a:r>
-                <a:endParaRPr lang="en-US" sz="1200" dirty="0"/>
-              </a:p>
-            </p:txBody>
-          </p:sp>
-        </mc:Choice>
-        <mc:Fallback xmlns="">
-          <p:sp>
-            <p:nvSpPr>
-              <p:cNvPr id="67" name="TextBox 66"/>
-              <p:cNvSpPr txBox="1">
-                <a:spLocks noRot="1" noChangeAspect="1" noMove="1" noResize="1" noEditPoints="1" noAdjustHandles="1" noChangeArrowheads="1" noChangeShapeType="1" noTextEdit="1"/>
-              </p:cNvSpPr>
-              <p:nvPr/>
-            </p:nvSpPr>
-            <p:spPr>
-              <a:xfrm>
-                <a:off x="5071430" y="221488"/>
-                <a:ext cx="2646687" cy="276999"/>
-              </a:xfrm>
-              <a:prstGeom prst="rect">
-                <a:avLst/>
-              </a:prstGeom>
-              <a:blipFill rotWithShape="1">
-                <a:blip r:embed="rId11"/>
-                <a:stretch>
-                  <a:fillRect b="-17391"/>
-                </a:stretch>
-              </a:blipFill>
-            </p:spPr>
-            <p:txBody>
-              <a:bodyPr/>
-              <a:lstStyle/>
-              <a:p>
-                <a:r>
-                  <a:rPr lang="en-US">
-                    <a:noFill/>
-                  </a:rPr>
-                  <a:t> </a:t>
-                </a:r>
-              </a:p>
-            </p:txBody>
-          </p:sp>
-        </mc:Fallback>
-      </mc:AlternateContent>
-      <p:cxnSp>
-        <p:nvCxnSpPr>
-          <p:cNvPr id="70" name="Straight Arrow Connector 69"/>
-          <p:cNvCxnSpPr/>
-          <p:nvPr/>
-        </p:nvCxnSpPr>
-        <p:spPr>
-          <a:xfrm flipH="1">
-            <a:off x="5882358" y="501821"/>
-            <a:ext cx="11206" cy="248408"/>
-          </a:xfrm>
-          <a:prstGeom prst="straightConnector1">
-            <a:avLst/>
-          </a:prstGeom>
-          <a:ln w="19050">
-            <a:prstDash val="solid"/>
-            <a:tailEnd type="arrow"/>
-          </a:ln>
-        </p:spPr>
-        <p:style>
-          <a:lnRef idx="1">
-            <a:schemeClr val="accent1"/>
-          </a:lnRef>
-          <a:fillRef idx="0">
-            <a:schemeClr val="accent1"/>
-          </a:fillRef>
-          <a:effectRef idx="0">
-            <a:schemeClr val="accent1"/>
-          </a:effectRef>
-          <a:fontRef idx="minor">
-            <a:schemeClr val="tx1"/>
-          </a:fontRef>
-        </p:style>
-      </p:cxnSp>
-      <mc:AlternateContent xmlns:mc="http://schemas.openxmlformats.org/markup-compatibility/2006" xmlns:a14="http://schemas.microsoft.com/office/drawing/2010/main">
-        <mc:Choice Requires="a14">
-          <p:sp>
-            <p:nvSpPr>
-              <p:cNvPr id="75" name="TextBox 74"/>
-              <p:cNvSpPr txBox="1"/>
-              <p:nvPr/>
-            </p:nvSpPr>
-            <p:spPr>
-              <a:xfrm>
-                <a:off x="5486400" y="3111965"/>
-                <a:ext cx="3063146" cy="276999"/>
-              </a:xfrm>
-              <a:prstGeom prst="rect">
-                <a:avLst/>
-              </a:prstGeom>
-              <a:noFill/>
-            </p:spPr>
-            <p:txBody>
-              <a:bodyPr wrap="none" rtlCol="0">
-                <a:spAutoFit/>
-              </a:bodyPr>
-              <a:lstStyle/>
-              <a:p>
-                <a14:m>
-                  <m:oMath xmlns:m="http://schemas.openxmlformats.org/officeDocument/2006/math">
-                    <m:acc>
-                      <m:accPr>
-                        <m:chr m:val="̅"/>
-                        <m:ctrlPr>
-                          <a:rPr lang="en-US" sz="1200" i="1" smtClean="0">
-                            <a:latin typeface="Cambria Math"/>
-                          </a:rPr>
-                        </m:ctrlPr>
-                      </m:accPr>
-                      <m:e>
-                        <m:r>
-                          <a:rPr lang="en-US" sz="1200" b="0" i="1" smtClean="0">
-                            <a:latin typeface="Cambria Math"/>
-                          </a:rPr>
-                          <m:t>𝑋</m:t>
-                        </m:r>
-                      </m:e>
-                    </m:acc>
-                    <m:r>
-                      <a:rPr lang="en-US" sz="1200" i="1" baseline="-25000">
-                        <a:latin typeface="Cambria Math"/>
-                      </a:rPr>
-                      <m:t>𝑘</m:t>
-                    </m:r>
-                    <m:r>
-                      <a:rPr lang="en-US" sz="1200" b="0" i="1" baseline="-25000" smtClean="0">
-                        <a:latin typeface="Cambria Math"/>
-                      </a:rPr>
-                      <m:t>+2</m:t>
-                    </m:r>
-                    <m:r>
-                      <a:rPr lang="en-US" sz="1200" i="1" baseline="-25000">
-                        <a:latin typeface="Cambria Math"/>
-                      </a:rPr>
-                      <m:t>|</m:t>
-                    </m:r>
-                    <m:r>
-                      <a:rPr lang="en-US" sz="1200" i="1" baseline="-25000">
-                        <a:latin typeface="Cambria Math"/>
-                      </a:rPr>
-                      <m:t>𝑘</m:t>
-                    </m:r>
-                    <m:r>
-                      <a:rPr lang="en-US" sz="1200" b="0" i="1" baseline="-25000" smtClean="0">
-                        <a:latin typeface="Cambria Math"/>
-                      </a:rPr>
-                      <m:t>+1</m:t>
-                    </m:r>
-                  </m:oMath>
-                </a14:m>
-                <a:r>
-                  <a:rPr lang="en-US" sz="1200" dirty="0" smtClean="0"/>
-                  <a:t> = Reach</a:t>
-                </a:r>
-                <a:r>
-                  <a:rPr lang="en-US" sz="1200" baseline="-25000" dirty="0" smtClean="0"/>
-                  <a:t>h</a:t>
-                </a:r>
-                <a:r>
-                  <a:rPr lang="en-US" sz="1200" dirty="0" smtClean="0"/>
-                  <a:t>(</a:t>
-                </a:r>
-                <a14:m>
-                  <m:oMath xmlns:m="http://schemas.openxmlformats.org/officeDocument/2006/math">
-                    <m:acc>
-                      <m:accPr>
-                        <m:chr m:val="̅"/>
-                        <m:ctrlPr>
-                          <a:rPr lang="en-US" sz="1200" i="1" smtClean="0">
-                            <a:latin typeface="Cambria Math"/>
-                          </a:rPr>
-                        </m:ctrlPr>
-                      </m:accPr>
-                      <m:e>
-                        <m:r>
-                          <a:rPr lang="en-US" sz="1200" b="0" i="1" smtClean="0">
-                            <a:latin typeface="Cambria Math"/>
-                          </a:rPr>
-                          <m:t>𝑋</m:t>
-                        </m:r>
-                      </m:e>
-                    </m:acc>
-                    <m:r>
-                      <a:rPr lang="en-US" sz="1200" b="0" i="1" baseline="-25000" smtClean="0">
-                        <a:latin typeface="Cambria Math"/>
-                      </a:rPr>
-                      <m:t>𝑘</m:t>
-                    </m:r>
-                    <m:r>
-                      <a:rPr lang="en-US" sz="1200" b="0" i="1" baseline="-25000" smtClean="0">
-                        <a:latin typeface="Cambria Math"/>
-                      </a:rPr>
-                      <m:t>+1|</m:t>
-                    </m:r>
-                    <m:r>
-                      <a:rPr lang="en-US" sz="1200" b="0" i="1" baseline="-25000" smtClean="0">
-                        <a:latin typeface="Cambria Math"/>
-                      </a:rPr>
-                      <m:t>𝑘</m:t>
-                    </m:r>
-                    <m:r>
-                      <a:rPr lang="en-US" sz="1200" b="0" i="1" baseline="-25000" smtClean="0">
-                        <a:latin typeface="Cambria Math"/>
-                      </a:rPr>
-                      <m:t>+1 ,</m:t>
-                    </m:r>
-                    <m:r>
-                      <a:rPr lang="en-US" sz="1200" b="0" i="1" smtClean="0">
-                        <a:latin typeface="Cambria Math"/>
-                      </a:rPr>
-                      <m:t>𝑈</m:t>
-                    </m:r>
-                    <m:r>
-                      <a:rPr lang="en-US" sz="1200" b="0" i="1" smtClean="0">
-                        <a:latin typeface="Cambria Math"/>
-                      </a:rPr>
-                      <m:t>)⨁</m:t>
-                    </m:r>
-                    <m:r>
-                      <a:rPr lang="en-US" sz="1200" b="0" i="0" smtClean="0">
-                        <a:latin typeface="Cambria Math"/>
-                        <a:ea typeface="Cambria Math"/>
-                      </a:rPr>
-                      <m:t>(−</m:t>
-                    </m:r>
-                  </m:oMath>
-                </a14:m>
-                <a:r>
-                  <a:rPr lang="en-US" sz="1200" dirty="0" smtClean="0"/>
-                  <a:t>E)</a:t>
-                </a:r>
-                <a:r>
-                  <a:rPr lang="en-US" sz="1200" dirty="0">
-                    <a:ea typeface="Cambria Math"/>
-                  </a:rPr>
-                  <a:t> </a:t>
-                </a:r>
-                <a14:m>
-                  <m:oMath xmlns:m="http://schemas.openxmlformats.org/officeDocument/2006/math">
-                    <m:r>
-                      <a:rPr lang="en-US" sz="1200" i="1">
-                        <a:latin typeface="Cambria Math"/>
-                        <a:ea typeface="Cambria Math"/>
-                      </a:rPr>
-                      <m:t>⨁</m:t>
-                    </m:r>
-                  </m:oMath>
-                </a14:m>
-                <a:r>
-                  <a:rPr lang="en-US" sz="1200" dirty="0" smtClean="0"/>
-                  <a:t>E</a:t>
-                </a:r>
-                <a:endParaRPr lang="en-US" sz="1200" dirty="0"/>
-              </a:p>
-            </p:txBody>
-          </p:sp>
-        </mc:Choice>
-        <mc:Fallback xmlns="">
-          <p:sp>
-            <p:nvSpPr>
-              <p:cNvPr id="75" name="TextBox 74"/>
-              <p:cNvSpPr txBox="1">
-                <a:spLocks noRot="1" noChangeAspect="1" noMove="1" noResize="1" noEditPoints="1" noAdjustHandles="1" noChangeArrowheads="1" noChangeShapeType="1" noTextEdit="1"/>
-              </p:cNvSpPr>
-              <p:nvPr/>
-            </p:nvSpPr>
-            <p:spPr>
-              <a:xfrm>
-                <a:off x="5486400" y="3111965"/>
-                <a:ext cx="3063146" cy="276999"/>
-              </a:xfrm>
-              <a:prstGeom prst="rect">
-                <a:avLst/>
-              </a:prstGeom>
-              <a:blipFill rotWithShape="1">
-                <a:blip r:embed="rId12"/>
-                <a:stretch>
-                  <a:fillRect b="-17391"/>
-                </a:stretch>
-              </a:blipFill>
-            </p:spPr>
-            <p:txBody>
-              <a:bodyPr/>
-              <a:lstStyle/>
-              <a:p>
-                <a:r>
-                  <a:rPr lang="en-US">
-                    <a:noFill/>
-                  </a:rPr>
-                  <a:t> </a:t>
-                </a:r>
-              </a:p>
-            </p:txBody>
-          </p:sp>
-        </mc:Fallback>
-      </mc:AlternateContent>
-      <p:cxnSp>
-        <p:nvCxnSpPr>
-          <p:cNvPr id="76" name="Straight Arrow Connector 75"/>
-          <p:cNvCxnSpPr/>
-          <p:nvPr/>
-        </p:nvCxnSpPr>
-        <p:spPr>
-          <a:xfrm flipH="1" flipV="1">
-            <a:off x="6125135" y="2971800"/>
-            <a:ext cx="1" cy="236249"/>
+            <a:off x="6147060" y="3124200"/>
+            <a:ext cx="4697" cy="433627"/>
           </a:xfrm>
           <a:prstGeom prst="straightConnector1">
             <a:avLst/>
@@ -5911,138 +4196,6 @@
           </a:fontRef>
         </p:style>
       </p:cxnSp>
-      <p:cxnSp>
-        <p:nvCxnSpPr>
-          <p:cNvPr id="80" name="Straight Connector 79"/>
-          <p:cNvCxnSpPr/>
-          <p:nvPr/>
-        </p:nvCxnSpPr>
-        <p:spPr>
-          <a:xfrm>
-            <a:off x="6324599" y="2951435"/>
-            <a:ext cx="2133601" cy="84055"/>
-          </a:xfrm>
-          <a:prstGeom prst="line">
-            <a:avLst/>
-          </a:prstGeom>
-          <a:ln w="19050">
-            <a:solidFill>
-              <a:schemeClr val="tx1"/>
-            </a:solidFill>
-            <a:prstDash val="sysDash"/>
-          </a:ln>
-        </p:spPr>
-        <p:style>
-          <a:lnRef idx="1">
-            <a:schemeClr val="accent1"/>
-          </a:lnRef>
-          <a:fillRef idx="0">
-            <a:schemeClr val="accent1"/>
-          </a:fillRef>
-          <a:effectRef idx="0">
-            <a:schemeClr val="accent1"/>
-          </a:effectRef>
-          <a:fontRef idx="minor">
-            <a:schemeClr val="tx1"/>
-          </a:fontRef>
-        </p:style>
-      </p:cxnSp>
-      <p:cxnSp>
-        <p:nvCxnSpPr>
-          <p:cNvPr id="82" name="Straight Connector 81"/>
-          <p:cNvCxnSpPr/>
-          <p:nvPr/>
-        </p:nvCxnSpPr>
-        <p:spPr>
-          <a:xfrm flipV="1">
-            <a:off x="7010400" y="609600"/>
-            <a:ext cx="874004" cy="149424"/>
-          </a:xfrm>
-          <a:prstGeom prst="line">
-            <a:avLst/>
-          </a:prstGeom>
-        </p:spPr>
-        <p:style>
-          <a:lnRef idx="1">
-            <a:schemeClr val="accent1"/>
-          </a:lnRef>
-          <a:fillRef idx="0">
-            <a:schemeClr val="accent1"/>
-          </a:fillRef>
-          <a:effectRef idx="0">
-            <a:schemeClr val="accent1"/>
-          </a:effectRef>
-          <a:fontRef idx="minor">
-            <a:schemeClr val="tx1"/>
-          </a:fontRef>
-        </p:style>
-      </p:cxnSp>
-      <p:cxnSp>
-        <p:nvCxnSpPr>
-          <p:cNvPr id="83" name="Straight Connector 82"/>
-          <p:cNvCxnSpPr/>
-          <p:nvPr/>
-        </p:nvCxnSpPr>
-        <p:spPr>
-          <a:xfrm>
-            <a:off x="7041775" y="2971798"/>
-            <a:ext cx="1129553" cy="108868"/>
-          </a:xfrm>
-          <a:prstGeom prst="line">
-            <a:avLst/>
-          </a:prstGeom>
-        </p:spPr>
-        <p:style>
-          <a:lnRef idx="1">
-            <a:schemeClr val="accent1"/>
-          </a:lnRef>
-          <a:fillRef idx="0">
-            <a:schemeClr val="accent1"/>
-          </a:fillRef>
-          <a:effectRef idx="0">
-            <a:schemeClr val="accent1"/>
-          </a:effectRef>
-          <a:fontRef idx="minor">
-            <a:schemeClr val="tx1"/>
-          </a:fontRef>
-        </p:style>
-      </p:cxnSp>
-      <p:cxnSp>
-        <p:nvCxnSpPr>
-          <p:cNvPr id="86" name="Straight Connector 85"/>
-          <p:cNvCxnSpPr/>
-          <p:nvPr/>
-        </p:nvCxnSpPr>
-        <p:spPr>
-          <a:xfrm flipV="1">
-            <a:off x="4114800" y="1922815"/>
-            <a:ext cx="1283465" cy="69391"/>
-          </a:xfrm>
-          <a:prstGeom prst="line">
-            <a:avLst/>
-          </a:prstGeom>
-          <a:ln w="19050">
-            <a:solidFill>
-              <a:schemeClr val="tx1"/>
-            </a:solidFill>
-            <a:prstDash val="sysDash"/>
-          </a:ln>
-        </p:spPr>
-        <p:style>
-          <a:lnRef idx="1">
-            <a:schemeClr val="accent1"/>
-          </a:lnRef>
-          <a:fillRef idx="0">
-            <a:schemeClr val="accent1"/>
-          </a:fillRef>
-          <a:effectRef idx="0">
-            <a:schemeClr val="accent1"/>
-          </a:effectRef>
-          <a:fontRef idx="minor">
-            <a:schemeClr val="tx1"/>
-          </a:fontRef>
-        </p:style>
-      </p:cxnSp>
       <p:sp>
         <p:nvSpPr>
           <p:cNvPr id="88" name="Rectangle 87"/>
@@ -6051,7 +4204,7 @@
         </p:nvSpPr>
         <p:spPr>
           <a:xfrm>
-            <a:off x="5200650" y="3048000"/>
+            <a:off x="5712903" y="3359912"/>
             <a:ext cx="133350" cy="202464"/>
           </a:xfrm>
           <a:prstGeom prst="rect">
@@ -6089,6 +4242,2047 @@
           </a:p>
         </p:txBody>
       </p:sp>
+      <mc:AlternateContent xmlns:mc="http://schemas.openxmlformats.org/markup-compatibility/2006">
+        <mc:Choice xmlns:a14="http://schemas.microsoft.com/office/drawing/2010/main" Requires="a14">
+          <p:sp>
+            <p:nvSpPr>
+              <p:cNvPr id="2" name="Rectangle 1"/>
+              <p:cNvSpPr/>
+              <p:nvPr/>
+            </p:nvSpPr>
+            <p:spPr>
+              <a:xfrm>
+                <a:off x="838200" y="2000256"/>
+                <a:ext cx="1219200" cy="327077"/>
+              </a:xfrm>
+              <a:prstGeom prst="rect">
+                <a:avLst/>
+              </a:prstGeom>
+            </p:spPr>
+            <p:txBody>
+              <a:bodyPr wrap="square">
+                <a:spAutoFit/>
+              </a:bodyPr>
+              <a:lstStyle/>
+              <a:p>
+                <a14:m>
+                  <m:oMathPara xmlns:m="http://schemas.openxmlformats.org/officeDocument/2006/math">
+                    <m:oMathParaPr>
+                      <m:jc m:val="centerGroup"/>
+                    </m:oMathParaPr>
+                    <m:oMath xmlns:m="http://schemas.openxmlformats.org/officeDocument/2006/math">
+                      <m:sSub>
+                        <m:sSubPr>
+                          <m:ctrlPr>
+                            <a:rPr lang="en-US" sz="1400" i="1">
+                              <a:latin typeface="Cambria Math" charset="0"/>
+                            </a:rPr>
+                          </m:ctrlPr>
+                        </m:sSubPr>
+                        <m:e>
+                          <m:r>
+                            <a:rPr lang="en-US" sz="1400" i="1">
+                              <a:latin typeface="Cambria Math" charset="0"/>
+                            </a:rPr>
+                            <m:t>𝑅𝑇</m:t>
+                          </m:r>
+                        </m:e>
+                        <m:sub>
+                          <m:r>
+                            <a:rPr lang="en-US" sz="1400" i="1">
+                              <a:latin typeface="Cambria Math" charset="0"/>
+                            </a:rPr>
+                            <m:t>=</m:t>
+                          </m:r>
+                          <m:r>
+                            <a:rPr lang="en-US" sz="1400" i="1">
+                              <a:latin typeface="Cambria Math" charset="0"/>
+                            </a:rPr>
+                            <m:t>𝑇</m:t>
+                          </m:r>
+                        </m:sub>
+                      </m:sSub>
+                      <m:r>
+                        <a:rPr lang="en-US" sz="1400">
+                          <a:latin typeface="Cambria Math" charset="0"/>
+                        </a:rPr>
+                        <m:t>(</m:t>
+                      </m:r>
+                      <m:sSub>
+                        <m:sSubPr>
+                          <m:ctrlPr>
+                            <a:rPr lang="en-US" sz="1400" i="1">
+                              <a:latin typeface="Cambria Math" charset="0"/>
+                            </a:rPr>
+                          </m:ctrlPr>
+                        </m:sSubPr>
+                        <m:e>
+                          <m:r>
+                            <a:rPr lang="en-US" sz="1400" i="1">
+                              <a:latin typeface="Cambria Math" charset="0"/>
+                            </a:rPr>
+                            <m:t>𝑋</m:t>
+                          </m:r>
+                        </m:e>
+                        <m:sub>
+                          <m:r>
+                            <a:rPr lang="en-US" sz="1400" i="1">
+                              <a:latin typeface="Cambria Math" charset="0"/>
+                            </a:rPr>
+                            <m:t>𝑘</m:t>
+                          </m:r>
+                          <m:r>
+                            <a:rPr lang="en-US" sz="1400" i="1">
+                              <a:latin typeface="Cambria Math" charset="0"/>
+                            </a:rPr>
+                            <m:t>|</m:t>
+                          </m:r>
+                          <m:r>
+                            <a:rPr lang="en-US" sz="1400" i="1">
+                              <a:latin typeface="Cambria Math" charset="0"/>
+                            </a:rPr>
+                            <m:t>𝑘</m:t>
+                          </m:r>
+                        </m:sub>
+                      </m:sSub>
+                      <m:r>
+                        <a:rPr lang="en-US" sz="1400">
+                          <a:latin typeface="Cambria Math" charset="0"/>
+                        </a:rPr>
+                        <m:t>,</m:t>
+                      </m:r>
+                      <m:r>
+                        <m:rPr>
+                          <m:sty m:val="p"/>
+                        </m:rPr>
+                        <a:rPr lang="en-US" sz="1400">
+                          <a:latin typeface="Cambria Math" charset="0"/>
+                        </a:rPr>
+                        <m:t>U</m:t>
+                      </m:r>
+                      <m:r>
+                        <a:rPr lang="en-US" sz="1400">
+                          <a:latin typeface="Cambria Math" charset="0"/>
+                        </a:rPr>
+                        <m:t>)</m:t>
+                      </m:r>
+                      <m:r>
+                        <a:rPr lang="en-US" sz="1400" i="1" baseline="-25000">
+                          <a:latin typeface="Cambria Math" charset="0"/>
+                        </a:rPr>
+                        <m:t> </m:t>
+                      </m:r>
+                    </m:oMath>
+                  </m:oMathPara>
+                </a14:m>
+                <a:endParaRPr lang="en-US" sz="1400" dirty="0"/>
+              </a:p>
+            </p:txBody>
+          </p:sp>
+        </mc:Choice>
+        <mc:Fallback>
+          <p:sp>
+            <p:nvSpPr>
+              <p:cNvPr id="2" name="Rectangle 1"/>
+              <p:cNvSpPr>
+                <a:spLocks noRot="1" noChangeAspect="1" noMove="1" noResize="1" noEditPoints="1" noAdjustHandles="1" noChangeArrowheads="1" noChangeShapeType="1" noTextEdit="1"/>
+              </p:cNvSpPr>
+              <p:nvPr/>
+            </p:nvSpPr>
+            <p:spPr>
+              <a:xfrm>
+                <a:off x="838200" y="2000256"/>
+                <a:ext cx="1219200" cy="327077"/>
+              </a:xfrm>
+              <a:prstGeom prst="rect">
+                <a:avLst/>
+              </a:prstGeom>
+              <a:blipFill rotWithShape="0">
+                <a:blip r:embed="rId5"/>
+                <a:stretch>
+                  <a:fillRect t="-5556" b="-74074"/>
+                </a:stretch>
+              </a:blipFill>
+            </p:spPr>
+            <p:txBody>
+              <a:bodyPr/>
+              <a:lstStyle/>
+              <a:p>
+                <a:r>
+                  <a:rPr lang="en-US">
+                    <a:noFill/>
+                  </a:rPr>
+                  <a:t> </a:t>
+                </a:r>
+              </a:p>
+            </p:txBody>
+          </p:sp>
+        </mc:Fallback>
+      </mc:AlternateContent>
+      <mc:AlternateContent xmlns:mc="http://schemas.openxmlformats.org/markup-compatibility/2006">
+        <mc:Choice xmlns:a14="http://schemas.microsoft.com/office/drawing/2010/main" Requires="a14">
+          <p:sp>
+            <p:nvSpPr>
+              <p:cNvPr id="108" name="Rectangle 107"/>
+              <p:cNvSpPr/>
+              <p:nvPr/>
+            </p:nvSpPr>
+            <p:spPr>
+              <a:xfrm>
+                <a:off x="381000" y="2359147"/>
+                <a:ext cx="1686977" cy="327077"/>
+              </a:xfrm>
+              <a:prstGeom prst="rect">
+                <a:avLst/>
+              </a:prstGeom>
+            </p:spPr>
+            <p:txBody>
+              <a:bodyPr wrap="square">
+                <a:spAutoFit/>
+              </a:bodyPr>
+              <a:lstStyle/>
+              <a:p>
+                <a14:m>
+                  <m:oMathPara xmlns:m="http://schemas.openxmlformats.org/officeDocument/2006/math">
+                    <m:oMathParaPr>
+                      <m:jc m:val="centerGroup"/>
+                    </m:oMathParaPr>
+                    <m:oMath xmlns:m="http://schemas.openxmlformats.org/officeDocument/2006/math">
+                      <m:sSub>
+                        <m:sSubPr>
+                          <m:ctrlPr>
+                            <a:rPr lang="en-US" sz="1400" i="1" smtClean="0">
+                              <a:latin typeface="Cambria Math" charset="0"/>
+                            </a:rPr>
+                          </m:ctrlPr>
+                        </m:sSubPr>
+                        <m:e>
+                          <m:r>
+                            <a:rPr lang="en-US" sz="1400" i="1">
+                              <a:latin typeface="Cambria Math" charset="0"/>
+                            </a:rPr>
+                            <m:t>𝑅𝑇</m:t>
+                          </m:r>
+                        </m:e>
+                        <m:sub>
+                          <m:r>
+                            <a:rPr lang="en-US" sz="1400" i="1">
+                              <a:latin typeface="Cambria Math" charset="0"/>
+                            </a:rPr>
+                            <m:t>=</m:t>
+                          </m:r>
+                          <m:r>
+                            <a:rPr lang="en-US" sz="1400" i="1">
+                              <a:latin typeface="Cambria Math" charset="0"/>
+                            </a:rPr>
+                            <m:t>𝑇</m:t>
+                          </m:r>
+                        </m:sub>
+                      </m:sSub>
+                      <m:r>
+                        <a:rPr lang="en-US" sz="1400">
+                          <a:latin typeface="Cambria Math" charset="0"/>
+                        </a:rPr>
+                        <m:t>(</m:t>
+                      </m:r>
+                      <m:sSub>
+                        <m:sSubPr>
+                          <m:ctrlPr>
+                            <a:rPr lang="en-US" sz="1400" i="1">
+                              <a:latin typeface="Cambria Math" charset="0"/>
+                            </a:rPr>
+                          </m:ctrlPr>
+                        </m:sSubPr>
+                        <m:e>
+                          <m:r>
+                            <a:rPr lang="en-US" sz="1400" i="1">
+                              <a:latin typeface="Cambria Math" charset="0"/>
+                            </a:rPr>
+                            <m:t>𝑋</m:t>
+                          </m:r>
+                        </m:e>
+                        <m:sub>
+                          <m:r>
+                            <a:rPr lang="en-US" sz="1400" i="1">
+                              <a:latin typeface="Cambria Math" charset="0"/>
+                            </a:rPr>
+                            <m:t>𝑘</m:t>
+                          </m:r>
+                          <m:r>
+                            <a:rPr lang="en-US" sz="1400" i="1">
+                              <a:latin typeface="Cambria Math" charset="0"/>
+                            </a:rPr>
+                            <m:t>|</m:t>
+                          </m:r>
+                          <m:r>
+                            <a:rPr lang="en-US" sz="1400" i="1">
+                              <a:latin typeface="Cambria Math" charset="0"/>
+                            </a:rPr>
+                            <m:t>𝑘</m:t>
+                          </m:r>
+                        </m:sub>
+                      </m:sSub>
+                      <m:r>
+                        <a:rPr lang="en-US" sz="1400">
+                          <a:latin typeface="Cambria Math" charset="0"/>
+                        </a:rPr>
+                        <m:t>,</m:t>
+                      </m:r>
+                      <m:r>
+                        <m:rPr>
+                          <m:sty m:val="p"/>
+                        </m:rPr>
+                        <a:rPr lang="en-US" sz="1400">
+                          <a:latin typeface="Cambria Math" charset="0"/>
+                        </a:rPr>
+                        <m:t>U</m:t>
+                      </m:r>
+                      <m:r>
+                        <a:rPr lang="en-US" sz="1400">
+                          <a:latin typeface="Cambria Math" charset="0"/>
+                        </a:rPr>
+                        <m:t>)</m:t>
+                      </m:r>
+                      <m:r>
+                        <a:rPr lang="en-US" sz="1400" i="1">
+                          <a:latin typeface="Cambria Math"/>
+                        </a:rPr>
+                        <m:t>⨁</m:t>
+                      </m:r>
+                      <m:r>
+                        <a:rPr lang="en-US" sz="1400" b="0" i="1" smtClean="0">
+                          <a:latin typeface="Cambria Math" charset="0"/>
+                        </a:rPr>
+                        <m:t>𝐸</m:t>
+                      </m:r>
+                    </m:oMath>
+                  </m:oMathPara>
+                </a14:m>
+                <a:endParaRPr lang="en-US" sz="1400" dirty="0"/>
+              </a:p>
+            </p:txBody>
+          </p:sp>
+        </mc:Choice>
+        <mc:Fallback>
+          <p:sp>
+            <p:nvSpPr>
+              <p:cNvPr id="108" name="Rectangle 107"/>
+              <p:cNvSpPr>
+                <a:spLocks noRot="1" noChangeAspect="1" noMove="1" noResize="1" noEditPoints="1" noAdjustHandles="1" noChangeArrowheads="1" noChangeShapeType="1" noTextEdit="1"/>
+              </p:cNvSpPr>
+              <p:nvPr/>
+            </p:nvSpPr>
+            <p:spPr>
+              <a:xfrm>
+                <a:off x="381000" y="2359147"/>
+                <a:ext cx="1686977" cy="327077"/>
+              </a:xfrm>
+              <a:prstGeom prst="rect">
+                <a:avLst/>
+              </a:prstGeom>
+              <a:blipFill rotWithShape="0">
+                <a:blip r:embed="rId6"/>
+                <a:stretch>
+                  <a:fillRect b="-3704"/>
+                </a:stretch>
+              </a:blipFill>
+            </p:spPr>
+            <p:txBody>
+              <a:bodyPr/>
+              <a:lstStyle/>
+              <a:p>
+                <a:r>
+                  <a:rPr lang="en-US">
+                    <a:noFill/>
+                  </a:rPr>
+                  <a:t> </a:t>
+                </a:r>
+              </a:p>
+            </p:txBody>
+          </p:sp>
+        </mc:Fallback>
+      </mc:AlternateContent>
+      <mc:AlternateContent xmlns:mc="http://schemas.openxmlformats.org/markup-compatibility/2006">
+        <mc:Choice xmlns:a14="http://schemas.microsoft.com/office/drawing/2010/main" Requires="a14">
+          <p:sp>
+            <p:nvSpPr>
+              <p:cNvPr id="116" name="Rectangle 115"/>
+              <p:cNvSpPr/>
+              <p:nvPr/>
+            </p:nvSpPr>
+            <p:spPr>
+              <a:xfrm>
+                <a:off x="2209800" y="620525"/>
+                <a:ext cx="2895600" cy="342466"/>
+              </a:xfrm>
+              <a:prstGeom prst="rect">
+                <a:avLst/>
+              </a:prstGeom>
+              <a:ln>
+                <a:noFill/>
+              </a:ln>
+            </p:spPr>
+            <p:txBody>
+              <a:bodyPr wrap="square">
+                <a:spAutoFit/>
+              </a:bodyPr>
+              <a:lstStyle/>
+              <a:p>
+                <a14:m>
+                  <m:oMathPara xmlns:m="http://schemas.openxmlformats.org/officeDocument/2006/math">
+                    <m:oMathParaPr>
+                      <m:jc m:val="centerGroup"/>
+                    </m:oMathParaPr>
+                    <m:oMath xmlns:m="http://schemas.openxmlformats.org/officeDocument/2006/math">
+                      <m:sSub>
+                        <m:sSubPr>
+                          <m:ctrlPr>
+                            <a:rPr lang="en-US" sz="1400" i="1" smtClean="0">
+                              <a:latin typeface="Cambria Math" charset="0"/>
+                            </a:rPr>
+                          </m:ctrlPr>
+                        </m:sSubPr>
+                        <m:e>
+                          <m:sSub>
+                            <m:sSubPr>
+                              <m:ctrlPr>
+                                <a:rPr lang="en-US" sz="1400" b="1" i="1">
+                                  <a:latin typeface="Cambria Math" charset="0"/>
+                                </a:rPr>
+                              </m:ctrlPr>
+                            </m:sSubPr>
+                            <m:e>
+                              <m:r>
+                                <a:rPr lang="en-US" sz="1400" b="1" i="1">
+                                  <a:latin typeface="Cambria Math" charset="0"/>
+                                </a:rPr>
+                                <m:t>𝑿</m:t>
+                              </m:r>
+                            </m:e>
+                            <m:sub>
+                              <m:r>
+                                <a:rPr lang="en-US" sz="1400" b="1" i="1">
+                                  <a:latin typeface="Cambria Math" charset="0"/>
+                                </a:rPr>
+                                <m:t>𝒌</m:t>
+                              </m:r>
+                              <m:r>
+                                <a:rPr lang="en-US" sz="1400" b="1" i="1" smtClean="0">
+                                  <a:latin typeface="Cambria Math" charset="0"/>
+                                </a:rPr>
+                                <m:t>+</m:t>
+                              </m:r>
+                              <m:r>
+                                <a:rPr lang="en-US" sz="1400" b="1" i="1" smtClean="0">
+                                  <a:latin typeface="Cambria Math" charset="0"/>
+                                </a:rPr>
+                                <m:t>𝟏</m:t>
+                              </m:r>
+                              <m:r>
+                                <a:rPr lang="en-US" sz="1400" b="1" i="1">
+                                  <a:latin typeface="Cambria Math" charset="0"/>
+                                </a:rPr>
+                                <m:t>|</m:t>
+                              </m:r>
+                              <m:r>
+                                <a:rPr lang="en-US" sz="1400" b="1" i="1">
+                                  <a:latin typeface="Cambria Math" charset="0"/>
+                                </a:rPr>
+                                <m:t>𝒌</m:t>
+                              </m:r>
+                            </m:sub>
+                          </m:sSub>
+                          <m:r>
+                            <a:rPr lang="en-US" sz="1400" b="0" i="1" smtClean="0">
+                              <a:latin typeface="Cambria Math" charset="0"/>
+                            </a:rPr>
+                            <m:t>=</m:t>
+                          </m:r>
+                          <m:r>
+                            <a:rPr lang="en-US" sz="1400" i="1">
+                              <a:latin typeface="Cambria Math" charset="0"/>
+                            </a:rPr>
+                            <m:t>𝑅𝑇</m:t>
+                          </m:r>
+                        </m:e>
+                        <m:sub>
+                          <m:r>
+                            <a:rPr lang="en-US" sz="1400" i="1">
+                              <a:latin typeface="Cambria Math" charset="0"/>
+                            </a:rPr>
+                            <m:t>=</m:t>
+                          </m:r>
+                          <m:r>
+                            <a:rPr lang="en-US" sz="1400" i="1">
+                              <a:latin typeface="Cambria Math" charset="0"/>
+                            </a:rPr>
+                            <m:t>𝑇</m:t>
+                          </m:r>
+                        </m:sub>
+                      </m:sSub>
+                      <m:d>
+                        <m:dPr>
+                          <m:ctrlPr>
+                            <a:rPr lang="en-US" sz="1400" i="1">
+                              <a:latin typeface="Cambria Math" charset="0"/>
+                            </a:rPr>
+                          </m:ctrlPr>
+                        </m:dPr>
+                        <m:e>
+                          <m:sSub>
+                            <m:sSubPr>
+                              <m:ctrlPr>
+                                <a:rPr lang="en-US" sz="1400" i="1">
+                                  <a:latin typeface="Cambria Math" charset="0"/>
+                                </a:rPr>
+                              </m:ctrlPr>
+                            </m:sSubPr>
+                            <m:e>
+                              <m:r>
+                                <a:rPr lang="en-US" sz="1400" i="1">
+                                  <a:latin typeface="Cambria Math" charset="0"/>
+                                </a:rPr>
+                                <m:t>𝑋</m:t>
+                              </m:r>
+                            </m:e>
+                            <m:sub>
+                              <m:r>
+                                <a:rPr lang="en-US" sz="1400" i="1">
+                                  <a:latin typeface="Cambria Math" charset="0"/>
+                                </a:rPr>
+                                <m:t>𝑘</m:t>
+                              </m:r>
+                              <m:r>
+                                <a:rPr lang="en-US" sz="1400" i="1">
+                                  <a:latin typeface="Cambria Math" charset="0"/>
+                                </a:rPr>
+                                <m:t>|</m:t>
+                              </m:r>
+                              <m:r>
+                                <a:rPr lang="en-US" sz="1400" i="1">
+                                  <a:latin typeface="Cambria Math" charset="0"/>
+                                </a:rPr>
+                                <m:t>𝑘</m:t>
+                              </m:r>
+                            </m:sub>
+                          </m:sSub>
+                          <m:r>
+                            <a:rPr lang="en-US" sz="1400">
+                              <a:latin typeface="Cambria Math" charset="0"/>
+                            </a:rPr>
+                            <m:t>,</m:t>
+                          </m:r>
+                          <m:r>
+                            <m:rPr>
+                              <m:sty m:val="p"/>
+                            </m:rPr>
+                            <a:rPr lang="en-US" sz="1400">
+                              <a:latin typeface="Cambria Math" charset="0"/>
+                            </a:rPr>
+                            <m:t>U</m:t>
+                          </m:r>
+                        </m:e>
+                      </m:d>
+                      <m:r>
+                        <a:rPr lang="en-US" sz="1400" i="1">
+                          <a:latin typeface="Cambria Math"/>
+                        </a:rPr>
+                        <m:t>⨁</m:t>
+                      </m:r>
+                      <m:d>
+                        <m:dPr>
+                          <m:ctrlPr>
+                            <a:rPr lang="en-US" sz="1400" b="0" i="1" smtClean="0">
+                              <a:latin typeface="Cambria Math" charset="0"/>
+                            </a:rPr>
+                          </m:ctrlPr>
+                        </m:dPr>
+                        <m:e>
+                          <m:r>
+                            <a:rPr lang="en-US" sz="1400" b="0" i="1" smtClean="0">
+                              <a:latin typeface="Cambria Math" charset="0"/>
+                            </a:rPr>
+                            <m:t>−</m:t>
+                          </m:r>
+                          <m:r>
+                            <a:rPr lang="en-US" sz="1400" b="0" i="1" smtClean="0">
+                              <a:latin typeface="Cambria Math" charset="0"/>
+                            </a:rPr>
+                            <m:t>𝐸</m:t>
+                          </m:r>
+                        </m:e>
+                      </m:d>
+                      <m:r>
+                        <a:rPr lang="en-US" sz="1400" b="0" i="1" smtClean="0">
+                          <a:latin typeface="Cambria Math" charset="0"/>
+                        </a:rPr>
+                        <m:t>+</m:t>
+                      </m:r>
+                      <m:r>
+                        <a:rPr lang="en-US" sz="1400" b="0" i="1" smtClean="0">
+                          <a:latin typeface="Cambria Math" charset="0"/>
+                        </a:rPr>
+                        <m:t>𝐸</m:t>
+                      </m:r>
+                    </m:oMath>
+                  </m:oMathPara>
+                </a14:m>
+                <a:endParaRPr lang="en-US" sz="1400" dirty="0"/>
+              </a:p>
+            </p:txBody>
+          </p:sp>
+        </mc:Choice>
+        <mc:Fallback>
+          <p:sp>
+            <p:nvSpPr>
+              <p:cNvPr id="116" name="Rectangle 115"/>
+              <p:cNvSpPr>
+                <a:spLocks noRot="1" noChangeAspect="1" noMove="1" noResize="1" noEditPoints="1" noAdjustHandles="1" noChangeArrowheads="1" noChangeShapeType="1" noTextEdit="1"/>
+              </p:cNvSpPr>
+              <p:nvPr/>
+            </p:nvSpPr>
+            <p:spPr>
+              <a:xfrm>
+                <a:off x="2209800" y="620525"/>
+                <a:ext cx="2895600" cy="342466"/>
+              </a:xfrm>
+              <a:prstGeom prst="rect">
+                <a:avLst/>
+              </a:prstGeom>
+              <a:blipFill rotWithShape="0">
+                <a:blip r:embed="rId7"/>
+                <a:stretch>
+                  <a:fillRect b="-1786"/>
+                </a:stretch>
+              </a:blipFill>
+              <a:ln>
+                <a:noFill/>
+              </a:ln>
+            </p:spPr>
+            <p:txBody>
+              <a:bodyPr/>
+              <a:lstStyle/>
+              <a:p>
+                <a:r>
+                  <a:rPr lang="en-US">
+                    <a:noFill/>
+                  </a:rPr>
+                  <a:t> </a:t>
+                </a:r>
+              </a:p>
+            </p:txBody>
+          </p:sp>
+        </mc:Fallback>
+      </mc:AlternateContent>
+      <mc:AlternateContent xmlns:mc="http://schemas.openxmlformats.org/markup-compatibility/2006">
+        <mc:Choice xmlns:a14="http://schemas.microsoft.com/office/drawing/2010/main" Requires="a14">
+          <p:sp>
+            <p:nvSpPr>
+              <p:cNvPr id="120" name="Rectangle 119"/>
+              <p:cNvSpPr/>
+              <p:nvPr/>
+            </p:nvSpPr>
+            <p:spPr>
+              <a:xfrm>
+                <a:off x="2623110" y="2797123"/>
+                <a:ext cx="2162133" cy="327077"/>
+              </a:xfrm>
+              <a:prstGeom prst="rect">
+                <a:avLst/>
+              </a:prstGeom>
+            </p:spPr>
+            <p:txBody>
+              <a:bodyPr wrap="square">
+                <a:spAutoFit/>
+              </a:bodyPr>
+              <a:lstStyle/>
+              <a:p>
+                <a14:m>
+                  <m:oMathPara xmlns:m="http://schemas.openxmlformats.org/officeDocument/2006/math">
+                    <m:oMathParaPr>
+                      <m:jc m:val="centerGroup"/>
+                    </m:oMathParaPr>
+                    <m:oMath xmlns:m="http://schemas.openxmlformats.org/officeDocument/2006/math">
+                      <m:sSub>
+                        <m:sSubPr>
+                          <m:ctrlPr>
+                            <a:rPr lang="en-US" sz="1400" i="1" smtClean="0">
+                              <a:latin typeface="Cambria Math" charset="0"/>
+                            </a:rPr>
+                          </m:ctrlPr>
+                        </m:sSubPr>
+                        <m:e>
+                          <m:r>
+                            <a:rPr lang="en-US" sz="1400" b="0" i="1">
+                              <a:latin typeface="Cambria Math" charset="0"/>
+                            </a:rPr>
+                            <m:t>𝑋</m:t>
+                          </m:r>
+                        </m:e>
+                        <m:sub>
+                          <m:r>
+                            <a:rPr lang="en-US" sz="1400" b="0" i="1">
+                              <a:latin typeface="Cambria Math" charset="0"/>
+                            </a:rPr>
+                            <m:t>𝑘</m:t>
+                          </m:r>
+                          <m:r>
+                            <a:rPr lang="en-US" sz="1400" b="0" i="1">
+                              <a:latin typeface="Cambria Math" charset="0"/>
+                            </a:rPr>
+                            <m:t>+1</m:t>
+                          </m:r>
+                          <m:r>
+                            <a:rPr lang="en-US" sz="1400" b="0" i="1">
+                              <a:latin typeface="Cambria Math" charset="0"/>
+                            </a:rPr>
+                            <m:t>|</m:t>
+                          </m:r>
+                          <m:r>
+                            <a:rPr lang="en-US" sz="1400" b="0" i="1">
+                              <a:latin typeface="Cambria Math" charset="0"/>
+                            </a:rPr>
+                            <m:t>𝑘</m:t>
+                          </m:r>
+                          <m:r>
+                            <a:rPr lang="en-US" sz="1400" b="0" i="1">
+                              <a:latin typeface="Cambria Math" charset="0"/>
+                            </a:rPr>
+                            <m:t>+1</m:t>
+                          </m:r>
+                        </m:sub>
+                      </m:sSub>
+                      <m:r>
+                        <a:rPr lang="en-US" sz="1400" b="0" i="0" smtClean="0">
+                          <a:latin typeface="Cambria Math" charset="0"/>
+                        </a:rPr>
+                        <m:t>={</m:t>
+                      </m:r>
+                      <m:sSub>
+                        <m:sSubPr>
+                          <m:ctrlPr>
+                            <a:rPr lang="en-US" sz="1400" b="0" i="1" smtClean="0">
+                              <a:latin typeface="Cambria Math" charset="0"/>
+                            </a:rPr>
+                          </m:ctrlPr>
+                        </m:sSubPr>
+                        <m:e>
+                          <m:acc>
+                            <m:accPr>
+                              <m:chr m:val="̂"/>
+                              <m:ctrlPr>
+                                <a:rPr lang="en-US" sz="1400" b="0" i="1" smtClean="0">
+                                  <a:latin typeface="Cambria Math" charset="0"/>
+                                </a:rPr>
+                              </m:ctrlPr>
+                            </m:accPr>
+                            <m:e>
+                              <m:r>
+                                <a:rPr lang="en-US" sz="1400" b="0" i="1" smtClean="0">
+                                  <a:latin typeface="Cambria Math" charset="0"/>
+                                </a:rPr>
+                                <m:t>𝑥</m:t>
+                              </m:r>
+                            </m:e>
+                          </m:acc>
+                        </m:e>
+                        <m:sub>
+                          <m:r>
+                            <a:rPr lang="en-US" sz="1400" b="0" i="1" smtClean="0">
+                              <a:latin typeface="Cambria Math" charset="0"/>
+                            </a:rPr>
+                            <m:t>𝑘</m:t>
+                          </m:r>
+                          <m:r>
+                            <a:rPr lang="en-US" sz="1400" b="0" i="1" smtClean="0">
+                              <a:latin typeface="Cambria Math" charset="0"/>
+                            </a:rPr>
+                            <m:t>+1</m:t>
+                          </m:r>
+                        </m:sub>
+                      </m:sSub>
+                      <m:r>
+                        <a:rPr lang="en-US" sz="1400" b="0" i="0" smtClean="0">
+                          <a:latin typeface="Cambria Math" charset="0"/>
+                        </a:rPr>
+                        <m:t>}</m:t>
+                      </m:r>
+                      <m:r>
+                        <a:rPr lang="en-US" sz="1400" i="1">
+                          <a:latin typeface="Cambria Math"/>
+                        </a:rPr>
+                        <m:t>⨁</m:t>
+                      </m:r>
+                      <m:r>
+                        <a:rPr lang="en-US" sz="1400" b="0" i="1" smtClean="0">
+                          <a:latin typeface="Cambria Math" charset="0"/>
+                        </a:rPr>
+                        <m:t>(−</m:t>
+                      </m:r>
+                      <m:r>
+                        <a:rPr lang="en-US" sz="1400" b="0" i="1" smtClean="0">
+                          <a:latin typeface="Cambria Math" charset="0"/>
+                        </a:rPr>
+                        <m:t>𝐸</m:t>
+                      </m:r>
+                      <m:r>
+                        <a:rPr lang="en-US" sz="1400" b="0" i="1" smtClean="0">
+                          <a:latin typeface="Cambria Math" charset="0"/>
+                        </a:rPr>
+                        <m:t>)</m:t>
+                      </m:r>
+                    </m:oMath>
+                  </m:oMathPara>
+                </a14:m>
+                <a:endParaRPr lang="en-US" sz="1400" dirty="0"/>
+              </a:p>
+            </p:txBody>
+          </p:sp>
+        </mc:Choice>
+        <mc:Fallback>
+          <p:sp>
+            <p:nvSpPr>
+              <p:cNvPr id="120" name="Rectangle 119"/>
+              <p:cNvSpPr>
+                <a:spLocks noRot="1" noChangeAspect="1" noMove="1" noResize="1" noEditPoints="1" noAdjustHandles="1" noChangeArrowheads="1" noChangeShapeType="1" noTextEdit="1"/>
+              </p:cNvSpPr>
+              <p:nvPr/>
+            </p:nvSpPr>
+            <p:spPr>
+              <a:xfrm>
+                <a:off x="2623110" y="2797123"/>
+                <a:ext cx="2162133" cy="327077"/>
+              </a:xfrm>
+              <a:prstGeom prst="rect">
+                <a:avLst/>
+              </a:prstGeom>
+              <a:blipFill rotWithShape="0">
+                <a:blip r:embed="rId8"/>
+                <a:stretch>
+                  <a:fillRect b="-3704"/>
+                </a:stretch>
+              </a:blipFill>
+            </p:spPr>
+            <p:txBody>
+              <a:bodyPr/>
+              <a:lstStyle/>
+              <a:p>
+                <a:r>
+                  <a:rPr lang="en-US">
+                    <a:noFill/>
+                  </a:rPr>
+                  <a:t> </a:t>
+                </a:r>
+              </a:p>
+            </p:txBody>
+          </p:sp>
+        </mc:Fallback>
+      </mc:AlternateContent>
+      <p:cxnSp>
+        <p:nvCxnSpPr>
+          <p:cNvPr id="122" name="Straight Arrow Connector 121"/>
+          <p:cNvCxnSpPr>
+            <a:stCxn id="120" idx="0"/>
+            <a:endCxn id="133" idx="2"/>
+          </p:cNvCxnSpPr>
+          <p:nvPr/>
+        </p:nvCxnSpPr>
+        <p:spPr>
+          <a:xfrm flipV="1">
+            <a:off x="3704177" y="2541823"/>
+            <a:ext cx="253633" cy="255300"/>
+          </a:xfrm>
+          <a:prstGeom prst="straightConnector1">
+            <a:avLst/>
+          </a:prstGeom>
+          <a:ln w="19050">
+            <a:solidFill>
+              <a:schemeClr val="tx1"/>
+            </a:solidFill>
+            <a:prstDash val="solid"/>
+            <a:tailEnd type="arrow"/>
+          </a:ln>
+        </p:spPr>
+        <p:style>
+          <a:lnRef idx="1">
+            <a:schemeClr val="accent1"/>
+          </a:lnRef>
+          <a:fillRef idx="0">
+            <a:schemeClr val="accent1"/>
+          </a:fillRef>
+          <a:effectRef idx="0">
+            <a:schemeClr val="accent1"/>
+          </a:effectRef>
+          <a:fontRef idx="minor">
+            <a:schemeClr val="tx1"/>
+          </a:fontRef>
+        </p:style>
+      </p:cxnSp>
+      <p:grpSp>
+        <p:nvGrpSpPr>
+          <p:cNvPr id="132" name="Group 131"/>
+          <p:cNvGrpSpPr/>
+          <p:nvPr/>
+        </p:nvGrpSpPr>
+        <p:grpSpPr>
+          <a:xfrm>
+            <a:off x="3653010" y="1932223"/>
+            <a:ext cx="609600" cy="609600"/>
+            <a:chOff x="665718" y="1088762"/>
+            <a:chExt cx="609600" cy="609600"/>
+          </a:xfrm>
+        </p:grpSpPr>
+        <p:sp>
+          <p:nvSpPr>
+            <p:cNvPr id="133" name="Rectangle 132"/>
+            <p:cNvSpPr/>
+            <p:nvPr/>
+          </p:nvSpPr>
+          <p:spPr>
+            <a:xfrm>
+              <a:off x="665718" y="1088762"/>
+              <a:ext cx="609600" cy="609600"/>
+            </a:xfrm>
+            <a:prstGeom prst="rect">
+              <a:avLst/>
+            </a:prstGeom>
+            <a:noFill/>
+            <a:ln>
+              <a:solidFill>
+                <a:schemeClr val="tx1"/>
+              </a:solidFill>
+            </a:ln>
+          </p:spPr>
+          <p:style>
+            <a:lnRef idx="2">
+              <a:schemeClr val="accent1">
+                <a:shade val="50000"/>
+              </a:schemeClr>
+            </a:lnRef>
+            <a:fillRef idx="1">
+              <a:schemeClr val="accent1"/>
+            </a:fillRef>
+            <a:effectRef idx="0">
+              <a:schemeClr val="accent1"/>
+            </a:effectRef>
+            <a:fontRef idx="minor">
+              <a:schemeClr val="lt1"/>
+            </a:fontRef>
+          </p:style>
+          <p:txBody>
+            <a:bodyPr rtlCol="0" anchor="ctr"/>
+            <a:lstStyle/>
+            <a:p>
+              <a:pPr algn="ctr"/>
+              <a:endParaRPr lang="en-US"/>
+            </a:p>
+          </p:txBody>
+        </p:sp>
+        <p:sp>
+          <p:nvSpPr>
+            <p:cNvPr id="134" name="5-Point Star 133"/>
+            <p:cNvSpPr/>
+            <p:nvPr/>
+          </p:nvSpPr>
+          <p:spPr>
+            <a:xfrm>
+              <a:off x="888351" y="1366339"/>
+              <a:ext cx="152400" cy="152400"/>
+            </a:xfrm>
+            <a:prstGeom prst="star5">
+              <a:avLst/>
+            </a:prstGeom>
+            <a:solidFill>
+              <a:schemeClr val="tx1"/>
+            </a:solidFill>
+          </p:spPr>
+          <p:style>
+            <a:lnRef idx="2">
+              <a:schemeClr val="accent1">
+                <a:shade val="50000"/>
+              </a:schemeClr>
+            </a:lnRef>
+            <a:fillRef idx="1">
+              <a:schemeClr val="accent1"/>
+            </a:fillRef>
+            <a:effectRef idx="0">
+              <a:schemeClr val="accent1"/>
+            </a:effectRef>
+            <a:fontRef idx="minor">
+              <a:schemeClr val="lt1"/>
+            </a:fontRef>
+          </p:style>
+          <p:txBody>
+            <a:bodyPr rtlCol="0" anchor="ctr"/>
+            <a:lstStyle/>
+            <a:p>
+              <a:pPr algn="ctr"/>
+              <a:endParaRPr lang="en-US"/>
+            </a:p>
+          </p:txBody>
+        </p:sp>
+      </p:grpSp>
+      <p:cxnSp>
+        <p:nvCxnSpPr>
+          <p:cNvPr id="137" name="Straight Connector 136"/>
+          <p:cNvCxnSpPr/>
+          <p:nvPr/>
+        </p:nvCxnSpPr>
+        <p:spPr>
+          <a:xfrm>
+            <a:off x="4305875" y="1071810"/>
+            <a:ext cx="1277808" cy="227129"/>
+          </a:xfrm>
+          <a:prstGeom prst="line">
+            <a:avLst/>
+          </a:prstGeom>
+          <a:ln>
+            <a:prstDash val="sysDash"/>
+          </a:ln>
+        </p:spPr>
+        <p:style>
+          <a:lnRef idx="1">
+            <a:schemeClr val="accent1"/>
+          </a:lnRef>
+          <a:fillRef idx="0">
+            <a:schemeClr val="accent1"/>
+          </a:fillRef>
+          <a:effectRef idx="0">
+            <a:schemeClr val="accent1"/>
+          </a:effectRef>
+          <a:fontRef idx="minor">
+            <a:schemeClr val="tx1"/>
+          </a:fontRef>
+        </p:style>
+      </p:cxnSp>
+      <p:cxnSp>
+        <p:nvCxnSpPr>
+          <p:cNvPr id="142" name="Straight Connector 141"/>
+          <p:cNvCxnSpPr/>
+          <p:nvPr/>
+        </p:nvCxnSpPr>
+        <p:spPr>
+          <a:xfrm>
+            <a:off x="4334166" y="2699813"/>
+            <a:ext cx="1244953" cy="294264"/>
+          </a:xfrm>
+          <a:prstGeom prst="line">
+            <a:avLst/>
+          </a:prstGeom>
+          <a:ln>
+            <a:prstDash val="sysDash"/>
+          </a:ln>
+        </p:spPr>
+        <p:style>
+          <a:lnRef idx="1">
+            <a:schemeClr val="accent1"/>
+          </a:lnRef>
+          <a:fillRef idx="0">
+            <a:schemeClr val="accent1"/>
+          </a:fillRef>
+          <a:effectRef idx="0">
+            <a:schemeClr val="accent1"/>
+          </a:effectRef>
+          <a:fontRef idx="minor">
+            <a:schemeClr val="tx1"/>
+          </a:fontRef>
+        </p:style>
+      </p:cxnSp>
+      <mc:AlternateContent xmlns:mc="http://schemas.openxmlformats.org/markup-compatibility/2006">
+        <mc:Choice xmlns:a14="http://schemas.microsoft.com/office/drawing/2010/main" Requires="a14">
+          <p:sp>
+            <p:nvSpPr>
+              <p:cNvPr id="147" name="Rectangle 146"/>
+              <p:cNvSpPr/>
+              <p:nvPr/>
+            </p:nvSpPr>
+            <p:spPr>
+              <a:xfrm>
+                <a:off x="5719383" y="1318882"/>
+                <a:ext cx="1396740" cy="327077"/>
+              </a:xfrm>
+              <a:prstGeom prst="rect">
+                <a:avLst/>
+              </a:prstGeom>
+            </p:spPr>
+            <p:txBody>
+              <a:bodyPr wrap="square">
+                <a:spAutoFit/>
+              </a:bodyPr>
+              <a:lstStyle/>
+              <a:p>
+                <a14:m>
+                  <m:oMathPara xmlns:m="http://schemas.openxmlformats.org/officeDocument/2006/math">
+                    <m:oMathParaPr>
+                      <m:jc m:val="centerGroup"/>
+                    </m:oMathParaPr>
+                    <m:oMath xmlns:m="http://schemas.openxmlformats.org/officeDocument/2006/math">
+                      <m:sSub>
+                        <m:sSubPr>
+                          <m:ctrlPr>
+                            <a:rPr lang="en-US" sz="1400" i="1" smtClean="0">
+                              <a:latin typeface="Cambria Math" charset="0"/>
+                            </a:rPr>
+                          </m:ctrlPr>
+                        </m:sSubPr>
+                        <m:e>
+                          <m:r>
+                            <a:rPr lang="en-US" sz="1400" i="1">
+                              <a:latin typeface="Cambria Math" charset="0"/>
+                            </a:rPr>
+                            <m:t>𝑅𝑇</m:t>
+                          </m:r>
+                        </m:e>
+                        <m:sub>
+                          <m:r>
+                            <a:rPr lang="en-US" sz="1400" i="1">
+                              <a:latin typeface="Cambria Math" charset="0"/>
+                            </a:rPr>
+                            <m:t>=</m:t>
+                          </m:r>
+                          <m:r>
+                            <a:rPr lang="en-US" sz="1400" i="1">
+                              <a:latin typeface="Cambria Math" charset="0"/>
+                            </a:rPr>
+                            <m:t>𝑇</m:t>
+                          </m:r>
+                        </m:sub>
+                      </m:sSub>
+                      <m:r>
+                        <a:rPr lang="en-US" sz="1400">
+                          <a:latin typeface="Cambria Math" charset="0"/>
+                        </a:rPr>
+                        <m:t>(</m:t>
+                      </m:r>
+                      <m:sSub>
+                        <m:sSubPr>
+                          <m:ctrlPr>
+                            <a:rPr lang="en-US" sz="1400" b="1" i="1">
+                              <a:latin typeface="Cambria Math" charset="0"/>
+                            </a:rPr>
+                          </m:ctrlPr>
+                        </m:sSubPr>
+                        <m:e>
+                          <m:r>
+                            <a:rPr lang="en-US" sz="1400" b="1" i="1">
+                              <a:latin typeface="Cambria Math" charset="0"/>
+                            </a:rPr>
+                            <m:t>𝑿</m:t>
+                          </m:r>
+                        </m:e>
+                        <m:sub>
+                          <m:r>
+                            <a:rPr lang="en-US" sz="1400" b="1" i="1">
+                              <a:latin typeface="Cambria Math" charset="0"/>
+                            </a:rPr>
+                            <m:t>𝒌</m:t>
+                          </m:r>
+                          <m:r>
+                            <a:rPr lang="en-US" sz="1400" b="1" i="1" smtClean="0">
+                              <a:latin typeface="Cambria Math" charset="0"/>
+                            </a:rPr>
+                            <m:t>+</m:t>
+                          </m:r>
+                          <m:r>
+                            <a:rPr lang="en-US" sz="1400" b="1" i="1" smtClean="0">
+                              <a:latin typeface="Cambria Math" charset="0"/>
+                            </a:rPr>
+                            <m:t>𝟏</m:t>
+                          </m:r>
+                          <m:r>
+                            <a:rPr lang="en-US" sz="1400" b="1" i="1">
+                              <a:latin typeface="Cambria Math" charset="0"/>
+                            </a:rPr>
+                            <m:t>|</m:t>
+                          </m:r>
+                          <m:r>
+                            <a:rPr lang="en-US" sz="1400" b="1" i="1">
+                              <a:latin typeface="Cambria Math" charset="0"/>
+                            </a:rPr>
+                            <m:t>𝒌</m:t>
+                          </m:r>
+                        </m:sub>
+                      </m:sSub>
+                      <m:r>
+                        <a:rPr lang="en-US" sz="1400">
+                          <a:latin typeface="Cambria Math" charset="0"/>
+                        </a:rPr>
+                        <m:t>,</m:t>
+                      </m:r>
+                      <m:r>
+                        <m:rPr>
+                          <m:sty m:val="p"/>
+                        </m:rPr>
+                        <a:rPr lang="en-US" sz="1400">
+                          <a:latin typeface="Cambria Math" charset="0"/>
+                        </a:rPr>
+                        <m:t>U</m:t>
+                      </m:r>
+                      <m:r>
+                        <a:rPr lang="en-US" sz="1400">
+                          <a:latin typeface="Cambria Math" charset="0"/>
+                        </a:rPr>
+                        <m:t>)</m:t>
+                      </m:r>
+                    </m:oMath>
+                  </m:oMathPara>
+                </a14:m>
+                <a:endParaRPr lang="en-US" sz="1400" dirty="0"/>
+              </a:p>
+            </p:txBody>
+          </p:sp>
+        </mc:Choice>
+        <mc:Fallback>
+          <p:sp>
+            <p:nvSpPr>
+              <p:cNvPr id="147" name="Rectangle 146"/>
+              <p:cNvSpPr>
+                <a:spLocks noRot="1" noChangeAspect="1" noMove="1" noResize="1" noEditPoints="1" noAdjustHandles="1" noChangeArrowheads="1" noChangeShapeType="1" noTextEdit="1"/>
+              </p:cNvSpPr>
+              <p:nvPr/>
+            </p:nvSpPr>
+            <p:spPr>
+              <a:xfrm>
+                <a:off x="5719383" y="1318882"/>
+                <a:ext cx="1396740" cy="327077"/>
+              </a:xfrm>
+              <a:prstGeom prst="rect">
+                <a:avLst/>
+              </a:prstGeom>
+              <a:blipFill rotWithShape="0">
+                <a:blip r:embed="rId9"/>
+                <a:stretch>
+                  <a:fillRect b="-5556"/>
+                </a:stretch>
+              </a:blipFill>
+            </p:spPr>
+            <p:txBody>
+              <a:bodyPr/>
+              <a:lstStyle/>
+              <a:p>
+                <a:r>
+                  <a:rPr lang="en-US">
+                    <a:noFill/>
+                  </a:rPr>
+                  <a:t> </a:t>
+                </a:r>
+              </a:p>
+            </p:txBody>
+          </p:sp>
+        </mc:Fallback>
+      </mc:AlternateContent>
+      <mc:AlternateContent xmlns:mc="http://schemas.openxmlformats.org/markup-compatibility/2006">
+        <mc:Choice xmlns:a14="http://schemas.microsoft.com/office/drawing/2010/main" Requires="a14">
+          <p:sp>
+            <p:nvSpPr>
+              <p:cNvPr id="148" name="Rectangle 147"/>
+              <p:cNvSpPr/>
+              <p:nvPr/>
+            </p:nvSpPr>
+            <p:spPr>
+              <a:xfrm>
+                <a:off x="5283719" y="609600"/>
+                <a:ext cx="2793481" cy="327077"/>
+              </a:xfrm>
+              <a:prstGeom prst="rect">
+                <a:avLst/>
+              </a:prstGeom>
+              <a:ln>
+                <a:noFill/>
+              </a:ln>
+            </p:spPr>
+            <p:txBody>
+              <a:bodyPr wrap="square">
+                <a:spAutoFit/>
+              </a:bodyPr>
+              <a:lstStyle/>
+              <a:p>
+                <a14:m>
+                  <m:oMathPara xmlns:m="http://schemas.openxmlformats.org/officeDocument/2006/math">
+                    <m:oMathParaPr>
+                      <m:jc m:val="centerGroup"/>
+                    </m:oMathParaPr>
+                    <m:oMath xmlns:m="http://schemas.openxmlformats.org/officeDocument/2006/math">
+                      <m:sSub>
+                        <m:sSubPr>
+                          <m:ctrlPr>
+                            <a:rPr lang="en-US" sz="1400" i="1" smtClean="0">
+                              <a:latin typeface="Cambria Math" charset="0"/>
+                            </a:rPr>
+                          </m:ctrlPr>
+                        </m:sSubPr>
+                        <m:e>
+                          <m:sSub>
+                            <m:sSubPr>
+                              <m:ctrlPr>
+                                <a:rPr lang="en-US" sz="1400" b="1" i="1">
+                                  <a:latin typeface="Cambria Math" charset="0"/>
+                                </a:rPr>
+                              </m:ctrlPr>
+                            </m:sSubPr>
+                            <m:e>
+                              <m:r>
+                                <a:rPr lang="en-US" sz="1400" b="1" i="1">
+                                  <a:latin typeface="Cambria Math" charset="0"/>
+                                </a:rPr>
+                                <m:t>𝑿</m:t>
+                              </m:r>
+                            </m:e>
+                            <m:sub>
+                              <m:r>
+                                <a:rPr lang="en-US" sz="1400" b="1" i="1">
+                                  <a:latin typeface="Cambria Math" charset="0"/>
+                                </a:rPr>
+                                <m:t>𝒌</m:t>
+                              </m:r>
+                              <m:r>
+                                <a:rPr lang="en-US" sz="1400" b="1" i="1" smtClean="0">
+                                  <a:latin typeface="Cambria Math" charset="0"/>
+                                </a:rPr>
+                                <m:t>+</m:t>
+                              </m:r>
+                              <m:r>
+                                <a:rPr lang="en-US" sz="1400" b="1" i="1" smtClean="0">
+                                  <a:latin typeface="Cambria Math" charset="0"/>
+                                </a:rPr>
+                                <m:t>𝟐</m:t>
+                              </m:r>
+                              <m:r>
+                                <a:rPr lang="en-US" sz="1400" b="1" i="1">
+                                  <a:latin typeface="Cambria Math" charset="0"/>
+                                </a:rPr>
+                                <m:t>|</m:t>
+                              </m:r>
+                              <m:r>
+                                <a:rPr lang="en-US" sz="1400" b="1" i="1">
+                                  <a:latin typeface="Cambria Math" charset="0"/>
+                                </a:rPr>
+                                <m:t>𝒌</m:t>
+                              </m:r>
+                            </m:sub>
+                          </m:sSub>
+                          <m:r>
+                            <a:rPr lang="en-US" sz="1400" b="0" i="1" smtClean="0">
+                              <a:latin typeface="Cambria Math" charset="0"/>
+                            </a:rPr>
+                            <m:t>=</m:t>
+                          </m:r>
+                          <m:r>
+                            <a:rPr lang="en-US" sz="1400" i="1">
+                              <a:latin typeface="Cambria Math" charset="0"/>
+                            </a:rPr>
+                            <m:t>𝑅𝑇</m:t>
+                          </m:r>
+                        </m:e>
+                        <m:sub>
+                          <m:r>
+                            <a:rPr lang="en-US" sz="1400" i="1">
+                              <a:latin typeface="Cambria Math" charset="0"/>
+                            </a:rPr>
+                            <m:t>=</m:t>
+                          </m:r>
+                          <m:r>
+                            <a:rPr lang="en-US" sz="1400" i="1">
+                              <a:latin typeface="Cambria Math" charset="0"/>
+                            </a:rPr>
+                            <m:t>𝑇</m:t>
+                          </m:r>
+                        </m:sub>
+                      </m:sSub>
+                      <m:r>
+                        <a:rPr lang="en-US" sz="1400">
+                          <a:latin typeface="Cambria Math" charset="0"/>
+                        </a:rPr>
+                        <m:t>(</m:t>
+                      </m:r>
+                      <m:sSub>
+                        <m:sSubPr>
+                          <m:ctrlPr>
+                            <a:rPr lang="en-US" sz="1400" b="1" i="1">
+                              <a:latin typeface="Cambria Math" charset="0"/>
+                            </a:rPr>
+                          </m:ctrlPr>
+                        </m:sSubPr>
+                        <m:e>
+                          <m:r>
+                            <a:rPr lang="en-US" sz="1400" b="1" i="1">
+                              <a:latin typeface="Cambria Math" charset="0"/>
+                            </a:rPr>
+                            <m:t>𝑿</m:t>
+                          </m:r>
+                        </m:e>
+                        <m:sub>
+                          <m:r>
+                            <a:rPr lang="en-US" sz="1400" b="1" i="1">
+                              <a:latin typeface="Cambria Math" charset="0"/>
+                            </a:rPr>
+                            <m:t>𝒌</m:t>
+                          </m:r>
+                          <m:r>
+                            <a:rPr lang="en-US" sz="1400" b="1" i="1">
+                              <a:latin typeface="Cambria Math" charset="0"/>
+                            </a:rPr>
+                            <m:t>+</m:t>
+                          </m:r>
+                          <m:r>
+                            <a:rPr lang="en-US" sz="1400" b="1" i="1">
+                              <a:latin typeface="Cambria Math" charset="0"/>
+                            </a:rPr>
+                            <m:t>𝟏</m:t>
+                          </m:r>
+                          <m:r>
+                            <a:rPr lang="en-US" sz="1400" b="1" i="1">
+                              <a:latin typeface="Cambria Math" charset="0"/>
+                            </a:rPr>
+                            <m:t>|</m:t>
+                          </m:r>
+                          <m:r>
+                            <a:rPr lang="en-US" sz="1400" b="1" i="1">
+                              <a:latin typeface="Cambria Math" charset="0"/>
+                            </a:rPr>
+                            <m:t>𝒌</m:t>
+                          </m:r>
+                        </m:sub>
+                      </m:sSub>
+                      <m:r>
+                        <a:rPr lang="en-US" sz="1400">
+                          <a:latin typeface="Cambria Math" charset="0"/>
+                        </a:rPr>
+                        <m:t>,</m:t>
+                      </m:r>
+                      <m:r>
+                        <m:rPr>
+                          <m:sty m:val="p"/>
+                        </m:rPr>
+                        <a:rPr lang="en-US" sz="1400">
+                          <a:latin typeface="Cambria Math" charset="0"/>
+                        </a:rPr>
+                        <m:t>U</m:t>
+                      </m:r>
+                      <m:r>
+                        <a:rPr lang="en-US" sz="1400">
+                          <a:latin typeface="Cambria Math" charset="0"/>
+                        </a:rPr>
+                        <m:t>)</m:t>
+                      </m:r>
+                      <m:r>
+                        <a:rPr lang="en-US" sz="1400" i="1">
+                          <a:latin typeface="Cambria Math"/>
+                        </a:rPr>
+                        <m:t>⨁</m:t>
+                      </m:r>
+                      <m:r>
+                        <a:rPr lang="en-US" sz="1400" b="0" i="1" smtClean="0">
+                          <a:latin typeface="Cambria Math" charset="0"/>
+                        </a:rPr>
+                        <m:t>(−</m:t>
+                      </m:r>
+                      <m:r>
+                        <a:rPr lang="en-US" sz="1400" b="0" i="1" smtClean="0">
+                          <a:latin typeface="Cambria Math" charset="0"/>
+                        </a:rPr>
+                        <m:t>𝐸</m:t>
+                      </m:r>
+                      <m:r>
+                        <a:rPr lang="en-US" sz="1400" b="0" i="1" smtClean="0">
+                          <a:latin typeface="Cambria Math" charset="0"/>
+                        </a:rPr>
+                        <m:t>)⨁</m:t>
+                      </m:r>
+                      <m:r>
+                        <a:rPr lang="en-US" sz="1400" i="1">
+                          <a:latin typeface="Cambria Math" charset="0"/>
+                        </a:rPr>
+                        <m:t>𝐸</m:t>
+                      </m:r>
+                    </m:oMath>
+                  </m:oMathPara>
+                </a14:m>
+                <a:endParaRPr lang="en-US" sz="1400" dirty="0"/>
+              </a:p>
+            </p:txBody>
+          </p:sp>
+        </mc:Choice>
+        <mc:Fallback>
+          <p:sp>
+            <p:nvSpPr>
+              <p:cNvPr id="148" name="Rectangle 147"/>
+              <p:cNvSpPr>
+                <a:spLocks noRot="1" noChangeAspect="1" noMove="1" noResize="1" noEditPoints="1" noAdjustHandles="1" noChangeArrowheads="1" noChangeShapeType="1" noTextEdit="1"/>
+              </p:cNvSpPr>
+              <p:nvPr/>
+            </p:nvSpPr>
+            <p:spPr>
+              <a:xfrm>
+                <a:off x="5283719" y="609600"/>
+                <a:ext cx="2793481" cy="327077"/>
+              </a:xfrm>
+              <a:prstGeom prst="rect">
+                <a:avLst/>
+              </a:prstGeom>
+              <a:blipFill rotWithShape="0">
+                <a:blip r:embed="rId10"/>
+                <a:stretch>
+                  <a:fillRect r="-4585" b="-3704"/>
+                </a:stretch>
+              </a:blipFill>
+              <a:ln>
+                <a:noFill/>
+              </a:ln>
+            </p:spPr>
+            <p:txBody>
+              <a:bodyPr/>
+              <a:lstStyle/>
+              <a:p>
+                <a:r>
+                  <a:rPr lang="en-US">
+                    <a:noFill/>
+                  </a:rPr>
+                  <a:t> </a:t>
+                </a:r>
+              </a:p>
+            </p:txBody>
+          </p:sp>
+        </mc:Fallback>
+      </mc:AlternateContent>
+      <p:cxnSp>
+        <p:nvCxnSpPr>
+          <p:cNvPr id="161" name="Straight Connector 160"/>
+          <p:cNvCxnSpPr/>
+          <p:nvPr/>
+        </p:nvCxnSpPr>
+        <p:spPr>
+          <a:xfrm>
+            <a:off x="4258209" y="2541824"/>
+            <a:ext cx="1517635" cy="232224"/>
+          </a:xfrm>
+          <a:prstGeom prst="line">
+            <a:avLst/>
+          </a:prstGeom>
+          <a:ln w="19050">
+            <a:solidFill>
+              <a:schemeClr val="tx1"/>
+            </a:solidFill>
+            <a:prstDash val="sysDash"/>
+          </a:ln>
+        </p:spPr>
+        <p:style>
+          <a:lnRef idx="1">
+            <a:schemeClr val="accent1"/>
+          </a:lnRef>
+          <a:fillRef idx="0">
+            <a:schemeClr val="accent1"/>
+          </a:fillRef>
+          <a:effectRef idx="0">
+            <a:schemeClr val="accent1"/>
+          </a:effectRef>
+          <a:fontRef idx="minor">
+            <a:schemeClr val="tx1"/>
+          </a:fontRef>
+        </p:style>
+      </p:cxnSp>
+      <mc:AlternateContent xmlns:mc="http://schemas.openxmlformats.org/markup-compatibility/2006">
+        <mc:Choice xmlns:a14="http://schemas.microsoft.com/office/drawing/2010/main" Requires="a14">
+          <p:sp>
+            <p:nvSpPr>
+              <p:cNvPr id="168" name="Rectangle 167"/>
+              <p:cNvSpPr/>
+              <p:nvPr/>
+            </p:nvSpPr>
+            <p:spPr>
+              <a:xfrm>
+                <a:off x="3148820" y="3230750"/>
+                <a:ext cx="1686977" cy="327077"/>
+              </a:xfrm>
+              <a:prstGeom prst="rect">
+                <a:avLst/>
+              </a:prstGeom>
+            </p:spPr>
+            <p:txBody>
+              <a:bodyPr wrap="square">
+                <a:spAutoFit/>
+              </a:bodyPr>
+              <a:lstStyle/>
+              <a:p>
+                <a14:m>
+                  <m:oMathPara xmlns:m="http://schemas.openxmlformats.org/officeDocument/2006/math">
+                    <m:oMathParaPr>
+                      <m:jc m:val="centerGroup"/>
+                    </m:oMathParaPr>
+                    <m:oMath xmlns:m="http://schemas.openxmlformats.org/officeDocument/2006/math">
+                      <m:sSub>
+                        <m:sSubPr>
+                          <m:ctrlPr>
+                            <a:rPr lang="en-US" sz="1400" i="1" smtClean="0">
+                              <a:latin typeface="Cambria Math" charset="0"/>
+                            </a:rPr>
+                          </m:ctrlPr>
+                        </m:sSubPr>
+                        <m:e>
+                          <m:r>
+                            <a:rPr lang="en-US" sz="1400" i="1">
+                              <a:latin typeface="Cambria Math" charset="0"/>
+                            </a:rPr>
+                            <m:t>𝑅𝑇</m:t>
+                          </m:r>
+                        </m:e>
+                        <m:sub>
+                          <m:r>
+                            <a:rPr lang="en-US" sz="1400" i="1">
+                              <a:latin typeface="Cambria Math" charset="0"/>
+                            </a:rPr>
+                            <m:t>=</m:t>
+                          </m:r>
+                          <m:r>
+                            <a:rPr lang="en-US" sz="1400" i="1">
+                              <a:latin typeface="Cambria Math" charset="0"/>
+                            </a:rPr>
+                            <m:t>𝑇</m:t>
+                          </m:r>
+                        </m:sub>
+                      </m:sSub>
+                      <m:r>
+                        <a:rPr lang="en-US" sz="1400">
+                          <a:latin typeface="Cambria Math" charset="0"/>
+                        </a:rPr>
+                        <m:t>(</m:t>
+                      </m:r>
+                      <m:sSub>
+                        <m:sSubPr>
+                          <m:ctrlPr>
+                            <a:rPr lang="en-US" sz="1400" i="1">
+                              <a:latin typeface="Cambria Math" charset="0"/>
+                            </a:rPr>
+                          </m:ctrlPr>
+                        </m:sSubPr>
+                        <m:e>
+                          <m:r>
+                            <a:rPr lang="en-US" sz="1400" i="1">
+                              <a:latin typeface="Cambria Math" charset="0"/>
+                            </a:rPr>
+                            <m:t>𝑋</m:t>
+                          </m:r>
+                        </m:e>
+                        <m:sub>
+                          <m:r>
+                            <a:rPr lang="en-US" sz="1400" i="1">
+                              <a:latin typeface="Cambria Math" charset="0"/>
+                            </a:rPr>
+                            <m:t>𝑘</m:t>
+                          </m:r>
+                          <m:r>
+                            <a:rPr lang="en-US" sz="1400" b="0" i="1" smtClean="0">
+                              <a:latin typeface="Cambria Math" charset="0"/>
+                            </a:rPr>
+                            <m:t>+1</m:t>
+                          </m:r>
+                          <m:r>
+                            <a:rPr lang="en-US" sz="1400" i="1">
+                              <a:latin typeface="Cambria Math" charset="0"/>
+                            </a:rPr>
+                            <m:t>|</m:t>
+                          </m:r>
+                          <m:r>
+                            <a:rPr lang="en-US" sz="1400" i="1">
+                              <a:latin typeface="Cambria Math" charset="0"/>
+                            </a:rPr>
+                            <m:t>𝑘</m:t>
+                          </m:r>
+                          <m:r>
+                            <a:rPr lang="en-US" sz="1400" b="0" i="1" smtClean="0">
+                              <a:latin typeface="Cambria Math" charset="0"/>
+                            </a:rPr>
+                            <m:t>+1</m:t>
+                          </m:r>
+                        </m:sub>
+                      </m:sSub>
+                      <m:r>
+                        <a:rPr lang="en-US" sz="1400">
+                          <a:latin typeface="Cambria Math" charset="0"/>
+                        </a:rPr>
+                        <m:t>,</m:t>
+                      </m:r>
+                      <m:r>
+                        <m:rPr>
+                          <m:sty m:val="p"/>
+                        </m:rPr>
+                        <a:rPr lang="en-US" sz="1400">
+                          <a:latin typeface="Cambria Math" charset="0"/>
+                        </a:rPr>
+                        <m:t>U</m:t>
+                      </m:r>
+                      <m:r>
+                        <a:rPr lang="en-US" sz="1400">
+                          <a:latin typeface="Cambria Math" charset="0"/>
+                        </a:rPr>
+                        <m:t>)</m:t>
+                      </m:r>
+                    </m:oMath>
+                  </m:oMathPara>
+                </a14:m>
+                <a:endParaRPr lang="en-US" sz="1400" dirty="0"/>
+              </a:p>
+            </p:txBody>
+          </p:sp>
+        </mc:Choice>
+        <mc:Fallback>
+          <p:sp>
+            <p:nvSpPr>
+              <p:cNvPr id="168" name="Rectangle 167"/>
+              <p:cNvSpPr>
+                <a:spLocks noRot="1" noChangeAspect="1" noMove="1" noResize="1" noEditPoints="1" noAdjustHandles="1" noChangeArrowheads="1" noChangeShapeType="1" noTextEdit="1"/>
+              </p:cNvSpPr>
+              <p:nvPr/>
+            </p:nvSpPr>
+            <p:spPr>
+              <a:xfrm>
+                <a:off x="3148820" y="3230750"/>
+                <a:ext cx="1686977" cy="327077"/>
+              </a:xfrm>
+              <a:prstGeom prst="rect">
+                <a:avLst/>
+              </a:prstGeom>
+              <a:blipFill rotWithShape="0">
+                <a:blip r:embed="rId11"/>
+                <a:stretch>
+                  <a:fillRect b="-3704"/>
+                </a:stretch>
+              </a:blipFill>
+            </p:spPr>
+            <p:txBody>
+              <a:bodyPr/>
+              <a:lstStyle/>
+              <a:p>
+                <a:r>
+                  <a:rPr lang="en-US">
+                    <a:noFill/>
+                  </a:rPr>
+                  <a:t> </a:t>
+                </a:r>
+              </a:p>
+            </p:txBody>
+          </p:sp>
+        </mc:Fallback>
+      </mc:AlternateContent>
+      <p:cxnSp>
+        <p:nvCxnSpPr>
+          <p:cNvPr id="171" name="Straight Arrow Connector 170"/>
+          <p:cNvCxnSpPr>
+            <a:stCxn id="168" idx="3"/>
+          </p:cNvCxnSpPr>
+          <p:nvPr/>
+        </p:nvCxnSpPr>
+        <p:spPr>
+          <a:xfrm flipV="1">
+            <a:off x="4835797" y="2792727"/>
+            <a:ext cx="1003730" cy="601562"/>
+          </a:xfrm>
+          <a:prstGeom prst="straightConnector1">
+            <a:avLst/>
+          </a:prstGeom>
+          <a:ln w="19050">
+            <a:solidFill>
+              <a:schemeClr val="tx1"/>
+            </a:solidFill>
+            <a:prstDash val="solid"/>
+            <a:tailEnd type="arrow"/>
+          </a:ln>
+        </p:spPr>
+        <p:style>
+          <a:lnRef idx="1">
+            <a:schemeClr val="accent1"/>
+          </a:lnRef>
+          <a:fillRef idx="0">
+            <a:schemeClr val="accent1"/>
+          </a:fillRef>
+          <a:effectRef idx="0">
+            <a:schemeClr val="accent1"/>
+          </a:effectRef>
+          <a:fontRef idx="minor">
+            <a:schemeClr val="tx1"/>
+          </a:fontRef>
+        </p:style>
+      </p:cxnSp>
+      <mc:AlternateContent xmlns:mc="http://schemas.openxmlformats.org/markup-compatibility/2006">
+        <mc:Choice xmlns:a14="http://schemas.microsoft.com/office/drawing/2010/main" Requires="a14">
+          <p:sp>
+            <p:nvSpPr>
+              <p:cNvPr id="174" name="Rectangle 173"/>
+              <p:cNvSpPr/>
+              <p:nvPr/>
+            </p:nvSpPr>
+            <p:spPr>
+              <a:xfrm>
+                <a:off x="4750319" y="3557827"/>
+                <a:ext cx="2793481" cy="327077"/>
+              </a:xfrm>
+              <a:prstGeom prst="rect">
+                <a:avLst/>
+              </a:prstGeom>
+            </p:spPr>
+            <p:txBody>
+              <a:bodyPr wrap="square">
+                <a:spAutoFit/>
+              </a:bodyPr>
+              <a:lstStyle/>
+              <a:p>
+                <a14:m>
+                  <m:oMathPara xmlns:m="http://schemas.openxmlformats.org/officeDocument/2006/math">
+                    <m:oMathParaPr>
+                      <m:jc m:val="centerGroup"/>
+                    </m:oMathParaPr>
+                    <m:oMath xmlns:m="http://schemas.openxmlformats.org/officeDocument/2006/math">
+                      <m:sSub>
+                        <m:sSubPr>
+                          <m:ctrlPr>
+                            <a:rPr lang="en-US" sz="1400" i="1" smtClean="0">
+                              <a:latin typeface="Cambria Math" charset="0"/>
+                            </a:rPr>
+                          </m:ctrlPr>
+                        </m:sSubPr>
+                        <m:e>
+                          <m:sSub>
+                            <m:sSubPr>
+                              <m:ctrlPr>
+                                <a:rPr lang="en-US" sz="1400" b="1" i="1">
+                                  <a:latin typeface="Cambria Math" charset="0"/>
+                                </a:rPr>
+                              </m:ctrlPr>
+                            </m:sSubPr>
+                            <m:e>
+                              <m:r>
+                                <a:rPr lang="en-US" sz="1400" b="1" i="1">
+                                  <a:latin typeface="Cambria Math" charset="0"/>
+                                </a:rPr>
+                                <m:t>𝑿</m:t>
+                              </m:r>
+                            </m:e>
+                            <m:sub>
+                              <m:r>
+                                <a:rPr lang="en-US" sz="1400" b="1" i="1">
+                                  <a:latin typeface="Cambria Math" charset="0"/>
+                                </a:rPr>
+                                <m:t>𝒌</m:t>
+                              </m:r>
+                              <m:r>
+                                <a:rPr lang="en-US" sz="1400" b="1" i="1" smtClean="0">
+                                  <a:latin typeface="Cambria Math" charset="0"/>
+                                </a:rPr>
+                                <m:t>+</m:t>
+                              </m:r>
+                              <m:r>
+                                <a:rPr lang="en-US" sz="1400" b="1" i="1" smtClean="0">
+                                  <a:latin typeface="Cambria Math" charset="0"/>
+                                </a:rPr>
+                                <m:t>𝟐</m:t>
+                              </m:r>
+                              <m:r>
+                                <a:rPr lang="en-US" sz="1400" b="1" i="1">
+                                  <a:latin typeface="Cambria Math" charset="0"/>
+                                </a:rPr>
+                                <m:t>|</m:t>
+                              </m:r>
+                              <m:r>
+                                <a:rPr lang="en-US" sz="1400" b="1" i="1">
+                                  <a:latin typeface="Cambria Math" charset="0"/>
+                                </a:rPr>
+                                <m:t>𝒌</m:t>
+                              </m:r>
+                              <m:r>
+                                <a:rPr lang="en-US" sz="1400" b="1" i="1" smtClean="0">
+                                  <a:latin typeface="Cambria Math" charset="0"/>
+                                </a:rPr>
+                                <m:t>+</m:t>
+                              </m:r>
+                              <m:r>
+                                <a:rPr lang="en-US" sz="1400" b="1" i="1" smtClean="0">
+                                  <a:latin typeface="Cambria Math" charset="0"/>
+                                </a:rPr>
+                                <m:t>𝟏</m:t>
+                              </m:r>
+                            </m:sub>
+                          </m:sSub>
+                          <m:r>
+                            <a:rPr lang="en-US" sz="1400" b="0" i="1" smtClean="0">
+                              <a:latin typeface="Cambria Math" charset="0"/>
+                            </a:rPr>
+                            <m:t>=</m:t>
+                          </m:r>
+                          <m:r>
+                            <a:rPr lang="en-US" sz="1400" i="1">
+                              <a:latin typeface="Cambria Math" charset="0"/>
+                            </a:rPr>
+                            <m:t>𝑅𝑇</m:t>
+                          </m:r>
+                        </m:e>
+                        <m:sub>
+                          <m:r>
+                            <a:rPr lang="en-US" sz="1400" i="1">
+                              <a:latin typeface="Cambria Math" charset="0"/>
+                            </a:rPr>
+                            <m:t>=</m:t>
+                          </m:r>
+                          <m:r>
+                            <a:rPr lang="en-US" sz="1400" i="1">
+                              <a:latin typeface="Cambria Math" charset="0"/>
+                            </a:rPr>
+                            <m:t>𝑇</m:t>
+                          </m:r>
+                        </m:sub>
+                      </m:sSub>
+                      <m:r>
+                        <a:rPr lang="en-US" sz="1400">
+                          <a:latin typeface="Cambria Math" charset="0"/>
+                        </a:rPr>
+                        <m:t>(</m:t>
+                      </m:r>
+                      <m:sSub>
+                        <m:sSubPr>
+                          <m:ctrlPr>
+                            <a:rPr lang="en-US" sz="1400" i="1">
+                              <a:latin typeface="Cambria Math" charset="0"/>
+                            </a:rPr>
+                          </m:ctrlPr>
+                        </m:sSubPr>
+                        <m:e>
+                          <m:r>
+                            <a:rPr lang="en-US" sz="1400" b="0" i="1">
+                              <a:latin typeface="Cambria Math" charset="0"/>
+                            </a:rPr>
+                            <m:t>𝑋</m:t>
+                          </m:r>
+                        </m:e>
+                        <m:sub>
+                          <m:r>
+                            <a:rPr lang="en-US" sz="1400" b="0" i="1">
+                              <a:latin typeface="Cambria Math" charset="0"/>
+                            </a:rPr>
+                            <m:t>𝑘</m:t>
+                          </m:r>
+                          <m:r>
+                            <a:rPr lang="en-US" sz="1400" b="0" i="1">
+                              <a:latin typeface="Cambria Math" charset="0"/>
+                            </a:rPr>
+                            <m:t>+1</m:t>
+                          </m:r>
+                          <m:r>
+                            <a:rPr lang="en-US" sz="1400" b="0" i="1">
+                              <a:latin typeface="Cambria Math" charset="0"/>
+                            </a:rPr>
+                            <m:t>|</m:t>
+                          </m:r>
+                          <m:r>
+                            <a:rPr lang="en-US" sz="1400" b="0" i="1">
+                              <a:latin typeface="Cambria Math" charset="0"/>
+                            </a:rPr>
+                            <m:t>𝑘</m:t>
+                          </m:r>
+                          <m:r>
+                            <a:rPr lang="en-US" sz="1400" b="0" i="1" smtClean="0">
+                              <a:latin typeface="Cambria Math" charset="0"/>
+                            </a:rPr>
+                            <m:t>+1</m:t>
+                          </m:r>
+                        </m:sub>
+                      </m:sSub>
+                      <m:r>
+                        <a:rPr lang="en-US" sz="1400">
+                          <a:latin typeface="Cambria Math" charset="0"/>
+                        </a:rPr>
+                        <m:t>,</m:t>
+                      </m:r>
+                      <m:r>
+                        <m:rPr>
+                          <m:sty m:val="p"/>
+                        </m:rPr>
+                        <a:rPr lang="en-US" sz="1400">
+                          <a:latin typeface="Cambria Math" charset="0"/>
+                        </a:rPr>
+                        <m:t>U</m:t>
+                      </m:r>
+                      <m:r>
+                        <a:rPr lang="en-US" sz="1400">
+                          <a:latin typeface="Cambria Math" charset="0"/>
+                        </a:rPr>
+                        <m:t>)</m:t>
+                      </m:r>
+                      <m:r>
+                        <a:rPr lang="en-US" sz="1400" i="1">
+                          <a:latin typeface="Cambria Math"/>
+                        </a:rPr>
+                        <m:t>⨁</m:t>
+                      </m:r>
+                      <m:r>
+                        <a:rPr lang="en-US" sz="1400" b="0" i="1" smtClean="0">
+                          <a:latin typeface="Cambria Math" charset="0"/>
+                        </a:rPr>
+                        <m:t>(−</m:t>
+                      </m:r>
+                      <m:r>
+                        <a:rPr lang="en-US" sz="1400" b="0" i="1" smtClean="0">
+                          <a:latin typeface="Cambria Math" charset="0"/>
+                        </a:rPr>
+                        <m:t>𝐸</m:t>
+                      </m:r>
+                      <m:r>
+                        <a:rPr lang="en-US" sz="1400" b="0" i="1" smtClean="0">
+                          <a:latin typeface="Cambria Math" charset="0"/>
+                        </a:rPr>
+                        <m:t>)⨁</m:t>
+                      </m:r>
+                      <m:r>
+                        <a:rPr lang="en-US" sz="1400" i="1">
+                          <a:latin typeface="Cambria Math" charset="0"/>
+                        </a:rPr>
+                        <m:t>𝐸</m:t>
+                      </m:r>
+                    </m:oMath>
+                  </m:oMathPara>
+                </a14:m>
+                <a:endParaRPr lang="en-US" sz="1400" dirty="0"/>
+              </a:p>
+            </p:txBody>
+          </p:sp>
+        </mc:Choice>
+        <mc:Fallback>
+          <p:sp>
+            <p:nvSpPr>
+              <p:cNvPr id="174" name="Rectangle 173"/>
+              <p:cNvSpPr>
+                <a:spLocks noRot="1" noChangeAspect="1" noMove="1" noResize="1" noEditPoints="1" noAdjustHandles="1" noChangeArrowheads="1" noChangeShapeType="1" noTextEdit="1"/>
+              </p:cNvSpPr>
+              <p:nvPr/>
+            </p:nvSpPr>
+            <p:spPr>
+              <a:xfrm>
+                <a:off x="4750319" y="3557827"/>
+                <a:ext cx="2793481" cy="327077"/>
+              </a:xfrm>
+              <a:prstGeom prst="rect">
+                <a:avLst/>
+              </a:prstGeom>
+              <a:blipFill rotWithShape="0">
+                <a:blip r:embed="rId12"/>
+                <a:stretch>
+                  <a:fillRect r="-15904" b="-5660"/>
+                </a:stretch>
+              </a:blipFill>
+            </p:spPr>
+            <p:txBody>
+              <a:bodyPr/>
+              <a:lstStyle/>
+              <a:p>
+                <a:r>
+                  <a:rPr lang="en-US">
+                    <a:noFill/>
+                  </a:rPr>
+                  <a:t> </a:t>
+                </a:r>
+              </a:p>
+            </p:txBody>
+          </p:sp>
+        </mc:Fallback>
+      </mc:AlternateContent>
     </p:spTree>
     <p:extLst>
       <p:ext uri="{BB962C8B-B14F-4D97-AF65-F5344CB8AC3E}">
